--- a/Other/C# Project.pptx
+++ b/Other/C# Project.pptx
@@ -5,32 +5,33 @@
     <p:sldMasterId id="2147483660" r:id="rId1"/>
   </p:sldMasterIdLst>
   <p:notesMasterIdLst>
-    <p:notesMasterId r:id="rId25"/>
+    <p:notesMasterId r:id="rId26"/>
   </p:notesMasterIdLst>
   <p:sldIdLst>
     <p:sldId id="257" r:id="rId2"/>
     <p:sldId id="271" r:id="rId3"/>
     <p:sldId id="275" r:id="rId4"/>
     <p:sldId id="259" r:id="rId5"/>
-    <p:sldId id="267" r:id="rId6"/>
-    <p:sldId id="292" r:id="rId7"/>
-    <p:sldId id="287" r:id="rId8"/>
-    <p:sldId id="293" r:id="rId9"/>
-    <p:sldId id="294" r:id="rId10"/>
-    <p:sldId id="295" r:id="rId11"/>
-    <p:sldId id="278" r:id="rId12"/>
-    <p:sldId id="296" r:id="rId13"/>
-    <p:sldId id="297" r:id="rId14"/>
-    <p:sldId id="298" r:id="rId15"/>
-    <p:sldId id="300" r:id="rId16"/>
-    <p:sldId id="299" r:id="rId17"/>
-    <p:sldId id="270" r:id="rId18"/>
-    <p:sldId id="284" r:id="rId19"/>
-    <p:sldId id="276" r:id="rId20"/>
-    <p:sldId id="274" r:id="rId21"/>
-    <p:sldId id="272" r:id="rId22"/>
-    <p:sldId id="290" r:id="rId23"/>
-    <p:sldId id="285" r:id="rId24"/>
+    <p:sldId id="301" r:id="rId6"/>
+    <p:sldId id="267" r:id="rId7"/>
+    <p:sldId id="292" r:id="rId8"/>
+    <p:sldId id="287" r:id="rId9"/>
+    <p:sldId id="293" r:id="rId10"/>
+    <p:sldId id="294" r:id="rId11"/>
+    <p:sldId id="295" r:id="rId12"/>
+    <p:sldId id="278" r:id="rId13"/>
+    <p:sldId id="296" r:id="rId14"/>
+    <p:sldId id="297" r:id="rId15"/>
+    <p:sldId id="298" r:id="rId16"/>
+    <p:sldId id="300" r:id="rId17"/>
+    <p:sldId id="299" r:id="rId18"/>
+    <p:sldId id="270" r:id="rId19"/>
+    <p:sldId id="302" r:id="rId20"/>
+    <p:sldId id="276" r:id="rId21"/>
+    <p:sldId id="274" r:id="rId22"/>
+    <p:sldId id="272" r:id="rId23"/>
+    <p:sldId id="290" r:id="rId24"/>
+    <p:sldId id="285" r:id="rId25"/>
   </p:sldIdLst>
   <p:sldSz cx="9144000" cy="5143500" type="screen16x9"/>
   <p:notesSz cx="6858000" cy="9144000"/>
@@ -219,7 +220,7 @@
           <a:p>
             <a:fld id="{E800020C-8D7C-4561-B568-FBC8D0EAF1DF}" type="datetimeFigureOut">
               <a:rPr lang="en-US" smtClean="0"/>
-              <a:t>3/6/2018</a:t>
+              <a:t>3/7/2018</a:t>
             </a:fld>
             <a:endParaRPr lang="en-US"/>
           </a:p>
@@ -635,7 +636,7 @@
           <a:p>
             <a:fld id="{9DF7353F-A8B1-4751-A2C3-3554818E4080}" type="slidenum">
               <a:rPr lang="en-US" smtClean="0"/>
-              <a:t>5</a:t>
+              <a:t>6</a:t>
             </a:fld>
             <a:endParaRPr lang="en-US"/>
           </a:p>
@@ -739,7 +740,7 @@
           <a:p>
             <a:fld id="{9DF7353F-A8B1-4751-A2C3-3554818E4080}" type="slidenum">
               <a:rPr lang="en-US" smtClean="0"/>
-              <a:t>6</a:t>
+              <a:t>7</a:t>
             </a:fld>
             <a:endParaRPr lang="en-US"/>
           </a:p>
@@ -853,7 +854,7 @@
           <a:p>
             <a:fld id="{9DF7353F-A8B1-4751-A2C3-3554818E4080}" type="slidenum">
               <a:rPr lang="en-US" smtClean="0"/>
-              <a:t>7</a:t>
+              <a:t>8</a:t>
             </a:fld>
             <a:endParaRPr lang="en-US"/>
           </a:p>
@@ -957,7 +958,7 @@
           <a:p>
             <a:fld id="{9DF7353F-A8B1-4751-A2C3-3554818E4080}" type="slidenum">
               <a:rPr lang="en-US" smtClean="0"/>
-              <a:t>8</a:t>
+              <a:t>9</a:t>
             </a:fld>
             <a:endParaRPr lang="en-US"/>
           </a:p>
@@ -1061,7 +1062,7 @@
           <a:p>
             <a:fld id="{9DF7353F-A8B1-4751-A2C3-3554818E4080}" type="slidenum">
               <a:rPr lang="en-US" smtClean="0"/>
-              <a:t>9</a:t>
+              <a:t>10</a:t>
             </a:fld>
             <a:endParaRPr lang="en-US"/>
           </a:p>
@@ -1145,7 +1146,7 @@
           <a:p>
             <a:fld id="{9DF7353F-A8B1-4751-A2C3-3554818E4080}" type="slidenum">
               <a:rPr lang="en-US" smtClean="0"/>
-              <a:t>19</a:t>
+              <a:t>20</a:t>
             </a:fld>
             <a:endParaRPr lang="en-US"/>
           </a:p>
@@ -1229,7 +1230,7 @@
           <a:p>
             <a:fld id="{9DF7353F-A8B1-4751-A2C3-3554818E4080}" type="slidenum">
               <a:rPr lang="en-US" smtClean="0"/>
-              <a:t>20</a:t>
+              <a:t>21</a:t>
             </a:fld>
             <a:endParaRPr lang="en-US"/>
           </a:p>
@@ -2585,7 +2586,7 @@
           </a:ln>
           <a:extLst>
             <a:ext uri="{C572A759-6A51-4108-AA02-DFA0A04FC94B}">
-              <ma14:wrappingTextBoxFlag xmlns="" xmlns:ma14="http://schemas.microsoft.com/office/mac/drawingml/2011/main" val="1"/>
+              <ma14:wrappingTextBoxFlag xmlns:ma14="http://schemas.microsoft.com/office/mac/drawingml/2011/main" xmlns="" val="1"/>
             </a:ext>
           </a:extLst>
         </p:spPr>
@@ -2631,7 +2632,7 @@
           </a:ln>
           <a:extLst>
             <a:ext uri="{C572A759-6A51-4108-AA02-DFA0A04FC94B}">
-              <ma14:wrappingTextBoxFlag xmlns="" xmlns:ma14="http://schemas.microsoft.com/office/mac/drawingml/2011/main" val="1"/>
+              <ma14:wrappingTextBoxFlag xmlns:ma14="http://schemas.microsoft.com/office/mac/drawingml/2011/main" xmlns="" val="1"/>
             </a:ext>
           </a:extLst>
         </p:spPr>
@@ -3260,7 +3261,7 @@
           <p:cNvPr id="3" name="Footer Placeholder 2">
             <a:extLst>
               <a:ext uri="{FF2B5EF4-FFF2-40B4-BE49-F238E27FC236}">
-                <a16:creationId xmlns:a16="http://schemas.microsoft.com/office/drawing/2014/main" id="{BA87EF04-F5D4-4F9B-A5FD-61BD13D86370}"/>
+                <a16:creationId xmlns:a16="http://schemas.microsoft.com/office/drawing/2014/main" id="{41D8ADAE-A647-46D7-AB6E-418F9ECC2173}"/>
               </a:ext>
             </a:extLst>
           </p:cNvPr>
@@ -3289,7 +3290,7 @@
           <p:cNvPr id="4" name="Title 3">
             <a:extLst>
               <a:ext uri="{FF2B5EF4-FFF2-40B4-BE49-F238E27FC236}">
-                <a16:creationId xmlns:a16="http://schemas.microsoft.com/office/drawing/2014/main" id="{17AE65C2-BDFC-4756-9EC5-E2D92260A998}"/>
+                <a16:creationId xmlns:a16="http://schemas.microsoft.com/office/drawing/2014/main" id="{2B7F0B7C-3F12-4563-AD80-493B98D62443}"/>
               </a:ext>
             </a:extLst>
           </p:cNvPr>
@@ -3307,7 +3308,7 @@
           <a:p>
             <a:r>
               <a:rPr lang="en-US" dirty="0"/>
-              <a:t>UI - Main Interface</a:t>
+              <a:t>Sign up Screen Validation</a:t>
             </a:r>
           </a:p>
         </p:txBody>
@@ -3317,7 +3318,7 @@
           <p:cNvPr id="5" name="Slide Number Placeholder 4">
             <a:extLst>
               <a:ext uri="{FF2B5EF4-FFF2-40B4-BE49-F238E27FC236}">
-                <a16:creationId xmlns:a16="http://schemas.microsoft.com/office/drawing/2014/main" id="{BBEE15D0-08BA-4F58-9666-5BD06252BC95}"/>
+                <a16:creationId xmlns:a16="http://schemas.microsoft.com/office/drawing/2014/main" id="{DA749CD9-F80D-45C4-809A-17411F51AD70}"/>
               </a:ext>
             </a:extLst>
           </p:cNvPr>
@@ -3337,6 +3338,486 @@
               <a:rPr lang="en-US" smtClean="0"/>
               <a:pPr/>
               <a:t>10</a:t>
+            </a:fld>
+            <a:endParaRPr lang="en-US" dirty="0"/>
+          </a:p>
+        </p:txBody>
+      </p:sp>
+      <p:grpSp>
+        <p:nvGrpSpPr>
+          <p:cNvPr id="18" name="Group 89">
+            <a:extLst>
+              <a:ext uri="{FF2B5EF4-FFF2-40B4-BE49-F238E27FC236}">
+                <a16:creationId xmlns:a16="http://schemas.microsoft.com/office/drawing/2014/main" id="{E312A4AA-D9C1-4597-9567-DF55FCAFC66C}"/>
+              </a:ext>
+            </a:extLst>
+          </p:cNvPr>
+          <p:cNvGrpSpPr>
+            <a:grpSpLocks/>
+          </p:cNvGrpSpPr>
+          <p:nvPr/>
+        </p:nvGrpSpPr>
+        <p:grpSpPr bwMode="auto">
+          <a:xfrm>
+            <a:off x="7643747" y="320040"/>
+            <a:ext cx="1079599" cy="161925"/>
+            <a:chOff x="852" y="3385"/>
+            <a:chExt cx="906" cy="136"/>
+          </a:xfrm>
+          <a:solidFill>
+            <a:schemeClr val="accent2">
+              <a:lumMod val="75000"/>
+            </a:schemeClr>
+          </a:solidFill>
+        </p:grpSpPr>
+        <p:sp>
+          <p:nvSpPr>
+            <p:cNvPr id="19" name="AutoShape 90">
+              <a:extLst>
+                <a:ext uri="{FF2B5EF4-FFF2-40B4-BE49-F238E27FC236}">
+                  <a16:creationId xmlns:a16="http://schemas.microsoft.com/office/drawing/2014/main" id="{0D3EB79E-5BB7-48A7-BCCE-FD3846B0A067}"/>
+                </a:ext>
+              </a:extLst>
+            </p:cNvPr>
+            <p:cNvSpPr>
+              <a:spLocks noChangeArrowheads="1"/>
+            </p:cNvSpPr>
+            <p:nvPr/>
+          </p:nvSpPr>
+          <p:spPr bwMode="auto">
+            <a:xfrm>
+              <a:off x="1079" y="3385"/>
+              <a:ext cx="226" cy="136"/>
+            </a:xfrm>
+            <a:prstGeom prst="chevron">
+              <a:avLst>
+                <a:gd name="adj" fmla="val 41544"/>
+              </a:avLst>
+            </a:prstGeom>
+            <a:solidFill>
+              <a:srgbClr val="002060"/>
+            </a:solidFill>
+            <a:ln w="6350" algn="ctr">
+              <a:solidFill>
+                <a:srgbClr val="002060"/>
+              </a:solidFill>
+              <a:miter lim="800000"/>
+              <a:headEnd type="none" w="sm" len="sm"/>
+              <a:tailEnd type="none" w="med" len="lg"/>
+            </a:ln>
+          </p:spPr>
+          <p:txBody>
+            <a:bodyPr tIns="68580" bIns="68580" anchor="ctr"/>
+            <a:lstStyle/>
+            <a:p>
+              <a:pPr algn="ctr">
+                <a:defRPr/>
+              </a:pPr>
+              <a:endParaRPr lang="en-GB" sz="1214" dirty="0"/>
+            </a:p>
+          </p:txBody>
+        </p:sp>
+        <p:sp>
+          <p:nvSpPr>
+            <p:cNvPr id="20" name="AutoShape 91">
+              <a:extLst>
+                <a:ext uri="{FF2B5EF4-FFF2-40B4-BE49-F238E27FC236}">
+                  <a16:creationId xmlns:a16="http://schemas.microsoft.com/office/drawing/2014/main" id="{3B1D83F7-3307-4C9E-B605-B4A04FA3A02C}"/>
+                </a:ext>
+              </a:extLst>
+            </p:cNvPr>
+            <p:cNvSpPr>
+              <a:spLocks noChangeArrowheads="1"/>
+            </p:cNvSpPr>
+            <p:nvPr/>
+          </p:nvSpPr>
+          <p:spPr bwMode="auto">
+            <a:xfrm>
+              <a:off x="1306" y="3385"/>
+              <a:ext cx="225" cy="136"/>
+            </a:xfrm>
+            <a:prstGeom prst="chevron">
+              <a:avLst>
+                <a:gd name="adj" fmla="val 41544"/>
+              </a:avLst>
+            </a:prstGeom>
+            <a:noFill/>
+            <a:ln w="6350" algn="ctr">
+              <a:solidFill>
+                <a:srgbClr val="002060"/>
+              </a:solidFill>
+              <a:miter lim="800000"/>
+              <a:headEnd type="none" w="sm" len="sm"/>
+              <a:tailEnd type="none" w="med" len="lg"/>
+            </a:ln>
+          </p:spPr>
+          <p:txBody>
+            <a:bodyPr tIns="68580" bIns="68580" anchor="ctr"/>
+            <a:lstStyle/>
+            <a:p>
+              <a:pPr algn="ctr">
+                <a:defRPr/>
+              </a:pPr>
+              <a:endParaRPr lang="en-GB" sz="1214" dirty="0"/>
+            </a:p>
+          </p:txBody>
+        </p:sp>
+        <p:sp>
+          <p:nvSpPr>
+            <p:cNvPr id="21" name="AutoShape 92">
+              <a:extLst>
+                <a:ext uri="{FF2B5EF4-FFF2-40B4-BE49-F238E27FC236}">
+                  <a16:creationId xmlns:a16="http://schemas.microsoft.com/office/drawing/2014/main" id="{36732666-9C14-42A4-A0BE-EF4433D172C9}"/>
+                </a:ext>
+              </a:extLst>
+            </p:cNvPr>
+            <p:cNvSpPr>
+              <a:spLocks noChangeArrowheads="1"/>
+            </p:cNvSpPr>
+            <p:nvPr/>
+          </p:nvSpPr>
+          <p:spPr bwMode="auto">
+            <a:xfrm>
+              <a:off x="1532" y="3385"/>
+              <a:ext cx="226" cy="136"/>
+            </a:xfrm>
+            <a:prstGeom prst="chevron">
+              <a:avLst>
+                <a:gd name="adj" fmla="val 41544"/>
+              </a:avLst>
+            </a:prstGeom>
+            <a:noFill/>
+            <a:ln w="6350" algn="ctr">
+              <a:solidFill>
+                <a:srgbClr val="002060"/>
+              </a:solidFill>
+              <a:miter lim="800000"/>
+              <a:headEnd type="none" w="sm" len="sm"/>
+              <a:tailEnd type="none" w="med" len="lg"/>
+            </a:ln>
+          </p:spPr>
+          <p:txBody>
+            <a:bodyPr tIns="68580" bIns="68580" anchor="ctr"/>
+            <a:lstStyle/>
+            <a:p>
+              <a:pPr algn="ctr">
+                <a:defRPr/>
+              </a:pPr>
+              <a:endParaRPr lang="en-GB" sz="1214" dirty="0"/>
+            </a:p>
+          </p:txBody>
+        </p:sp>
+        <p:sp>
+          <p:nvSpPr>
+            <p:cNvPr id="22" name="AutoShape 93">
+              <a:extLst>
+                <a:ext uri="{FF2B5EF4-FFF2-40B4-BE49-F238E27FC236}">
+                  <a16:creationId xmlns:a16="http://schemas.microsoft.com/office/drawing/2014/main" id="{ED78344B-2AE9-469C-A7A2-6AE2B783055B}"/>
+                </a:ext>
+              </a:extLst>
+            </p:cNvPr>
+            <p:cNvSpPr>
+              <a:spLocks noChangeArrowheads="1"/>
+            </p:cNvSpPr>
+            <p:nvPr/>
+          </p:nvSpPr>
+          <p:spPr bwMode="auto">
+            <a:xfrm>
+              <a:off x="852" y="3385"/>
+              <a:ext cx="227" cy="136"/>
+            </a:xfrm>
+            <a:prstGeom prst="homePlate">
+              <a:avLst>
+                <a:gd name="adj" fmla="val 41728"/>
+              </a:avLst>
+            </a:prstGeom>
+            <a:noFill/>
+            <a:ln w="6350" algn="ctr">
+              <a:solidFill>
+                <a:srgbClr val="002060"/>
+              </a:solidFill>
+              <a:miter lim="800000"/>
+              <a:headEnd type="none" w="sm" len="sm"/>
+              <a:tailEnd type="none" w="med" len="lg"/>
+            </a:ln>
+          </p:spPr>
+          <p:txBody>
+            <a:bodyPr tIns="68580" bIns="68580" anchor="ctr"/>
+            <a:lstStyle/>
+            <a:p>
+              <a:pPr algn="ctr">
+                <a:defRPr/>
+              </a:pPr>
+              <a:endParaRPr lang="en-GB" sz="1214" dirty="0"/>
+            </a:p>
+          </p:txBody>
+        </p:sp>
+      </p:grpSp>
+      <p:sp>
+        <p:nvSpPr>
+          <p:cNvPr id="8" name="Rectangle 7">
+            <a:extLst>
+              <a:ext uri="{FF2B5EF4-FFF2-40B4-BE49-F238E27FC236}">
+                <a16:creationId xmlns:a16="http://schemas.microsoft.com/office/drawing/2014/main" id="{B3051C2D-1D2B-4AD4-B5E8-90B674B23A85}"/>
+              </a:ext>
+            </a:extLst>
+          </p:cNvPr>
+          <p:cNvSpPr/>
+          <p:nvPr/>
+        </p:nvSpPr>
+        <p:spPr>
+          <a:xfrm>
+            <a:off x="2272456" y="3983011"/>
+            <a:ext cx="554635" cy="154632"/>
+          </a:xfrm>
+          <a:prstGeom prst="rect">
+            <a:avLst/>
+          </a:prstGeom>
+          <a:solidFill>
+            <a:schemeClr val="bg1"/>
+          </a:solidFill>
+          <a:ln>
+            <a:noFill/>
+          </a:ln>
+        </p:spPr>
+        <p:style>
+          <a:lnRef idx="2">
+            <a:schemeClr val="accent1">
+              <a:shade val="50000"/>
+            </a:schemeClr>
+          </a:lnRef>
+          <a:fillRef idx="1">
+            <a:schemeClr val="accent1"/>
+          </a:fillRef>
+          <a:effectRef idx="0">
+            <a:schemeClr val="accent1"/>
+          </a:effectRef>
+          <a:fontRef idx="minor">
+            <a:schemeClr val="lt1"/>
+          </a:fontRef>
+        </p:style>
+        <p:txBody>
+          <a:bodyPr rtlCol="0" anchor="ctr"/>
+          <a:lstStyle/>
+          <a:p>
+            <a:pPr algn="ctr"/>
+            <a:r>
+              <a:rPr lang="en-US" sz="800" b="1" dirty="0">
+                <a:solidFill>
+                  <a:schemeClr val="tx1"/>
+                </a:solidFill>
+              </a:rPr>
+              <a:t>Exhibit 9</a:t>
+            </a:r>
+          </a:p>
+        </p:txBody>
+      </p:sp>
+      <p:sp>
+        <p:nvSpPr>
+          <p:cNvPr id="25" name="Rectangle 24">
+            <a:extLst>
+              <a:ext uri="{FF2B5EF4-FFF2-40B4-BE49-F238E27FC236}">
+                <a16:creationId xmlns:a16="http://schemas.microsoft.com/office/drawing/2014/main" id="{C553066B-5DF8-4065-B00C-EEF91868C931}"/>
+              </a:ext>
+            </a:extLst>
+          </p:cNvPr>
+          <p:cNvSpPr/>
+          <p:nvPr/>
+        </p:nvSpPr>
+        <p:spPr>
+          <a:xfrm>
+            <a:off x="632363" y="1098639"/>
+            <a:ext cx="3813048" cy="293915"/>
+          </a:xfrm>
+          <a:prstGeom prst="rect">
+            <a:avLst/>
+          </a:prstGeom>
+          <a:solidFill>
+            <a:schemeClr val="bg1"/>
+          </a:solidFill>
+          <a:ln>
+            <a:solidFill>
+              <a:schemeClr val="bg1">
+                <a:lumMod val="85000"/>
+              </a:schemeClr>
+            </a:solidFill>
+          </a:ln>
+        </p:spPr>
+        <p:style>
+          <a:lnRef idx="2">
+            <a:schemeClr val="accent1">
+              <a:shade val="50000"/>
+            </a:schemeClr>
+          </a:lnRef>
+          <a:fillRef idx="1">
+            <a:schemeClr val="accent1"/>
+          </a:fillRef>
+          <a:effectRef idx="0">
+            <a:schemeClr val="accent1"/>
+          </a:effectRef>
+          <a:fontRef idx="minor">
+            <a:schemeClr val="lt1"/>
+          </a:fontRef>
+        </p:style>
+        <p:txBody>
+          <a:bodyPr rtlCol="0" anchor="ctr"/>
+          <a:lstStyle/>
+          <a:p>
+            <a:pPr algn="ctr"/>
+            <a:r>
+              <a:rPr lang="en-US" sz="800" b="1" dirty="0">
+                <a:solidFill>
+                  <a:schemeClr val="tx1"/>
+                </a:solidFill>
+                <a:latin typeface="Bookman Old Style" panose="02050604050505020204" pitchFamily="18" charset="0"/>
+              </a:rPr>
+              <a:t>First and Last name combination cannot already be in use</a:t>
+            </a:r>
+          </a:p>
+        </p:txBody>
+      </p:sp>
+      <p:pic>
+        <p:nvPicPr>
+          <p:cNvPr id="16" name="Picture 15">
+            <a:extLst>
+              <a:ext uri="{FF2B5EF4-FFF2-40B4-BE49-F238E27FC236}">
+                <a16:creationId xmlns:a16="http://schemas.microsoft.com/office/drawing/2014/main" id="{F9DE4375-CFE9-4766-A1F6-205A3FB98825}"/>
+              </a:ext>
+            </a:extLst>
+          </p:cNvPr>
+          <p:cNvPicPr>
+            <a:picLocks noChangeAspect="1"/>
+          </p:cNvPicPr>
+          <p:nvPr/>
+        </p:nvPicPr>
+        <p:blipFill>
+          <a:blip r:embed="rId3"/>
+          <a:stretch>
+            <a:fillRect/>
+          </a:stretch>
+        </p:blipFill>
+        <p:spPr>
+          <a:xfrm>
+            <a:off x="650869" y="1430373"/>
+            <a:ext cx="3813048" cy="2560133"/>
+          </a:xfrm>
+          <a:prstGeom prst="rect">
+            <a:avLst/>
+          </a:prstGeom>
+        </p:spPr>
+      </p:pic>
+    </p:spTree>
+    <p:extLst>
+      <p:ext uri="{BB962C8B-B14F-4D97-AF65-F5344CB8AC3E}">
+        <p14:creationId xmlns:p14="http://schemas.microsoft.com/office/powerpoint/2010/main" val="3604893802"/>
+      </p:ext>
+    </p:extLst>
+  </p:cSld>
+  <p:clrMapOvr>
+    <a:masterClrMapping/>
+  </p:clrMapOvr>
+</p:sld>
+</file>
+
+<file path=ppt/slides/slide11.xml><?xml version="1.0" encoding="utf-8"?>
+<p:sld xmlns:a="http://schemas.openxmlformats.org/drawingml/2006/main" xmlns:r="http://schemas.openxmlformats.org/officeDocument/2006/relationships" xmlns:p="http://schemas.openxmlformats.org/presentationml/2006/main">
+  <p:cSld>
+    <p:spTree>
+      <p:nvGrpSpPr>
+        <p:cNvPr id="1" name=""/>
+        <p:cNvGrpSpPr/>
+        <p:nvPr/>
+      </p:nvGrpSpPr>
+      <p:grpSpPr>
+        <a:xfrm>
+          <a:off x="0" y="0"/>
+          <a:ext cx="0" cy="0"/>
+          <a:chOff x="0" y="0"/>
+          <a:chExt cx="0" cy="0"/>
+        </a:xfrm>
+      </p:grpSpPr>
+      <p:sp>
+        <p:nvSpPr>
+          <p:cNvPr id="3" name="Footer Placeholder 2">
+            <a:extLst>
+              <a:ext uri="{FF2B5EF4-FFF2-40B4-BE49-F238E27FC236}">
+                <a16:creationId xmlns:a16="http://schemas.microsoft.com/office/drawing/2014/main" id="{BA87EF04-F5D4-4F9B-A5FD-61BD13D86370}"/>
+              </a:ext>
+            </a:extLst>
+          </p:cNvPr>
+          <p:cNvSpPr>
+            <a:spLocks noGrp="1"/>
+          </p:cNvSpPr>
+          <p:nvPr>
+            <p:ph type="ftr" sz="quarter" idx="11"/>
+          </p:nvPr>
+        </p:nvSpPr>
+        <p:spPr/>
+        <p:txBody>
+          <a:bodyPr/>
+          <a:lstStyle/>
+          <a:p>
+            <a:r>
+              <a:rPr lang="en-US"/>
+              <a:t>Group Four</a:t>
+            </a:r>
+            <a:endParaRPr lang="en-US" dirty="0"/>
+          </a:p>
+        </p:txBody>
+      </p:sp>
+      <p:sp>
+        <p:nvSpPr>
+          <p:cNvPr id="4" name="Title 3">
+            <a:extLst>
+              <a:ext uri="{FF2B5EF4-FFF2-40B4-BE49-F238E27FC236}">
+                <a16:creationId xmlns:a16="http://schemas.microsoft.com/office/drawing/2014/main" id="{17AE65C2-BDFC-4756-9EC5-E2D92260A998}"/>
+              </a:ext>
+            </a:extLst>
+          </p:cNvPr>
+          <p:cNvSpPr>
+            <a:spLocks noGrp="1"/>
+          </p:cNvSpPr>
+          <p:nvPr>
+            <p:ph type="title"/>
+          </p:nvPr>
+        </p:nvSpPr>
+        <p:spPr/>
+        <p:txBody>
+          <a:bodyPr/>
+          <a:lstStyle/>
+          <a:p>
+            <a:r>
+              <a:rPr lang="en-US" dirty="0"/>
+              <a:t>UI - Main Interface</a:t>
+            </a:r>
+          </a:p>
+        </p:txBody>
+      </p:sp>
+      <p:sp>
+        <p:nvSpPr>
+          <p:cNvPr id="5" name="Slide Number Placeholder 4">
+            <a:extLst>
+              <a:ext uri="{FF2B5EF4-FFF2-40B4-BE49-F238E27FC236}">
+                <a16:creationId xmlns:a16="http://schemas.microsoft.com/office/drawing/2014/main" id="{BBEE15D0-08BA-4F58-9666-5BD06252BC95}"/>
+              </a:ext>
+            </a:extLst>
+          </p:cNvPr>
+          <p:cNvSpPr>
+            <a:spLocks noGrp="1"/>
+          </p:cNvSpPr>
+          <p:nvPr>
+            <p:ph type="sldNum" sz="quarter" idx="12"/>
+          </p:nvPr>
+        </p:nvSpPr>
+        <p:spPr/>
+        <p:txBody>
+          <a:bodyPr/>
+          <a:lstStyle/>
+          <a:p>
+            <a:fld id="{F2407EE3-A7AD-4D85-AA70-E0A9F1A7BE8D}" type="slidenum">
+              <a:rPr lang="en-US" smtClean="0"/>
+              <a:pPr/>
+              <a:t>11</a:t>
             </a:fld>
             <a:endParaRPr lang="en-US" dirty="0"/>
           </a:p>
@@ -4067,7 +4548,7 @@
 </p:sld>
 </file>
 
-<file path=ppt/slides/slide11.xml><?xml version="1.0" encoding="utf-8"?>
+<file path=ppt/slides/slide12.xml><?xml version="1.0" encoding="utf-8"?>
 <p:sld xmlns:a="http://schemas.openxmlformats.org/drawingml/2006/main" xmlns:r="http://schemas.openxmlformats.org/officeDocument/2006/relationships" xmlns:p="http://schemas.openxmlformats.org/presentationml/2006/main">
   <p:cSld>
     <p:spTree>
@@ -4165,7 +4646,7 @@
             <a:fld id="{F2407EE3-A7AD-4D85-AA70-E0A9F1A7BE8D}" type="slidenum">
               <a:rPr lang="en-US" smtClean="0"/>
               <a:pPr/>
-              <a:t>11</a:t>
+              <a:t>12</a:t>
             </a:fld>
             <a:endParaRPr lang="en-US" dirty="0"/>
           </a:p>
@@ -4568,7 +5049,7 @@
 </p:sld>
 </file>
 
-<file path=ppt/slides/slide12.xml><?xml version="1.0" encoding="utf-8"?>
+<file path=ppt/slides/slide13.xml><?xml version="1.0" encoding="utf-8"?>
 <p:sld xmlns:a="http://schemas.openxmlformats.org/drawingml/2006/main" xmlns:r="http://schemas.openxmlformats.org/officeDocument/2006/relationships" xmlns:p="http://schemas.openxmlformats.org/presentationml/2006/main">
   <p:cSld>
     <p:spTree>
@@ -4694,7 +5175,7 @@
             <a:fld id="{F2407EE3-A7AD-4D85-AA70-E0A9F1A7BE8D}" type="slidenum">
               <a:rPr lang="en-US" smtClean="0"/>
               <a:pPr/>
-              <a:t>12</a:t>
+              <a:t>13</a:t>
             </a:fld>
             <a:endParaRPr lang="en-US" dirty="0"/>
           </a:p>
@@ -5308,7 +5789,7 @@
 </p:sld>
 </file>
 
-<file path=ppt/slides/slide13.xml><?xml version="1.0" encoding="utf-8"?>
+<file path=ppt/slides/slide14.xml><?xml version="1.0" encoding="utf-8"?>
 <p:sld xmlns:a="http://schemas.openxmlformats.org/drawingml/2006/main" xmlns:r="http://schemas.openxmlformats.org/officeDocument/2006/relationships" xmlns:p="http://schemas.openxmlformats.org/presentationml/2006/main">
   <p:cSld>
     <p:spTree>
@@ -5434,7 +5915,7 @@
             <a:fld id="{F2407EE3-A7AD-4D85-AA70-E0A9F1A7BE8D}" type="slidenum">
               <a:rPr lang="en-US" smtClean="0"/>
               <a:pPr/>
-              <a:t>13</a:t>
+              <a:t>14</a:t>
             </a:fld>
             <a:endParaRPr lang="en-US" dirty="0"/>
           </a:p>
@@ -5753,7 +6234,7 @@
 </p:sld>
 </file>
 
-<file path=ppt/slides/slide14.xml><?xml version="1.0" encoding="utf-8"?>
+<file path=ppt/slides/slide15.xml><?xml version="1.0" encoding="utf-8"?>
 <p:sld xmlns:a="http://schemas.openxmlformats.org/drawingml/2006/main" xmlns:r="http://schemas.openxmlformats.org/officeDocument/2006/relationships" xmlns:p="http://schemas.openxmlformats.org/presentationml/2006/main">
   <p:cSld>
     <p:spTree>
@@ -5879,7 +6360,7 @@
             <a:fld id="{F2407EE3-A7AD-4D85-AA70-E0A9F1A7BE8D}" type="slidenum">
               <a:rPr lang="en-US" smtClean="0"/>
               <a:pPr/>
-              <a:t>14</a:t>
+              <a:t>15</a:t>
             </a:fld>
             <a:endParaRPr lang="en-US" dirty="0"/>
           </a:p>
@@ -6198,7 +6679,7 @@
 </p:sld>
 </file>
 
-<file path=ppt/slides/slide15.xml><?xml version="1.0" encoding="utf-8"?>
+<file path=ppt/slides/slide16.xml><?xml version="1.0" encoding="utf-8"?>
 <p:sld xmlns:a="http://schemas.openxmlformats.org/drawingml/2006/main" xmlns:r="http://schemas.openxmlformats.org/officeDocument/2006/relationships" xmlns:p="http://schemas.openxmlformats.org/presentationml/2006/main">
   <p:cSld>
     <p:spTree>
@@ -6326,7 +6807,7 @@
             <a:fld id="{F2407EE3-A7AD-4D85-AA70-E0A9F1A7BE8D}" type="slidenum">
               <a:rPr lang="en-US" smtClean="0"/>
               <a:pPr/>
-              <a:t>15</a:t>
+              <a:t>16</a:t>
             </a:fld>
             <a:endParaRPr lang="en-US" dirty="0"/>
           </a:p>
@@ -6760,7 +7241,7 @@
 </p:sld>
 </file>
 
-<file path=ppt/slides/slide16.xml><?xml version="1.0" encoding="utf-8"?>
+<file path=ppt/slides/slide17.xml><?xml version="1.0" encoding="utf-8"?>
 <p:sld xmlns:a="http://schemas.openxmlformats.org/drawingml/2006/main" xmlns:r="http://schemas.openxmlformats.org/officeDocument/2006/relationships" xmlns:p="http://schemas.openxmlformats.org/presentationml/2006/main">
   <p:cSld>
     <p:spTree>
@@ -6858,7 +7339,7 @@
             <a:fld id="{F2407EE3-A7AD-4D85-AA70-E0A9F1A7BE8D}" type="slidenum">
               <a:rPr lang="en-US" smtClean="0"/>
               <a:pPr/>
-              <a:t>16</a:t>
+              <a:t>17</a:t>
             </a:fld>
             <a:endParaRPr lang="en-US" dirty="0"/>
           </a:p>
@@ -7291,7 +7772,7 @@
 </p:sld>
 </file>
 
-<file path=ppt/slides/slide17.xml><?xml version="1.0" encoding="utf-8"?>
+<file path=ppt/slides/slide18.xml><?xml version="1.0" encoding="utf-8"?>
 <p:sld xmlns:a="http://schemas.openxmlformats.org/drawingml/2006/main" xmlns:r="http://schemas.openxmlformats.org/officeDocument/2006/relationships" xmlns:p="http://schemas.openxmlformats.org/presentationml/2006/main">
   <p:cSld>
     <p:spTree>
@@ -7548,7 +8029,7 @@
             <a:fld id="{F2407EE3-A7AD-4D85-AA70-E0A9F1A7BE8D}" type="slidenum">
               <a:rPr lang="en-US" smtClean="0"/>
               <a:pPr/>
-              <a:t>17</a:t>
+              <a:t>18</a:t>
             </a:fld>
             <a:endParaRPr lang="en-US" dirty="0"/>
           </a:p>
@@ -7773,7 +8254,7 @@
 </p:sld>
 </file>
 
-<file path=ppt/slides/slide18.xml><?xml version="1.0" encoding="utf-8"?>
+<file path=ppt/slides/slide19.xml><?xml version="1.0" encoding="utf-8"?>
 <p:sld xmlns:a="http://schemas.openxmlformats.org/drawingml/2006/main" xmlns:r="http://schemas.openxmlformats.org/officeDocument/2006/relationships" xmlns:p="http://schemas.openxmlformats.org/presentationml/2006/main">
   <p:cSld>
     <p:spTree>
@@ -7808,29 +8289,85 @@
         </p:nvSpPr>
         <p:spPr/>
         <p:txBody>
-          <a:bodyPr/>
+          <a:bodyPr>
+            <a:normAutofit/>
+          </a:bodyPr>
           <a:lstStyle/>
           <a:p>
-            <a:r>
-              <a:rPr lang="en-US" dirty="0"/>
-              <a:t>See Other/</a:t>
-            </a:r>
-            <a:r>
-              <a:rPr lang="en-US" dirty="0" err="1"/>
-              <a:t>atm_backend</a:t>
-            </a:r>
-            <a:endParaRPr lang="en-US" dirty="0"/>
-          </a:p>
-          <a:p>
-            <a:r>
-              <a:rPr lang="en-US" dirty="0"/>
-              <a:t>It contains SQL statements written in Python which is used for </a:t>
-            </a:r>
-            <a:r>
-              <a:rPr lang="en-US"/>
-              <a:t>this project</a:t>
-            </a:r>
-            <a:endParaRPr lang="en-US" dirty="0"/>
+            <a:pPr>
+              <a:buFont typeface="Arial" panose="020B0604020202020204" pitchFamily="34" charset="0"/>
+              <a:buChar char="•"/>
+            </a:pPr>
+            <a:r>
+              <a:rPr lang="en-US" sz="1800" dirty="0"/>
+              <a:t>See Other/atm_backend/atm_serv.py</a:t>
+            </a:r>
+          </a:p>
+          <a:p>
+            <a:pPr>
+              <a:buFont typeface="Arial" panose="020B0604020202020204" pitchFamily="34" charset="0"/>
+              <a:buChar char="•"/>
+            </a:pPr>
+            <a:r>
+              <a:rPr lang="en-US" sz="1800" dirty="0"/>
+              <a:t>Heroku allows for easy set up of the database and uses the same commands as SQL.</a:t>
+            </a:r>
+          </a:p>
+          <a:p>
+            <a:pPr>
+              <a:buFont typeface="Arial" panose="020B0604020202020204" pitchFamily="34" charset="0"/>
+              <a:buChar char="•"/>
+            </a:pPr>
+            <a:r>
+              <a:rPr lang="en-US" sz="1800" dirty="0"/>
+              <a:t>The web server would call the predefined SQL queries (using insert, select and update)</a:t>
+            </a:r>
+          </a:p>
+          <a:p>
+            <a:pPr>
+              <a:buFont typeface="Arial" panose="020B0604020202020204" pitchFamily="34" charset="0"/>
+              <a:buChar char="•"/>
+            </a:pPr>
+            <a:r>
+              <a:rPr lang="en-US" sz="1800" dirty="0"/>
+              <a:t>Example 1: </a:t>
+            </a:r>
+            <a:r>
+              <a:rPr lang="en-US" sz="1800" dirty="0" err="1"/>
+              <a:t>name_exists</a:t>
+            </a:r>
+            <a:r>
+              <a:rPr lang="en-US" sz="1800" dirty="0"/>
+              <a:t> is a select query to check if a user already exists on the database</a:t>
+            </a:r>
+          </a:p>
+          <a:p>
+            <a:pPr>
+              <a:buFont typeface="Arial" panose="020B0604020202020204" pitchFamily="34" charset="0"/>
+              <a:buChar char="•"/>
+            </a:pPr>
+            <a:r>
+              <a:rPr lang="en-US" sz="1800" dirty="0"/>
+              <a:t>Example 2: </a:t>
+            </a:r>
+            <a:r>
+              <a:rPr lang="en-US" sz="1800" dirty="0" err="1"/>
+              <a:t>create_account</a:t>
+            </a:r>
+            <a:r>
+              <a:rPr lang="en-US" sz="1800" dirty="0"/>
+              <a:t> uses insert to create the new account on signup screen</a:t>
+            </a:r>
+          </a:p>
+          <a:p>
+            <a:pPr>
+              <a:buFont typeface="Arial" panose="020B0604020202020204" pitchFamily="34" charset="0"/>
+              <a:buChar char="•"/>
+            </a:pPr>
+            <a:r>
+              <a:rPr lang="en-US" sz="1800" dirty="0"/>
+              <a:t>Example 3: update uses an update command to update the value of the account Balance</a:t>
+            </a:r>
           </a:p>
         </p:txBody>
       </p:sp>
@@ -7915,7 +8452,7 @@
             <a:fld id="{F2407EE3-A7AD-4D85-AA70-E0A9F1A7BE8D}" type="slidenum">
               <a:rPr lang="en-US" smtClean="0"/>
               <a:pPr/>
-              <a:t>18</a:t>
+              <a:t>19</a:t>
             </a:fld>
             <a:endParaRPr lang="en-US" dirty="0"/>
           </a:p>
@@ -8127,12 +8664,1421 @@
           </p:txBody>
         </p:sp>
       </p:grpSp>
+    </p:spTree>
+    <p:extLst>
+      <p:ext uri="{BB962C8B-B14F-4D97-AF65-F5344CB8AC3E}">
+        <p14:creationId xmlns:p14="http://schemas.microsoft.com/office/powerpoint/2010/main" val="2036209883"/>
+      </p:ext>
+    </p:extLst>
+  </p:cSld>
+  <p:clrMapOvr>
+    <a:masterClrMapping/>
+  </p:clrMapOvr>
+</p:sld>
+</file>
+
+<file path=ppt/slides/slide2.xml><?xml version="1.0" encoding="utf-8"?>
+<p:sld xmlns:a="http://schemas.openxmlformats.org/drawingml/2006/main" xmlns:r="http://schemas.openxmlformats.org/officeDocument/2006/relationships" xmlns:p="http://schemas.openxmlformats.org/presentationml/2006/main">
+  <p:cSld>
+    <p:spTree>
+      <p:nvGrpSpPr>
+        <p:cNvPr id="1" name=""/>
+        <p:cNvGrpSpPr/>
+        <p:nvPr/>
+      </p:nvGrpSpPr>
+      <p:grpSpPr>
+        <a:xfrm>
+          <a:off x="0" y="0"/>
+          <a:ext cx="0" cy="0"/>
+          <a:chOff x="0" y="0"/>
+          <a:chExt cx="0" cy="0"/>
+        </a:xfrm>
+      </p:grpSpPr>
       <p:sp>
         <p:nvSpPr>
-          <p:cNvPr id="11" name="Rectangle 10">
-            <a:extLst>
-              <a:ext uri="{FF2B5EF4-FFF2-40B4-BE49-F238E27FC236}">
-                <a16:creationId xmlns:a16="http://schemas.microsoft.com/office/drawing/2014/main" id="{8CA31820-43C1-4628-BA58-94766BD522A3}"/>
+          <p:cNvPr id="2" name="Title 1">
+            <a:extLst>
+              <a:ext uri="{FF2B5EF4-FFF2-40B4-BE49-F238E27FC236}">
+                <a16:creationId xmlns:a16="http://schemas.microsoft.com/office/drawing/2014/main" id="{0614E3BD-478F-4882-A883-9D5A9E2915DF}"/>
+              </a:ext>
+            </a:extLst>
+          </p:cNvPr>
+          <p:cNvSpPr>
+            <a:spLocks noGrp="1"/>
+          </p:cNvSpPr>
+          <p:nvPr>
+            <p:ph type="title"/>
+          </p:nvPr>
+        </p:nvSpPr>
+        <p:spPr/>
+        <p:txBody>
+          <a:bodyPr/>
+          <a:lstStyle/>
+          <a:p>
+            <a:r>
+              <a:rPr lang="en-US" dirty="0"/>
+              <a:t>Overview</a:t>
+            </a:r>
+          </a:p>
+        </p:txBody>
+      </p:sp>
+      <p:sp>
+        <p:nvSpPr>
+          <p:cNvPr id="3" name="Footer Placeholder 2">
+            <a:extLst>
+              <a:ext uri="{FF2B5EF4-FFF2-40B4-BE49-F238E27FC236}">
+                <a16:creationId xmlns:a16="http://schemas.microsoft.com/office/drawing/2014/main" id="{1CF93BED-3854-4775-8325-418CCAA2B483}"/>
+              </a:ext>
+            </a:extLst>
+          </p:cNvPr>
+          <p:cNvSpPr>
+            <a:spLocks noGrp="1"/>
+          </p:cNvSpPr>
+          <p:nvPr>
+            <p:ph type="ftr" sz="quarter" idx="11"/>
+          </p:nvPr>
+        </p:nvSpPr>
+        <p:spPr/>
+        <p:txBody>
+          <a:bodyPr/>
+          <a:lstStyle/>
+          <a:p>
+            <a:r>
+              <a:rPr lang="en-US"/>
+              <a:t>Group Four</a:t>
+            </a:r>
+            <a:endParaRPr lang="en-US" dirty="0"/>
+          </a:p>
+        </p:txBody>
+      </p:sp>
+      <p:sp>
+        <p:nvSpPr>
+          <p:cNvPr id="4" name="Slide Number Placeholder 3">
+            <a:extLst>
+              <a:ext uri="{FF2B5EF4-FFF2-40B4-BE49-F238E27FC236}">
+                <a16:creationId xmlns:a16="http://schemas.microsoft.com/office/drawing/2014/main" id="{418E7D2B-BFEF-4415-B5FA-2A7E5F537E52}"/>
+              </a:ext>
+            </a:extLst>
+          </p:cNvPr>
+          <p:cNvSpPr>
+            <a:spLocks noGrp="1"/>
+          </p:cNvSpPr>
+          <p:nvPr>
+            <p:ph type="sldNum" sz="quarter" idx="12"/>
+          </p:nvPr>
+        </p:nvSpPr>
+        <p:spPr>
+          <a:xfrm>
+            <a:off x="4396253" y="4696755"/>
+            <a:ext cx="351492" cy="221242"/>
+          </a:xfrm>
+        </p:spPr>
+        <p:txBody>
+          <a:bodyPr/>
+          <a:lstStyle/>
+          <a:p>
+            <a:fld id="{F2407EE3-A7AD-4D85-AA70-E0A9F1A7BE8D}" type="slidenum">
+              <a:rPr lang="en-US" smtClean="0"/>
+              <a:pPr/>
+              <a:t>2</a:t>
+            </a:fld>
+            <a:endParaRPr lang="en-US" dirty="0"/>
+          </a:p>
+        </p:txBody>
+      </p:sp>
+      <p:grpSp>
+        <p:nvGrpSpPr>
+          <p:cNvPr id="5" name="Group 12">
+            <a:extLst>
+              <a:ext uri="{FF2B5EF4-FFF2-40B4-BE49-F238E27FC236}">
+                <a16:creationId xmlns:a16="http://schemas.microsoft.com/office/drawing/2014/main" id="{F58107D9-5A6C-46B3-B0CE-2C9800ED0535}"/>
+              </a:ext>
+            </a:extLst>
+          </p:cNvPr>
+          <p:cNvGrpSpPr>
+            <a:grpSpLocks/>
+          </p:cNvGrpSpPr>
+          <p:nvPr/>
+        </p:nvGrpSpPr>
+        <p:grpSpPr bwMode="auto">
+          <a:xfrm>
+            <a:off x="1179713" y="836035"/>
+            <a:ext cx="1660029" cy="3188824"/>
+            <a:chOff x="300" y="872"/>
+            <a:chExt cx="1847" cy="3834"/>
+          </a:xfrm>
+        </p:grpSpPr>
+        <p:sp>
+          <p:nvSpPr>
+            <p:cNvPr id="6" name="Text Box 10">
+              <a:extLst>
+                <a:ext uri="{FF2B5EF4-FFF2-40B4-BE49-F238E27FC236}">
+                  <a16:creationId xmlns:a16="http://schemas.microsoft.com/office/drawing/2014/main" id="{7D48EB70-E8D2-4B18-8145-A2CF3305AC4A}"/>
+                </a:ext>
+              </a:extLst>
+            </p:cNvPr>
+            <p:cNvSpPr txBox="1">
+              <a:spLocks noChangeArrowheads="1"/>
+            </p:cNvSpPr>
+            <p:nvPr/>
+          </p:nvSpPr>
+          <p:spPr bwMode="auto">
+            <a:xfrm>
+              <a:off x="300" y="872"/>
+              <a:ext cx="1847" cy="199"/>
+            </a:xfrm>
+            <a:prstGeom prst="rect">
+              <a:avLst/>
+            </a:prstGeom>
+            <a:solidFill>
+              <a:srgbClr val="002060"/>
+            </a:solidFill>
+            <a:ln w="12700" algn="ctr">
+              <a:solidFill>
+                <a:srgbClr val="002060"/>
+              </a:solidFill>
+              <a:miter lim="800000"/>
+              <a:headEnd/>
+              <a:tailEnd type="none" w="sm" len="med"/>
+            </a:ln>
+          </p:spPr>
+          <p:txBody>
+            <a:bodyPr lIns="30089" tIns="30089" rIns="30089" bIns="30089" anchor="ctr" anchorCtr="1"/>
+            <a:lstStyle/>
+            <a:p>
+              <a:pPr algn="ctr" defTabSz="717911"/>
+              <a:r>
+                <a:rPr lang="en-US" sz="1050" b="1" dirty="0">
+                  <a:solidFill>
+                    <a:srgbClr val="FFFFFF"/>
+                  </a:solidFill>
+                </a:rPr>
+                <a:t>Core Functionality</a:t>
+              </a:r>
+            </a:p>
+          </p:txBody>
+        </p:sp>
+        <p:sp>
+          <p:nvSpPr>
+            <p:cNvPr id="7" name="Rectangle 6">
+              <a:extLst>
+                <a:ext uri="{FF2B5EF4-FFF2-40B4-BE49-F238E27FC236}">
+                  <a16:creationId xmlns:a16="http://schemas.microsoft.com/office/drawing/2014/main" id="{6DC6B19D-4908-43EA-9338-A9ED31448F29}"/>
+                </a:ext>
+              </a:extLst>
+            </p:cNvPr>
+            <p:cNvSpPr>
+              <a:spLocks noChangeArrowheads="1"/>
+            </p:cNvSpPr>
+            <p:nvPr/>
+          </p:nvSpPr>
+          <p:spPr bwMode="auto">
+            <a:xfrm>
+              <a:off x="300" y="1071"/>
+              <a:ext cx="1847" cy="3635"/>
+            </a:xfrm>
+            <a:prstGeom prst="rect">
+              <a:avLst/>
+            </a:prstGeom>
+            <a:noFill/>
+            <a:ln w="12700" algn="ctr">
+              <a:solidFill>
+                <a:srgbClr val="002060"/>
+              </a:solidFill>
+              <a:miter lim="800000"/>
+              <a:headEnd/>
+              <a:tailEnd/>
+            </a:ln>
+          </p:spPr>
+          <p:txBody>
+            <a:bodyPr lIns="30089" tIns="30089" rIns="30089" bIns="30089"/>
+            <a:lstStyle/>
+            <a:p>
+              <a:pPr marL="171450" indent="-111125" defTabSz="718463">
+                <a:lnSpc>
+                  <a:spcPct val="106000"/>
+                </a:lnSpc>
+                <a:spcBef>
+                  <a:spcPts val="1008"/>
+                </a:spcBef>
+                <a:spcAft>
+                  <a:spcPts val="0"/>
+                </a:spcAft>
+                <a:buFont typeface="Arial" panose="020B0604020202020204" pitchFamily="34" charset="0"/>
+                <a:buChar char="•"/>
+                <a:defRPr/>
+              </a:pPr>
+              <a:r>
+                <a:rPr lang="nl-NL" sz="1200" dirty="0">
+                  <a:solidFill>
+                    <a:srgbClr val="002776"/>
+                  </a:solidFill>
+                  <a:latin typeface="Arial"/>
+                </a:rPr>
+                <a:t>Online ATM</a:t>
+              </a:r>
+              <a:endParaRPr lang="nl-NL" sz="1200" dirty="0">
+                <a:solidFill>
+                  <a:srgbClr val="002776"/>
+                </a:solidFill>
+                <a:latin typeface="Arial"/>
+                <a:cs typeface="+mn-cs"/>
+              </a:endParaRPr>
+            </a:p>
+            <a:p>
+              <a:pPr marL="171450" indent="-111125" defTabSz="718463">
+                <a:lnSpc>
+                  <a:spcPct val="106000"/>
+                </a:lnSpc>
+                <a:spcBef>
+                  <a:spcPts val="1008"/>
+                </a:spcBef>
+                <a:spcAft>
+                  <a:spcPts val="0"/>
+                </a:spcAft>
+                <a:buFont typeface="Arial" panose="020B0604020202020204" pitchFamily="34" charset="0"/>
+                <a:buChar char="•"/>
+                <a:defRPr/>
+              </a:pPr>
+              <a:r>
+                <a:rPr lang="nl-NL" sz="1200" dirty="0">
+                  <a:solidFill>
+                    <a:srgbClr val="002776"/>
+                  </a:solidFill>
+                  <a:latin typeface="Arial"/>
+                  <a:cs typeface="+mn-cs"/>
+                </a:rPr>
+                <a:t>User Accounts</a:t>
+              </a:r>
+            </a:p>
+            <a:p>
+              <a:pPr marL="171450" indent="-111125" defTabSz="718463">
+                <a:lnSpc>
+                  <a:spcPct val="106000"/>
+                </a:lnSpc>
+                <a:spcBef>
+                  <a:spcPts val="1008"/>
+                </a:spcBef>
+                <a:spcAft>
+                  <a:spcPts val="0"/>
+                </a:spcAft>
+                <a:buFont typeface="Arial" panose="020B0604020202020204" pitchFamily="34" charset="0"/>
+                <a:buChar char="•"/>
+                <a:defRPr/>
+              </a:pPr>
+              <a:r>
+                <a:rPr lang="nl-NL" sz="1200" dirty="0">
+                  <a:solidFill>
+                    <a:srgbClr val="002776"/>
+                  </a:solidFill>
+                  <a:latin typeface="Arial"/>
+                </a:rPr>
+                <a:t>Tools &amp; Services</a:t>
+              </a:r>
+            </a:p>
+            <a:p>
+              <a:pPr marL="171450" indent="-111125" defTabSz="718463">
+                <a:lnSpc>
+                  <a:spcPct val="106000"/>
+                </a:lnSpc>
+                <a:spcBef>
+                  <a:spcPts val="1008"/>
+                </a:spcBef>
+                <a:spcAft>
+                  <a:spcPts val="0"/>
+                </a:spcAft>
+                <a:buFont typeface="Arial" panose="020B0604020202020204" pitchFamily="34" charset="0"/>
+                <a:buChar char="•"/>
+                <a:defRPr/>
+              </a:pPr>
+              <a:r>
+                <a:rPr lang="nl-NL" sz="1200" dirty="0">
+                  <a:solidFill>
+                    <a:srgbClr val="002776"/>
+                  </a:solidFill>
+                  <a:latin typeface="Arial"/>
+                </a:rPr>
+                <a:t>Installation</a:t>
+              </a:r>
+            </a:p>
+          </p:txBody>
+        </p:sp>
+      </p:grpSp>
+      <p:grpSp>
+        <p:nvGrpSpPr>
+          <p:cNvPr id="8" name="Group 12">
+            <a:extLst>
+              <a:ext uri="{FF2B5EF4-FFF2-40B4-BE49-F238E27FC236}">
+                <a16:creationId xmlns:a16="http://schemas.microsoft.com/office/drawing/2014/main" id="{57D0B560-DDB3-4D32-92F6-C46A95C89A17}"/>
+              </a:ext>
+            </a:extLst>
+          </p:cNvPr>
+          <p:cNvGrpSpPr>
+            <a:grpSpLocks/>
+          </p:cNvGrpSpPr>
+          <p:nvPr/>
+        </p:nvGrpSpPr>
+        <p:grpSpPr bwMode="auto">
+          <a:xfrm>
+            <a:off x="2887034" y="836035"/>
+            <a:ext cx="1661319" cy="3188824"/>
+            <a:chOff x="300" y="872"/>
+            <a:chExt cx="1847" cy="3834"/>
+          </a:xfrm>
+        </p:grpSpPr>
+        <p:sp>
+          <p:nvSpPr>
+            <p:cNvPr id="9" name="Text Box 10">
+              <a:extLst>
+                <a:ext uri="{FF2B5EF4-FFF2-40B4-BE49-F238E27FC236}">
+                  <a16:creationId xmlns:a16="http://schemas.microsoft.com/office/drawing/2014/main" id="{BE72C895-12BC-4CA4-A01C-06BD26BA1DE8}"/>
+                </a:ext>
+              </a:extLst>
+            </p:cNvPr>
+            <p:cNvSpPr txBox="1">
+              <a:spLocks noChangeArrowheads="1"/>
+            </p:cNvSpPr>
+            <p:nvPr/>
+          </p:nvSpPr>
+          <p:spPr bwMode="auto">
+            <a:xfrm>
+              <a:off x="300" y="872"/>
+              <a:ext cx="1847" cy="199"/>
+            </a:xfrm>
+            <a:prstGeom prst="rect">
+              <a:avLst/>
+            </a:prstGeom>
+            <a:solidFill>
+              <a:srgbClr val="002060"/>
+            </a:solidFill>
+            <a:ln w="12700" algn="ctr">
+              <a:solidFill>
+                <a:srgbClr val="002060"/>
+              </a:solidFill>
+              <a:miter lim="800000"/>
+              <a:headEnd/>
+              <a:tailEnd type="none" w="sm" len="med"/>
+            </a:ln>
+          </p:spPr>
+          <p:txBody>
+            <a:bodyPr lIns="30089" tIns="30089" rIns="30089" bIns="30089" anchor="ctr" anchorCtr="1"/>
+            <a:lstStyle/>
+            <a:p>
+              <a:pPr algn="ctr" defTabSz="717911"/>
+              <a:r>
+                <a:rPr lang="en-US" sz="1050" b="1" dirty="0">
+                  <a:solidFill>
+                    <a:srgbClr val="FFFFFF"/>
+                  </a:solidFill>
+                </a:rPr>
+                <a:t>User Interface</a:t>
+              </a:r>
+            </a:p>
+          </p:txBody>
+        </p:sp>
+        <p:sp>
+          <p:nvSpPr>
+            <p:cNvPr id="10" name="Rectangle 9">
+              <a:extLst>
+                <a:ext uri="{FF2B5EF4-FFF2-40B4-BE49-F238E27FC236}">
+                  <a16:creationId xmlns:a16="http://schemas.microsoft.com/office/drawing/2014/main" id="{4F0B7552-6CA1-45BD-B2E3-DBFF8EE30750}"/>
+                </a:ext>
+              </a:extLst>
+            </p:cNvPr>
+            <p:cNvSpPr>
+              <a:spLocks noChangeArrowheads="1"/>
+            </p:cNvSpPr>
+            <p:nvPr/>
+          </p:nvSpPr>
+          <p:spPr bwMode="auto">
+            <a:xfrm>
+              <a:off x="300" y="1071"/>
+              <a:ext cx="1847" cy="3635"/>
+            </a:xfrm>
+            <a:prstGeom prst="rect">
+              <a:avLst/>
+            </a:prstGeom>
+            <a:noFill/>
+            <a:ln w="12700" algn="ctr">
+              <a:solidFill>
+                <a:srgbClr val="002060"/>
+              </a:solidFill>
+              <a:miter lim="800000"/>
+              <a:headEnd/>
+              <a:tailEnd/>
+            </a:ln>
+          </p:spPr>
+          <p:txBody>
+            <a:bodyPr lIns="30089" tIns="30089" rIns="30089" bIns="30089"/>
+            <a:lstStyle/>
+            <a:p>
+              <a:pPr defTabSz="718463">
+                <a:lnSpc>
+                  <a:spcPct val="106000"/>
+                </a:lnSpc>
+                <a:spcBef>
+                  <a:spcPts val="1008"/>
+                </a:spcBef>
+                <a:spcAft>
+                  <a:spcPts val="0"/>
+                </a:spcAft>
+                <a:defRPr/>
+              </a:pPr>
+              <a:r>
+                <a:rPr lang="nl-NL" sz="900" dirty="0">
+                  <a:solidFill>
+                    <a:srgbClr val="002776"/>
+                  </a:solidFill>
+                  <a:latin typeface="Arial"/>
+                  <a:cs typeface="+mn-cs"/>
+                </a:rPr>
+                <a:t>The UI is kept </a:t>
+              </a:r>
+              <a:r>
+                <a:rPr lang="nl-NL" sz="900" dirty="0">
+                  <a:solidFill>
+                    <a:srgbClr val="002776"/>
+                  </a:solidFill>
+                  <a:latin typeface="Arial"/>
+                </a:rPr>
+                <a:t>intuitive and user-friendly,</a:t>
+              </a:r>
+              <a:r>
+                <a:rPr lang="nl-NL" sz="900" dirty="0">
+                  <a:solidFill>
+                    <a:srgbClr val="002776"/>
+                  </a:solidFill>
+                  <a:latin typeface="Arial"/>
+                  <a:cs typeface="+mn-cs"/>
+                </a:rPr>
+                <a:t> with basic functions including sign up, login, view balance, deposit and withdraw</a:t>
+              </a:r>
+            </a:p>
+            <a:p>
+              <a:pPr marL="142875" lvl="1" indent="-82550" defTabSz="718463">
+                <a:lnSpc>
+                  <a:spcPct val="106000"/>
+                </a:lnSpc>
+                <a:spcBef>
+                  <a:spcPts val="200"/>
+                </a:spcBef>
+                <a:spcAft>
+                  <a:spcPts val="0"/>
+                </a:spcAft>
+                <a:buFont typeface="Arial" charset="0"/>
+                <a:buChar char="•"/>
+                <a:defRPr/>
+              </a:pPr>
+              <a:r>
+                <a:rPr lang="nl-NL" sz="900" dirty="0">
+                  <a:solidFill>
+                    <a:srgbClr val="002776"/>
+                  </a:solidFill>
+                  <a:latin typeface="Arial"/>
+                </a:rPr>
+                <a:t>Login</a:t>
+              </a:r>
+            </a:p>
+            <a:p>
+              <a:pPr marL="280895" lvl="2" indent="-137651" defTabSz="718463">
+                <a:lnSpc>
+                  <a:spcPct val="106000"/>
+                </a:lnSpc>
+                <a:spcBef>
+                  <a:spcPts val="432"/>
+                </a:spcBef>
+                <a:spcAft>
+                  <a:spcPts val="0"/>
+                </a:spcAft>
+                <a:buFont typeface="Arial" charset="0"/>
+                <a:buChar char="‒"/>
+                <a:defRPr/>
+              </a:pPr>
+              <a:r>
+                <a:rPr lang="nl-NL" sz="800" dirty="0">
+                  <a:solidFill>
+                    <a:srgbClr val="002776"/>
+                  </a:solidFill>
+                  <a:latin typeface="Arial"/>
+                  <a:ea typeface="+mj-ea"/>
+                  <a:cs typeface="+mj-cs"/>
+                </a:rPr>
+                <a:t>Creates session for bank transaction</a:t>
+              </a:r>
+            </a:p>
+            <a:p>
+              <a:pPr marL="280895" lvl="2" indent="-137651" defTabSz="718463">
+                <a:lnSpc>
+                  <a:spcPct val="106000"/>
+                </a:lnSpc>
+                <a:spcBef>
+                  <a:spcPts val="432"/>
+                </a:spcBef>
+                <a:spcAft>
+                  <a:spcPts val="0"/>
+                </a:spcAft>
+                <a:buFont typeface="Arial" charset="0"/>
+                <a:buChar char="‒"/>
+                <a:defRPr/>
+              </a:pPr>
+              <a:r>
+                <a:rPr lang="nl-NL" sz="800" dirty="0">
+                  <a:solidFill>
+                    <a:srgbClr val="002776"/>
+                  </a:solidFill>
+                  <a:latin typeface="Arial"/>
+                  <a:ea typeface="+mj-ea"/>
+                  <a:cs typeface="+mj-cs"/>
+                </a:rPr>
+                <a:t>User can create new account</a:t>
+              </a:r>
+            </a:p>
+            <a:p>
+              <a:pPr marL="142875" lvl="1" indent="-82550" defTabSz="718463">
+                <a:lnSpc>
+                  <a:spcPct val="106000"/>
+                </a:lnSpc>
+                <a:spcBef>
+                  <a:spcPts val="1008"/>
+                </a:spcBef>
+                <a:spcAft>
+                  <a:spcPts val="0"/>
+                </a:spcAft>
+                <a:buFont typeface="Arial" charset="0"/>
+                <a:buChar char="•"/>
+                <a:defRPr/>
+              </a:pPr>
+              <a:r>
+                <a:rPr lang="nl-NL" sz="900" dirty="0">
+                  <a:solidFill>
+                    <a:srgbClr val="002776"/>
+                  </a:solidFill>
+                  <a:latin typeface="Arial"/>
+                </a:rPr>
+                <a:t>View Balance</a:t>
+              </a:r>
+            </a:p>
+            <a:p>
+              <a:pPr marL="280895" lvl="2" indent="-137651" defTabSz="718463">
+                <a:lnSpc>
+                  <a:spcPct val="106000"/>
+                </a:lnSpc>
+                <a:spcBef>
+                  <a:spcPts val="432"/>
+                </a:spcBef>
+                <a:spcAft>
+                  <a:spcPts val="0"/>
+                </a:spcAft>
+                <a:buFont typeface="Arial" charset="0"/>
+                <a:buChar char="‒"/>
+                <a:defRPr/>
+              </a:pPr>
+              <a:r>
+                <a:rPr lang="nl-NL" sz="800" dirty="0">
+                  <a:solidFill>
+                    <a:srgbClr val="002776"/>
+                  </a:solidFill>
+                  <a:latin typeface="Arial"/>
+                </a:rPr>
+                <a:t>View current amount of money</a:t>
+              </a:r>
+            </a:p>
+            <a:p>
+              <a:pPr marL="142875" lvl="1" indent="-82550" defTabSz="718463">
+                <a:lnSpc>
+                  <a:spcPct val="106000"/>
+                </a:lnSpc>
+                <a:spcBef>
+                  <a:spcPts val="1008"/>
+                </a:spcBef>
+                <a:spcAft>
+                  <a:spcPts val="0"/>
+                </a:spcAft>
+                <a:buFont typeface="Arial" charset="0"/>
+                <a:buChar char="•"/>
+                <a:defRPr/>
+              </a:pPr>
+              <a:r>
+                <a:rPr lang="nl-NL" sz="900" dirty="0">
+                  <a:solidFill>
+                    <a:srgbClr val="002776"/>
+                  </a:solidFill>
+                  <a:latin typeface="Arial"/>
+                  <a:ea typeface="+mj-ea"/>
+                  <a:cs typeface="+mj-cs"/>
+                </a:rPr>
+                <a:t>Deposit/Withdraw</a:t>
+              </a:r>
+            </a:p>
+            <a:p>
+              <a:pPr marL="280895" lvl="2" indent="-137651" defTabSz="718463">
+                <a:lnSpc>
+                  <a:spcPct val="106000"/>
+                </a:lnSpc>
+                <a:spcBef>
+                  <a:spcPts val="432"/>
+                </a:spcBef>
+                <a:spcAft>
+                  <a:spcPts val="0"/>
+                </a:spcAft>
+                <a:buFont typeface="Arial" charset="0"/>
+                <a:buChar char="‒"/>
+                <a:defRPr/>
+              </a:pPr>
+              <a:r>
+                <a:rPr lang="nl-NL" sz="800" dirty="0">
+                  <a:solidFill>
+                    <a:srgbClr val="002776"/>
+                  </a:solidFill>
+                  <a:latin typeface="Arial"/>
+                  <a:ea typeface="+mj-ea"/>
+                  <a:cs typeface="+mj-cs"/>
+                </a:rPr>
+                <a:t>Supports modifying balance and checks if user can withdraw without overdrawing.</a:t>
+              </a:r>
+            </a:p>
+            <a:p>
+              <a:pPr marL="269705" indent="-269705" defTabSz="718463">
+                <a:lnSpc>
+                  <a:spcPct val="106000"/>
+                </a:lnSpc>
+                <a:spcBef>
+                  <a:spcPts val="1008"/>
+                </a:spcBef>
+                <a:spcAft>
+                  <a:spcPts val="0"/>
+                </a:spcAft>
+                <a:defRPr/>
+              </a:pPr>
+              <a:endParaRPr lang="nl-NL" sz="1050" dirty="0">
+                <a:solidFill>
+                  <a:srgbClr val="002776"/>
+                </a:solidFill>
+                <a:latin typeface="Arial"/>
+                <a:cs typeface="+mn-cs"/>
+              </a:endParaRPr>
+            </a:p>
+          </p:txBody>
+        </p:sp>
+      </p:grpSp>
+      <p:grpSp>
+        <p:nvGrpSpPr>
+          <p:cNvPr id="11" name="Group 12">
+            <a:extLst>
+              <a:ext uri="{FF2B5EF4-FFF2-40B4-BE49-F238E27FC236}">
+                <a16:creationId xmlns:a16="http://schemas.microsoft.com/office/drawing/2014/main" id="{BFACC9D3-1342-415B-9FCC-B0B2367916C3}"/>
+              </a:ext>
+            </a:extLst>
+          </p:cNvPr>
+          <p:cNvGrpSpPr>
+            <a:grpSpLocks/>
+          </p:cNvGrpSpPr>
+          <p:nvPr/>
+        </p:nvGrpSpPr>
+        <p:grpSpPr bwMode="auto">
+          <a:xfrm>
+            <a:off x="4595648" y="836035"/>
+            <a:ext cx="1661319" cy="3188824"/>
+            <a:chOff x="300" y="872"/>
+            <a:chExt cx="1847" cy="3834"/>
+          </a:xfrm>
+        </p:grpSpPr>
+        <p:sp>
+          <p:nvSpPr>
+            <p:cNvPr id="12" name="Text Box 10">
+              <a:extLst>
+                <a:ext uri="{FF2B5EF4-FFF2-40B4-BE49-F238E27FC236}">
+                  <a16:creationId xmlns:a16="http://schemas.microsoft.com/office/drawing/2014/main" id="{7B8C788B-9707-44A0-AB49-DB0A194D082E}"/>
+                </a:ext>
+              </a:extLst>
+            </p:cNvPr>
+            <p:cNvSpPr txBox="1">
+              <a:spLocks noChangeArrowheads="1"/>
+            </p:cNvSpPr>
+            <p:nvPr/>
+          </p:nvSpPr>
+          <p:spPr bwMode="auto">
+            <a:xfrm>
+              <a:off x="300" y="872"/>
+              <a:ext cx="1847" cy="199"/>
+            </a:xfrm>
+            <a:prstGeom prst="rect">
+              <a:avLst/>
+            </a:prstGeom>
+            <a:solidFill>
+              <a:srgbClr val="002060"/>
+            </a:solidFill>
+            <a:ln w="12700" algn="ctr">
+              <a:solidFill>
+                <a:srgbClr val="002060"/>
+              </a:solidFill>
+              <a:miter lim="800000"/>
+              <a:headEnd/>
+              <a:tailEnd type="none" w="sm" len="med"/>
+            </a:ln>
+          </p:spPr>
+          <p:txBody>
+            <a:bodyPr lIns="30089" tIns="30089" rIns="30089" bIns="30089" anchor="ctr" anchorCtr="1"/>
+            <a:lstStyle/>
+            <a:p>
+              <a:pPr algn="ctr" defTabSz="717911"/>
+              <a:r>
+                <a:rPr lang="en-US" sz="1050" b="1" dirty="0">
+                  <a:solidFill>
+                    <a:srgbClr val="FFFFFF"/>
+                  </a:solidFill>
+                </a:rPr>
+                <a:t>Encryption</a:t>
+              </a:r>
+            </a:p>
+          </p:txBody>
+        </p:sp>
+        <p:sp>
+          <p:nvSpPr>
+            <p:cNvPr id="13" name="Rectangle 12">
+              <a:extLst>
+                <a:ext uri="{FF2B5EF4-FFF2-40B4-BE49-F238E27FC236}">
+                  <a16:creationId xmlns:a16="http://schemas.microsoft.com/office/drawing/2014/main" id="{C36219C7-A5DF-432C-9607-1511CE64ECC5}"/>
+                </a:ext>
+              </a:extLst>
+            </p:cNvPr>
+            <p:cNvSpPr>
+              <a:spLocks noChangeArrowheads="1"/>
+            </p:cNvSpPr>
+            <p:nvPr/>
+          </p:nvSpPr>
+          <p:spPr bwMode="auto">
+            <a:xfrm>
+              <a:off x="300" y="1071"/>
+              <a:ext cx="1847" cy="3635"/>
+            </a:xfrm>
+            <a:prstGeom prst="rect">
+              <a:avLst/>
+            </a:prstGeom>
+            <a:noFill/>
+            <a:ln w="12700" algn="ctr">
+              <a:solidFill>
+                <a:srgbClr val="002060"/>
+              </a:solidFill>
+              <a:miter lim="800000"/>
+              <a:headEnd/>
+              <a:tailEnd/>
+            </a:ln>
+          </p:spPr>
+          <p:txBody>
+            <a:bodyPr lIns="30089" tIns="30089" rIns="30089" bIns="30089"/>
+            <a:lstStyle/>
+            <a:p>
+              <a:pPr defTabSz="718463">
+                <a:lnSpc>
+                  <a:spcPct val="106000"/>
+                </a:lnSpc>
+                <a:spcBef>
+                  <a:spcPts val="1008"/>
+                </a:spcBef>
+                <a:spcAft>
+                  <a:spcPts val="0"/>
+                </a:spcAft>
+                <a:defRPr/>
+              </a:pPr>
+              <a:r>
+                <a:rPr lang="nl-NL" sz="900" dirty="0">
+                  <a:solidFill>
+                    <a:srgbClr val="002776"/>
+                  </a:solidFill>
+                  <a:latin typeface="Arial"/>
+                  <a:cs typeface="+mn-cs"/>
+                </a:rPr>
+                <a:t>The ATM project has built in security features.</a:t>
+              </a:r>
+            </a:p>
+            <a:p>
+              <a:pPr marL="142875" lvl="1" indent="-82550" defTabSz="718463">
+                <a:lnSpc>
+                  <a:spcPct val="106000"/>
+                </a:lnSpc>
+                <a:spcBef>
+                  <a:spcPts val="500"/>
+                </a:spcBef>
+                <a:spcAft>
+                  <a:spcPts val="0"/>
+                </a:spcAft>
+                <a:buFont typeface="Arial" charset="0"/>
+                <a:buChar char="•"/>
+                <a:defRPr/>
+              </a:pPr>
+              <a:r>
+                <a:rPr lang="nl-NL" sz="900" dirty="0">
+                  <a:solidFill>
+                    <a:srgbClr val="002776"/>
+                  </a:solidFill>
+                  <a:latin typeface="Arial"/>
+                  <a:ea typeface="+mj-ea"/>
+                  <a:cs typeface="+mj-cs"/>
+                </a:rPr>
+                <a:t>AES (Encryption)</a:t>
+              </a:r>
+              <a:r>
+                <a:rPr lang="nl-NL" sz="900" dirty="0">
+                  <a:solidFill>
+                    <a:srgbClr val="002776"/>
+                  </a:solidFill>
+                  <a:latin typeface="Arial"/>
+                </a:rPr>
+                <a:t> </a:t>
+              </a:r>
+            </a:p>
+            <a:p>
+              <a:pPr marL="280895" lvl="2" indent="-137651" defTabSz="718463">
+                <a:lnSpc>
+                  <a:spcPct val="106000"/>
+                </a:lnSpc>
+                <a:spcBef>
+                  <a:spcPts val="432"/>
+                </a:spcBef>
+                <a:spcAft>
+                  <a:spcPts val="0"/>
+                </a:spcAft>
+                <a:buFont typeface="Arial" charset="0"/>
+                <a:buChar char="‒"/>
+                <a:defRPr/>
+              </a:pPr>
+              <a:r>
+                <a:rPr lang="nl-NL" sz="800" dirty="0">
+                  <a:solidFill>
+                    <a:srgbClr val="002776"/>
+                  </a:solidFill>
+                  <a:latin typeface="Arial"/>
+                </a:rPr>
+                <a:t>Secure and fast symmetric key to encrypt traffic between server and client.</a:t>
+              </a:r>
+              <a:endParaRPr lang="nl-NL" sz="800" dirty="0">
+                <a:solidFill>
+                  <a:srgbClr val="002776"/>
+                </a:solidFill>
+                <a:latin typeface="Arial"/>
+                <a:ea typeface="+mj-ea"/>
+                <a:cs typeface="+mj-cs"/>
+              </a:endParaRPr>
+            </a:p>
+            <a:p>
+              <a:pPr marL="142875" lvl="1" indent="-82550" defTabSz="718463">
+                <a:lnSpc>
+                  <a:spcPct val="106000"/>
+                </a:lnSpc>
+                <a:spcBef>
+                  <a:spcPts val="1008"/>
+                </a:spcBef>
+                <a:spcAft>
+                  <a:spcPts val="0"/>
+                </a:spcAft>
+                <a:buFont typeface="Arial" charset="0"/>
+                <a:buChar char="•"/>
+                <a:defRPr/>
+              </a:pPr>
+              <a:r>
+                <a:rPr lang="nl-NL" sz="900" dirty="0">
+                  <a:solidFill>
+                    <a:srgbClr val="002776"/>
+                  </a:solidFill>
+                  <a:latin typeface="Arial"/>
+                  <a:ea typeface="+mj-ea"/>
+                  <a:cs typeface="+mj-cs"/>
+                </a:rPr>
+                <a:t>Blowfish (Hashing)</a:t>
+              </a:r>
+            </a:p>
+            <a:p>
+              <a:pPr marL="280895" lvl="2" indent="-137651" defTabSz="718463">
+                <a:lnSpc>
+                  <a:spcPct val="106000"/>
+                </a:lnSpc>
+                <a:spcBef>
+                  <a:spcPts val="432"/>
+                </a:spcBef>
+                <a:spcAft>
+                  <a:spcPts val="0"/>
+                </a:spcAft>
+                <a:buFont typeface="Arial" charset="0"/>
+                <a:buChar char="‒"/>
+                <a:defRPr/>
+              </a:pPr>
+              <a:r>
+                <a:rPr lang="nl-NL" sz="800" dirty="0">
+                  <a:solidFill>
+                    <a:srgbClr val="002776"/>
+                  </a:solidFill>
+                  <a:latin typeface="Arial"/>
+                  <a:ea typeface="+mj-ea"/>
+                  <a:cs typeface="+mj-cs"/>
+                </a:rPr>
+                <a:t>Hide PIN from system admins</a:t>
+              </a:r>
+            </a:p>
+            <a:p>
+              <a:pPr marL="280895" lvl="2" indent="-137651" defTabSz="718463">
+                <a:lnSpc>
+                  <a:spcPct val="106000"/>
+                </a:lnSpc>
+                <a:spcBef>
+                  <a:spcPts val="432"/>
+                </a:spcBef>
+                <a:spcAft>
+                  <a:spcPts val="0"/>
+                </a:spcAft>
+                <a:buFont typeface="Arial" charset="0"/>
+                <a:buChar char="‒"/>
+                <a:defRPr/>
+              </a:pPr>
+              <a:r>
+                <a:rPr lang="nl-NL" sz="800" dirty="0">
+                  <a:solidFill>
+                    <a:srgbClr val="002776"/>
+                  </a:solidFill>
+                  <a:latin typeface="Arial"/>
+                  <a:ea typeface="+mj-ea"/>
+                  <a:cs typeface="+mj-cs"/>
+                </a:rPr>
+                <a:t>Add a layer of authentication when user submits PIN</a:t>
+              </a:r>
+            </a:p>
+            <a:p>
+              <a:pPr marL="142875" lvl="1" indent="-82550" defTabSz="718463">
+                <a:lnSpc>
+                  <a:spcPct val="106000"/>
+                </a:lnSpc>
+                <a:spcBef>
+                  <a:spcPts val="1008"/>
+                </a:spcBef>
+                <a:spcAft>
+                  <a:spcPts val="0"/>
+                </a:spcAft>
+                <a:buFont typeface="Arial" charset="0"/>
+                <a:buChar char="•"/>
+                <a:defRPr/>
+              </a:pPr>
+              <a:r>
+                <a:rPr lang="nl-NL" sz="900" dirty="0">
+                  <a:solidFill>
+                    <a:srgbClr val="002776"/>
+                  </a:solidFill>
+                  <a:latin typeface="Arial"/>
+                </a:rPr>
+                <a:t>Future Upgrade</a:t>
+              </a:r>
+            </a:p>
+            <a:p>
+              <a:pPr marL="280895" lvl="2" indent="-137651" defTabSz="718463">
+                <a:lnSpc>
+                  <a:spcPct val="106000"/>
+                </a:lnSpc>
+                <a:spcBef>
+                  <a:spcPts val="432"/>
+                </a:spcBef>
+                <a:spcAft>
+                  <a:spcPts val="0"/>
+                </a:spcAft>
+                <a:buFont typeface="Arial" charset="0"/>
+                <a:buChar char="‒"/>
+                <a:defRPr/>
+              </a:pPr>
+              <a:r>
+                <a:rPr lang="nl-NL" sz="800" dirty="0">
+                  <a:solidFill>
+                    <a:srgbClr val="002776"/>
+                  </a:solidFill>
+                  <a:latin typeface="Arial"/>
+                </a:rPr>
+                <a:t>Server Authentication</a:t>
+              </a:r>
+            </a:p>
+            <a:p>
+              <a:pPr marL="280895" lvl="2" indent="-137651" defTabSz="718463">
+                <a:lnSpc>
+                  <a:spcPct val="106000"/>
+                </a:lnSpc>
+                <a:spcBef>
+                  <a:spcPts val="432"/>
+                </a:spcBef>
+                <a:spcAft>
+                  <a:spcPts val="0"/>
+                </a:spcAft>
+                <a:buFont typeface="Arial" charset="0"/>
+                <a:buChar char="‒"/>
+                <a:defRPr/>
+              </a:pPr>
+              <a:r>
+                <a:rPr lang="nl-NL" sz="800" dirty="0">
+                  <a:solidFill>
+                    <a:srgbClr val="002776"/>
+                  </a:solidFill>
+                  <a:latin typeface="Arial"/>
+                </a:rPr>
+                <a:t>Client Authentication</a:t>
+              </a:r>
+            </a:p>
+            <a:p>
+              <a:pPr marL="280895" lvl="2" indent="-137651" defTabSz="718463">
+                <a:lnSpc>
+                  <a:spcPct val="106000"/>
+                </a:lnSpc>
+                <a:spcBef>
+                  <a:spcPts val="432"/>
+                </a:spcBef>
+                <a:spcAft>
+                  <a:spcPts val="0"/>
+                </a:spcAft>
+                <a:buFont typeface="Arial" charset="0"/>
+                <a:buChar char="‒"/>
+                <a:defRPr/>
+              </a:pPr>
+              <a:endParaRPr lang="nl-NL" sz="900" dirty="0">
+                <a:solidFill>
+                  <a:srgbClr val="002776"/>
+                </a:solidFill>
+                <a:latin typeface="Arial"/>
+                <a:ea typeface="+mj-ea"/>
+                <a:cs typeface="+mj-cs"/>
+              </a:endParaRPr>
+            </a:p>
+            <a:p>
+              <a:pPr marL="424139" lvl="3" indent="-143246" defTabSz="718463">
+                <a:lnSpc>
+                  <a:spcPct val="106000"/>
+                </a:lnSpc>
+                <a:spcBef>
+                  <a:spcPts val="432"/>
+                </a:spcBef>
+                <a:spcAft>
+                  <a:spcPts val="0"/>
+                </a:spcAft>
+                <a:buFont typeface="Arial" charset="0"/>
+                <a:buChar char="•"/>
+                <a:defRPr/>
+              </a:pPr>
+              <a:endParaRPr lang="nl-NL" sz="900" dirty="0">
+                <a:solidFill>
+                  <a:srgbClr val="002776"/>
+                </a:solidFill>
+                <a:latin typeface="Arial"/>
+                <a:ea typeface="+mj-ea"/>
+                <a:cs typeface="+mj-cs"/>
+              </a:endParaRPr>
+            </a:p>
+            <a:p>
+              <a:pPr marL="269705" indent="-269705" defTabSz="718463">
+                <a:lnSpc>
+                  <a:spcPct val="106000"/>
+                </a:lnSpc>
+                <a:spcBef>
+                  <a:spcPts val="1008"/>
+                </a:spcBef>
+                <a:spcAft>
+                  <a:spcPts val="0"/>
+                </a:spcAft>
+                <a:defRPr/>
+              </a:pPr>
+              <a:endParaRPr lang="nl-NL" sz="1050" dirty="0">
+                <a:solidFill>
+                  <a:srgbClr val="002776"/>
+                </a:solidFill>
+                <a:latin typeface="Arial"/>
+                <a:cs typeface="+mn-cs"/>
+              </a:endParaRPr>
+            </a:p>
+          </p:txBody>
+        </p:sp>
+      </p:grpSp>
+      <p:grpSp>
+        <p:nvGrpSpPr>
+          <p:cNvPr id="14" name="Group 12">
+            <a:extLst>
+              <a:ext uri="{FF2B5EF4-FFF2-40B4-BE49-F238E27FC236}">
+                <a16:creationId xmlns:a16="http://schemas.microsoft.com/office/drawing/2014/main" id="{5E28AC38-8264-477B-A395-5D7E03829A56}"/>
+              </a:ext>
+            </a:extLst>
+          </p:cNvPr>
+          <p:cNvGrpSpPr>
+            <a:grpSpLocks/>
+          </p:cNvGrpSpPr>
+          <p:nvPr/>
+        </p:nvGrpSpPr>
+        <p:grpSpPr bwMode="auto">
+          <a:xfrm>
+            <a:off x="6304261" y="836035"/>
+            <a:ext cx="1660028" cy="3188824"/>
+            <a:chOff x="300" y="872"/>
+            <a:chExt cx="1847" cy="3834"/>
+          </a:xfrm>
+        </p:grpSpPr>
+        <p:sp>
+          <p:nvSpPr>
+            <p:cNvPr id="15" name="Text Box 10">
+              <a:extLst>
+                <a:ext uri="{FF2B5EF4-FFF2-40B4-BE49-F238E27FC236}">
+                  <a16:creationId xmlns:a16="http://schemas.microsoft.com/office/drawing/2014/main" id="{D31082D0-9A2C-4B73-89C4-A554FEFE9447}"/>
+                </a:ext>
+              </a:extLst>
+            </p:cNvPr>
+            <p:cNvSpPr txBox="1">
+              <a:spLocks noChangeArrowheads="1"/>
+            </p:cNvSpPr>
+            <p:nvPr/>
+          </p:nvSpPr>
+          <p:spPr bwMode="auto">
+            <a:xfrm>
+              <a:off x="300" y="872"/>
+              <a:ext cx="1847" cy="199"/>
+            </a:xfrm>
+            <a:prstGeom prst="rect">
+              <a:avLst/>
+            </a:prstGeom>
+            <a:solidFill>
+              <a:srgbClr val="002060"/>
+            </a:solidFill>
+            <a:ln w="12700" algn="ctr">
+              <a:solidFill>
+                <a:srgbClr val="002060"/>
+              </a:solidFill>
+              <a:miter lim="800000"/>
+              <a:headEnd/>
+              <a:tailEnd type="none" w="sm" len="med"/>
+            </a:ln>
+          </p:spPr>
+          <p:txBody>
+            <a:bodyPr lIns="30089" tIns="30089" rIns="30089" bIns="30089" anchor="ctr" anchorCtr="1"/>
+            <a:lstStyle/>
+            <a:p>
+              <a:pPr algn="ctr" defTabSz="717911"/>
+              <a:r>
+                <a:rPr lang="en-US" sz="1050" b="1" dirty="0">
+                  <a:solidFill>
+                    <a:srgbClr val="FFFFFF"/>
+                  </a:solidFill>
+                </a:rPr>
+                <a:t>Database</a:t>
+              </a:r>
+            </a:p>
+          </p:txBody>
+        </p:sp>
+        <p:sp>
+          <p:nvSpPr>
+            <p:cNvPr id="16" name="Rectangle 15">
+              <a:extLst>
+                <a:ext uri="{FF2B5EF4-FFF2-40B4-BE49-F238E27FC236}">
+                  <a16:creationId xmlns:a16="http://schemas.microsoft.com/office/drawing/2014/main" id="{07A4485A-B86A-482D-BB4C-089A9E8E1F4E}"/>
+                </a:ext>
+              </a:extLst>
+            </p:cNvPr>
+            <p:cNvSpPr>
+              <a:spLocks noChangeArrowheads="1"/>
+            </p:cNvSpPr>
+            <p:nvPr/>
+          </p:nvSpPr>
+          <p:spPr bwMode="auto">
+            <a:xfrm>
+              <a:off x="300" y="1071"/>
+              <a:ext cx="1847" cy="3635"/>
+            </a:xfrm>
+            <a:prstGeom prst="rect">
+              <a:avLst/>
+            </a:prstGeom>
+            <a:noFill/>
+            <a:ln w="12700" algn="ctr">
+              <a:solidFill>
+                <a:srgbClr val="002060"/>
+              </a:solidFill>
+              <a:miter lim="800000"/>
+              <a:headEnd/>
+              <a:tailEnd/>
+            </a:ln>
+          </p:spPr>
+          <p:txBody>
+            <a:bodyPr lIns="30089" tIns="30089" rIns="30089" bIns="30089"/>
+            <a:lstStyle/>
+            <a:p>
+              <a:pPr defTabSz="718463">
+                <a:lnSpc>
+                  <a:spcPct val="106000"/>
+                </a:lnSpc>
+                <a:spcBef>
+                  <a:spcPts val="1008"/>
+                </a:spcBef>
+                <a:spcAft>
+                  <a:spcPts val="0"/>
+                </a:spcAft>
+                <a:defRPr/>
+              </a:pPr>
+              <a:r>
+                <a:rPr lang="nl-NL" sz="900" dirty="0">
+                  <a:solidFill>
+                    <a:srgbClr val="002776"/>
+                  </a:solidFill>
+                  <a:latin typeface="Arial"/>
+                  <a:cs typeface="+mn-cs"/>
+                </a:rPr>
+                <a:t>This project uses the Heroku Postgre-SQL database</a:t>
+              </a:r>
+            </a:p>
+            <a:p>
+              <a:pPr marL="142875" lvl="1" indent="-82550" defTabSz="718463">
+                <a:lnSpc>
+                  <a:spcPct val="106000"/>
+                </a:lnSpc>
+                <a:spcBef>
+                  <a:spcPts val="500"/>
+                </a:spcBef>
+                <a:spcAft>
+                  <a:spcPts val="0"/>
+                </a:spcAft>
+                <a:buFont typeface="Arial" charset="0"/>
+                <a:buChar char="•"/>
+                <a:defRPr/>
+              </a:pPr>
+              <a:r>
+                <a:rPr lang="nl-NL" sz="900" dirty="0">
+                  <a:solidFill>
+                    <a:srgbClr val="002776"/>
+                  </a:solidFill>
+                  <a:latin typeface="Arial"/>
+                  <a:ea typeface="+mj-ea"/>
+                  <a:cs typeface="+mj-cs"/>
+                </a:rPr>
+                <a:t>Ease of Usage</a:t>
+              </a:r>
+            </a:p>
+            <a:p>
+              <a:pPr marL="280895" lvl="2" indent="-137651" defTabSz="718463">
+                <a:lnSpc>
+                  <a:spcPct val="106000"/>
+                </a:lnSpc>
+                <a:spcBef>
+                  <a:spcPts val="432"/>
+                </a:spcBef>
+                <a:spcAft>
+                  <a:spcPts val="0"/>
+                </a:spcAft>
+                <a:buFont typeface="Arial" charset="0"/>
+                <a:buChar char="‒"/>
+                <a:defRPr/>
+              </a:pPr>
+              <a:r>
+                <a:rPr lang="nl-NL" sz="800" dirty="0">
+                  <a:solidFill>
+                    <a:srgbClr val="002776"/>
+                  </a:solidFill>
+                  <a:latin typeface="Arial"/>
+                  <a:ea typeface="+mj-ea"/>
+                  <a:cs typeface="+mj-cs"/>
+                </a:rPr>
+                <a:t>Doesn’t require as much effort to set up as building a new MySQL server</a:t>
+              </a:r>
+            </a:p>
+            <a:p>
+              <a:pPr marL="142875" lvl="1" indent="-82550" defTabSz="718463">
+                <a:lnSpc>
+                  <a:spcPct val="106000"/>
+                </a:lnSpc>
+                <a:spcBef>
+                  <a:spcPts val="1008"/>
+                </a:spcBef>
+                <a:spcAft>
+                  <a:spcPts val="0"/>
+                </a:spcAft>
+                <a:buFont typeface="Arial" charset="0"/>
+                <a:buChar char="•"/>
+                <a:defRPr/>
+              </a:pPr>
+              <a:r>
+                <a:rPr lang="nl-NL" sz="900" dirty="0">
+                  <a:solidFill>
+                    <a:srgbClr val="002776"/>
+                  </a:solidFill>
+                  <a:latin typeface="Arial"/>
+                </a:rPr>
+                <a:t>Ease of Credentials</a:t>
+              </a:r>
+            </a:p>
+            <a:p>
+              <a:pPr marL="280895" lvl="2" indent="-137651" defTabSz="718463">
+                <a:lnSpc>
+                  <a:spcPct val="106000"/>
+                </a:lnSpc>
+                <a:spcBef>
+                  <a:spcPts val="432"/>
+                </a:spcBef>
+                <a:spcAft>
+                  <a:spcPts val="0"/>
+                </a:spcAft>
+                <a:buFont typeface="Arial" charset="0"/>
+                <a:buChar char="‒"/>
+                <a:defRPr/>
+              </a:pPr>
+              <a:r>
+                <a:rPr lang="nl-NL" sz="800" dirty="0">
+                  <a:solidFill>
+                    <a:srgbClr val="002776"/>
+                  </a:solidFill>
+                  <a:latin typeface="Arial"/>
+                </a:rPr>
+                <a:t>Doesn’t require as much effort to set up as building a new MySQL server</a:t>
+              </a:r>
+            </a:p>
+            <a:p>
+              <a:pPr marL="280895" lvl="2" indent="-137651" defTabSz="718463">
+                <a:lnSpc>
+                  <a:spcPct val="106000"/>
+                </a:lnSpc>
+                <a:spcBef>
+                  <a:spcPts val="432"/>
+                </a:spcBef>
+                <a:spcAft>
+                  <a:spcPts val="0"/>
+                </a:spcAft>
+                <a:buFont typeface="Arial" charset="0"/>
+                <a:buChar char="‒"/>
+                <a:defRPr/>
+              </a:pPr>
+              <a:endParaRPr lang="nl-NL" sz="900" dirty="0">
+                <a:solidFill>
+                  <a:srgbClr val="002776"/>
+                </a:solidFill>
+                <a:latin typeface="Arial"/>
+                <a:ea typeface="+mj-ea"/>
+                <a:cs typeface="+mj-cs"/>
+              </a:endParaRPr>
+            </a:p>
+            <a:p>
+              <a:pPr marL="143244" lvl="2" defTabSz="718463">
+                <a:lnSpc>
+                  <a:spcPct val="106000"/>
+                </a:lnSpc>
+                <a:spcBef>
+                  <a:spcPts val="432"/>
+                </a:spcBef>
+                <a:spcAft>
+                  <a:spcPts val="0"/>
+                </a:spcAft>
+                <a:defRPr/>
+              </a:pPr>
+              <a:endParaRPr lang="nl-NL" sz="900" dirty="0">
+                <a:solidFill>
+                  <a:srgbClr val="002776"/>
+                </a:solidFill>
+                <a:latin typeface="Arial"/>
+                <a:ea typeface="+mj-ea"/>
+                <a:cs typeface="+mj-cs"/>
+              </a:endParaRPr>
+            </a:p>
+          </p:txBody>
+        </p:sp>
+      </p:grpSp>
+      <p:sp>
+        <p:nvSpPr>
+          <p:cNvPr id="17" name="Rectangle 16">
+            <a:extLst>
+              <a:ext uri="{FF2B5EF4-FFF2-40B4-BE49-F238E27FC236}">
+                <a16:creationId xmlns:a16="http://schemas.microsoft.com/office/drawing/2014/main" id="{DBCF2307-2FA7-47E7-B6A2-02C8C56759FA}"/>
               </a:ext>
             </a:extLst>
           </p:cNvPr>
@@ -8141,15 +10087,13 @@
         </p:nvSpPr>
         <p:spPr>
           <a:xfrm>
-            <a:off x="2590800" y="1381914"/>
-            <a:ext cx="3962400" cy="2379671"/>
+            <a:off x="1179713" y="4084820"/>
+            <a:ext cx="6784576" cy="404734"/>
           </a:xfrm>
           <a:prstGeom prst="rect">
             <a:avLst/>
           </a:prstGeom>
-          <a:solidFill>
-            <a:srgbClr val="FF0000"/>
-          </a:solidFill>
+          <a:noFill/>
         </p:spPr>
         <p:style>
           <a:lnRef idx="2">
@@ -8173,8 +10117,20 @@
           <a:p>
             <a:pPr algn="ctr"/>
             <a:r>
-              <a:rPr lang="en-US" sz="4000" dirty="0"/>
-              <a:t>Needs Work</a:t>
+              <a:rPr lang="en-US" b="1" dirty="0">
+                <a:solidFill>
+                  <a:schemeClr val="tx1"/>
+                </a:solidFill>
+              </a:rPr>
+              <a:t>github repository</a:t>
+            </a:r>
+            <a:r>
+              <a:rPr lang="en-US" dirty="0">
+                <a:solidFill>
+                  <a:schemeClr val="tx1"/>
+                </a:solidFill>
+              </a:rPr>
+              <a:t>: https://github.com/mari-husain/csharp-atm</a:t>
             </a:r>
           </a:p>
         </p:txBody>
@@ -8182,7 +10138,7 @@
     </p:spTree>
     <p:extLst>
       <p:ext uri="{BB962C8B-B14F-4D97-AF65-F5344CB8AC3E}">
-        <p14:creationId xmlns:p14="http://schemas.microsoft.com/office/powerpoint/2010/main" val="2036209883"/>
+        <p14:creationId xmlns:p14="http://schemas.microsoft.com/office/powerpoint/2010/main" val="1721358020"/>
       </p:ext>
     </p:extLst>
   </p:cSld>
@@ -8192,7 +10148,7 @@
 </p:sld>
 </file>
 
-<file path=ppt/slides/slide19.xml><?xml version="1.0" encoding="utf-8"?>
+<file path=ppt/slides/slide20.xml><?xml version="1.0" encoding="utf-8"?>
 <p:sld xmlns:a="http://schemas.openxmlformats.org/drawingml/2006/main" xmlns:r="http://schemas.openxmlformats.org/officeDocument/2006/relationships" xmlns:p="http://schemas.openxmlformats.org/presentationml/2006/main">
   <p:cSld>
     <p:spTree>
@@ -8290,7 +10246,7 @@
             <a:fld id="{F2407EE3-A7AD-4D85-AA70-E0A9F1A7BE8D}" type="slidenum">
               <a:rPr lang="en-US" smtClean="0"/>
               <a:pPr/>
-              <a:t>19</a:t>
+              <a:t>20</a:t>
             </a:fld>
             <a:endParaRPr lang="en-US" dirty="0"/>
           </a:p>
@@ -9300,7 +11256,7 @@
 </p:sld>
 </file>
 
-<file path=ppt/slides/slide2.xml><?xml version="1.0" encoding="utf-8"?>
+<file path=ppt/slides/slide21.xml><?xml version="1.0" encoding="utf-8"?>
 <p:sld xmlns:a="http://schemas.openxmlformats.org/drawingml/2006/main" xmlns:r="http://schemas.openxmlformats.org/officeDocument/2006/relationships" xmlns:p="http://schemas.openxmlformats.org/presentationml/2006/main">
   <p:cSld>
     <p:spTree>
@@ -9322,7 +11278,7 @@
           <p:cNvPr id="2" name="Title 1">
             <a:extLst>
               <a:ext uri="{FF2B5EF4-FFF2-40B4-BE49-F238E27FC236}">
-                <a16:creationId xmlns:a16="http://schemas.microsoft.com/office/drawing/2014/main" id="{0614E3BD-478F-4882-A883-9D5A9E2915DF}"/>
+                <a16:creationId xmlns:a16="http://schemas.microsoft.com/office/drawing/2014/main" id="{BAED1D6A-EBA0-4371-80DC-0AEED3308840}"/>
               </a:ext>
             </a:extLst>
           </p:cNvPr>
@@ -9340,7 +11296,7 @@
           <a:p>
             <a:r>
               <a:rPr lang="en-US" dirty="0"/>
-              <a:t>Overview</a:t>
+              <a:t>Hash Function Encryption</a:t>
             </a:r>
           </a:p>
         </p:txBody>
@@ -9350,7 +11306,7 @@
           <p:cNvPr id="3" name="Footer Placeholder 2">
             <a:extLst>
               <a:ext uri="{FF2B5EF4-FFF2-40B4-BE49-F238E27FC236}">
-                <a16:creationId xmlns:a16="http://schemas.microsoft.com/office/drawing/2014/main" id="{1CF93BED-3854-4775-8325-418CCAA2B483}"/>
+                <a16:creationId xmlns:a16="http://schemas.microsoft.com/office/drawing/2014/main" id="{EDF7CC9D-72D8-4F52-8CEB-115691CBC448}"/>
               </a:ext>
             </a:extLst>
           </p:cNvPr>
@@ -9379,1477 +11335,6 @@
           <p:cNvPr id="4" name="Slide Number Placeholder 3">
             <a:extLst>
               <a:ext uri="{FF2B5EF4-FFF2-40B4-BE49-F238E27FC236}">
-                <a16:creationId xmlns:a16="http://schemas.microsoft.com/office/drawing/2014/main" id="{418E7D2B-BFEF-4415-B5FA-2A7E5F537E52}"/>
-              </a:ext>
-            </a:extLst>
-          </p:cNvPr>
-          <p:cNvSpPr>
-            <a:spLocks noGrp="1"/>
-          </p:cNvSpPr>
-          <p:nvPr>
-            <p:ph type="sldNum" sz="quarter" idx="12"/>
-          </p:nvPr>
-        </p:nvSpPr>
-        <p:spPr>
-          <a:xfrm>
-            <a:off x="4396253" y="4696755"/>
-            <a:ext cx="351492" cy="221242"/>
-          </a:xfrm>
-        </p:spPr>
-        <p:txBody>
-          <a:bodyPr/>
-          <a:lstStyle/>
-          <a:p>
-            <a:fld id="{F2407EE3-A7AD-4D85-AA70-E0A9F1A7BE8D}" type="slidenum">
-              <a:rPr lang="en-US" smtClean="0"/>
-              <a:pPr/>
-              <a:t>2</a:t>
-            </a:fld>
-            <a:endParaRPr lang="en-US" dirty="0"/>
-          </a:p>
-        </p:txBody>
-      </p:sp>
-      <p:grpSp>
-        <p:nvGrpSpPr>
-          <p:cNvPr id="5" name="Group 12">
-            <a:extLst>
-              <a:ext uri="{FF2B5EF4-FFF2-40B4-BE49-F238E27FC236}">
-                <a16:creationId xmlns:a16="http://schemas.microsoft.com/office/drawing/2014/main" id="{F58107D9-5A6C-46B3-B0CE-2C9800ED0535}"/>
-              </a:ext>
-            </a:extLst>
-          </p:cNvPr>
-          <p:cNvGrpSpPr>
-            <a:grpSpLocks/>
-          </p:cNvGrpSpPr>
-          <p:nvPr/>
-        </p:nvGrpSpPr>
-        <p:grpSpPr bwMode="auto">
-          <a:xfrm>
-            <a:off x="1179713" y="836035"/>
-            <a:ext cx="1660029" cy="3188824"/>
-            <a:chOff x="300" y="872"/>
-            <a:chExt cx="1847" cy="3834"/>
-          </a:xfrm>
-        </p:grpSpPr>
-        <p:sp>
-          <p:nvSpPr>
-            <p:cNvPr id="6" name="Text Box 10">
-              <a:extLst>
-                <a:ext uri="{FF2B5EF4-FFF2-40B4-BE49-F238E27FC236}">
-                  <a16:creationId xmlns:a16="http://schemas.microsoft.com/office/drawing/2014/main" id="{7D48EB70-E8D2-4B18-8145-A2CF3305AC4A}"/>
-                </a:ext>
-              </a:extLst>
-            </p:cNvPr>
-            <p:cNvSpPr txBox="1">
-              <a:spLocks noChangeArrowheads="1"/>
-            </p:cNvSpPr>
-            <p:nvPr/>
-          </p:nvSpPr>
-          <p:spPr bwMode="auto">
-            <a:xfrm>
-              <a:off x="300" y="872"/>
-              <a:ext cx="1847" cy="199"/>
-            </a:xfrm>
-            <a:prstGeom prst="rect">
-              <a:avLst/>
-            </a:prstGeom>
-            <a:solidFill>
-              <a:srgbClr val="002060"/>
-            </a:solidFill>
-            <a:ln w="12700" algn="ctr">
-              <a:solidFill>
-                <a:srgbClr val="002060"/>
-              </a:solidFill>
-              <a:miter lim="800000"/>
-              <a:headEnd/>
-              <a:tailEnd type="none" w="sm" len="med"/>
-            </a:ln>
-          </p:spPr>
-          <p:txBody>
-            <a:bodyPr lIns="30089" tIns="30089" rIns="30089" bIns="30089" anchor="ctr" anchorCtr="1"/>
-            <a:lstStyle/>
-            <a:p>
-              <a:pPr algn="ctr" defTabSz="717911"/>
-              <a:r>
-                <a:rPr lang="en-US" sz="1050" b="1" dirty="0">
-                  <a:solidFill>
-                    <a:srgbClr val="FFFFFF"/>
-                  </a:solidFill>
-                </a:rPr>
-                <a:t>Core Functionality</a:t>
-              </a:r>
-            </a:p>
-          </p:txBody>
-        </p:sp>
-        <p:sp>
-          <p:nvSpPr>
-            <p:cNvPr id="7" name="Rectangle 6">
-              <a:extLst>
-                <a:ext uri="{FF2B5EF4-FFF2-40B4-BE49-F238E27FC236}">
-                  <a16:creationId xmlns:a16="http://schemas.microsoft.com/office/drawing/2014/main" id="{6DC6B19D-4908-43EA-9338-A9ED31448F29}"/>
-                </a:ext>
-              </a:extLst>
-            </p:cNvPr>
-            <p:cNvSpPr>
-              <a:spLocks noChangeArrowheads="1"/>
-            </p:cNvSpPr>
-            <p:nvPr/>
-          </p:nvSpPr>
-          <p:spPr bwMode="auto">
-            <a:xfrm>
-              <a:off x="300" y="1071"/>
-              <a:ext cx="1847" cy="3635"/>
-            </a:xfrm>
-            <a:prstGeom prst="rect">
-              <a:avLst/>
-            </a:prstGeom>
-            <a:noFill/>
-            <a:ln w="12700" algn="ctr">
-              <a:solidFill>
-                <a:srgbClr val="002060"/>
-              </a:solidFill>
-              <a:miter lim="800000"/>
-              <a:headEnd/>
-              <a:tailEnd/>
-            </a:ln>
-          </p:spPr>
-          <p:txBody>
-            <a:bodyPr lIns="30089" tIns="30089" rIns="30089" bIns="30089"/>
-            <a:lstStyle/>
-            <a:p>
-              <a:pPr marL="171450" indent="-111125" defTabSz="718463">
-                <a:lnSpc>
-                  <a:spcPct val="106000"/>
-                </a:lnSpc>
-                <a:spcBef>
-                  <a:spcPts val="1008"/>
-                </a:spcBef>
-                <a:spcAft>
-                  <a:spcPts val="0"/>
-                </a:spcAft>
-                <a:buFont typeface="Arial" panose="020B0604020202020204" pitchFamily="34" charset="0"/>
-                <a:buChar char="•"/>
-                <a:defRPr/>
-              </a:pPr>
-              <a:r>
-                <a:rPr lang="nl-NL" sz="1200" dirty="0">
-                  <a:solidFill>
-                    <a:srgbClr val="002776"/>
-                  </a:solidFill>
-                  <a:latin typeface="Arial"/>
-                </a:rPr>
-                <a:t>Online ATM</a:t>
-              </a:r>
-              <a:endParaRPr lang="nl-NL" sz="1200" dirty="0">
-                <a:solidFill>
-                  <a:srgbClr val="002776"/>
-                </a:solidFill>
-                <a:latin typeface="Arial"/>
-                <a:cs typeface="+mn-cs"/>
-              </a:endParaRPr>
-            </a:p>
-            <a:p>
-              <a:pPr marL="171450" indent="-111125" defTabSz="718463">
-                <a:lnSpc>
-                  <a:spcPct val="106000"/>
-                </a:lnSpc>
-                <a:spcBef>
-                  <a:spcPts val="1008"/>
-                </a:spcBef>
-                <a:spcAft>
-                  <a:spcPts val="0"/>
-                </a:spcAft>
-                <a:buFont typeface="Arial" panose="020B0604020202020204" pitchFamily="34" charset="0"/>
-                <a:buChar char="•"/>
-                <a:defRPr/>
-              </a:pPr>
-              <a:r>
-                <a:rPr lang="nl-NL" sz="1200" dirty="0">
-                  <a:solidFill>
-                    <a:srgbClr val="002776"/>
-                  </a:solidFill>
-                  <a:latin typeface="Arial"/>
-                  <a:cs typeface="+mn-cs"/>
-                </a:rPr>
-                <a:t>User Accounts</a:t>
-              </a:r>
-            </a:p>
-            <a:p>
-              <a:pPr marL="171450" indent="-111125" defTabSz="718463">
-                <a:lnSpc>
-                  <a:spcPct val="106000"/>
-                </a:lnSpc>
-                <a:spcBef>
-                  <a:spcPts val="1008"/>
-                </a:spcBef>
-                <a:spcAft>
-                  <a:spcPts val="0"/>
-                </a:spcAft>
-                <a:buFont typeface="Arial" panose="020B0604020202020204" pitchFamily="34" charset="0"/>
-                <a:buChar char="•"/>
-                <a:defRPr/>
-              </a:pPr>
-              <a:r>
-                <a:rPr lang="nl-NL" sz="1200" dirty="0">
-                  <a:solidFill>
-                    <a:srgbClr val="002776"/>
-                  </a:solidFill>
-                  <a:latin typeface="Arial"/>
-                </a:rPr>
-                <a:t>Tools &amp; Services</a:t>
-              </a:r>
-            </a:p>
-            <a:p>
-              <a:pPr marL="171450" indent="-111125" defTabSz="718463">
-                <a:lnSpc>
-                  <a:spcPct val="106000"/>
-                </a:lnSpc>
-                <a:spcBef>
-                  <a:spcPts val="1008"/>
-                </a:spcBef>
-                <a:spcAft>
-                  <a:spcPts val="0"/>
-                </a:spcAft>
-                <a:buFont typeface="Arial" panose="020B0604020202020204" pitchFamily="34" charset="0"/>
-                <a:buChar char="•"/>
-                <a:defRPr/>
-              </a:pPr>
-              <a:r>
-                <a:rPr lang="nl-NL" sz="1200" dirty="0">
-                  <a:solidFill>
-                    <a:srgbClr val="002776"/>
-                  </a:solidFill>
-                  <a:latin typeface="Arial"/>
-                </a:rPr>
-                <a:t>Installation</a:t>
-              </a:r>
-            </a:p>
-          </p:txBody>
-        </p:sp>
-      </p:grpSp>
-      <p:grpSp>
-        <p:nvGrpSpPr>
-          <p:cNvPr id="8" name="Group 12">
-            <a:extLst>
-              <a:ext uri="{FF2B5EF4-FFF2-40B4-BE49-F238E27FC236}">
-                <a16:creationId xmlns:a16="http://schemas.microsoft.com/office/drawing/2014/main" id="{57D0B560-DDB3-4D32-92F6-C46A95C89A17}"/>
-              </a:ext>
-            </a:extLst>
-          </p:cNvPr>
-          <p:cNvGrpSpPr>
-            <a:grpSpLocks/>
-          </p:cNvGrpSpPr>
-          <p:nvPr/>
-        </p:nvGrpSpPr>
-        <p:grpSpPr bwMode="auto">
-          <a:xfrm>
-            <a:off x="2887034" y="836035"/>
-            <a:ext cx="1661319" cy="3188824"/>
-            <a:chOff x="300" y="872"/>
-            <a:chExt cx="1847" cy="3834"/>
-          </a:xfrm>
-        </p:grpSpPr>
-        <p:sp>
-          <p:nvSpPr>
-            <p:cNvPr id="9" name="Text Box 10">
-              <a:extLst>
-                <a:ext uri="{FF2B5EF4-FFF2-40B4-BE49-F238E27FC236}">
-                  <a16:creationId xmlns:a16="http://schemas.microsoft.com/office/drawing/2014/main" id="{BE72C895-12BC-4CA4-A01C-06BD26BA1DE8}"/>
-                </a:ext>
-              </a:extLst>
-            </p:cNvPr>
-            <p:cNvSpPr txBox="1">
-              <a:spLocks noChangeArrowheads="1"/>
-            </p:cNvSpPr>
-            <p:nvPr/>
-          </p:nvSpPr>
-          <p:spPr bwMode="auto">
-            <a:xfrm>
-              <a:off x="300" y="872"/>
-              <a:ext cx="1847" cy="199"/>
-            </a:xfrm>
-            <a:prstGeom prst="rect">
-              <a:avLst/>
-            </a:prstGeom>
-            <a:solidFill>
-              <a:srgbClr val="002060"/>
-            </a:solidFill>
-            <a:ln w="12700" algn="ctr">
-              <a:solidFill>
-                <a:srgbClr val="002060"/>
-              </a:solidFill>
-              <a:miter lim="800000"/>
-              <a:headEnd/>
-              <a:tailEnd type="none" w="sm" len="med"/>
-            </a:ln>
-          </p:spPr>
-          <p:txBody>
-            <a:bodyPr lIns="30089" tIns="30089" rIns="30089" bIns="30089" anchor="ctr" anchorCtr="1"/>
-            <a:lstStyle/>
-            <a:p>
-              <a:pPr algn="ctr" defTabSz="717911"/>
-              <a:r>
-                <a:rPr lang="en-US" sz="1050" b="1" dirty="0">
-                  <a:solidFill>
-                    <a:srgbClr val="FFFFFF"/>
-                  </a:solidFill>
-                </a:rPr>
-                <a:t>User Interface</a:t>
-              </a:r>
-            </a:p>
-          </p:txBody>
-        </p:sp>
-        <p:sp>
-          <p:nvSpPr>
-            <p:cNvPr id="10" name="Rectangle 9">
-              <a:extLst>
-                <a:ext uri="{FF2B5EF4-FFF2-40B4-BE49-F238E27FC236}">
-                  <a16:creationId xmlns:a16="http://schemas.microsoft.com/office/drawing/2014/main" id="{4F0B7552-6CA1-45BD-B2E3-DBFF8EE30750}"/>
-                </a:ext>
-              </a:extLst>
-            </p:cNvPr>
-            <p:cNvSpPr>
-              <a:spLocks noChangeArrowheads="1"/>
-            </p:cNvSpPr>
-            <p:nvPr/>
-          </p:nvSpPr>
-          <p:spPr bwMode="auto">
-            <a:xfrm>
-              <a:off x="300" y="1071"/>
-              <a:ext cx="1847" cy="3635"/>
-            </a:xfrm>
-            <a:prstGeom prst="rect">
-              <a:avLst/>
-            </a:prstGeom>
-            <a:noFill/>
-            <a:ln w="12700" algn="ctr">
-              <a:solidFill>
-                <a:srgbClr val="002060"/>
-              </a:solidFill>
-              <a:miter lim="800000"/>
-              <a:headEnd/>
-              <a:tailEnd/>
-            </a:ln>
-          </p:spPr>
-          <p:txBody>
-            <a:bodyPr lIns="30089" tIns="30089" rIns="30089" bIns="30089"/>
-            <a:lstStyle/>
-            <a:p>
-              <a:pPr defTabSz="718463">
-                <a:lnSpc>
-                  <a:spcPct val="106000"/>
-                </a:lnSpc>
-                <a:spcBef>
-                  <a:spcPts val="1008"/>
-                </a:spcBef>
-                <a:spcAft>
-                  <a:spcPts val="0"/>
-                </a:spcAft>
-                <a:defRPr/>
-              </a:pPr>
-              <a:r>
-                <a:rPr lang="nl-NL" sz="900" dirty="0">
-                  <a:solidFill>
-                    <a:srgbClr val="002776"/>
-                  </a:solidFill>
-                  <a:latin typeface="Arial"/>
-                  <a:cs typeface="+mn-cs"/>
-                </a:rPr>
-                <a:t>The UI is kept </a:t>
-              </a:r>
-              <a:r>
-                <a:rPr lang="nl-NL" sz="900" dirty="0">
-                  <a:solidFill>
-                    <a:srgbClr val="002776"/>
-                  </a:solidFill>
-                  <a:latin typeface="Arial"/>
-                </a:rPr>
-                <a:t>intuitive and user-friendly,</a:t>
-              </a:r>
-              <a:r>
-                <a:rPr lang="nl-NL" sz="900" dirty="0">
-                  <a:solidFill>
-                    <a:srgbClr val="002776"/>
-                  </a:solidFill>
-                  <a:latin typeface="Arial"/>
-                  <a:cs typeface="+mn-cs"/>
-                </a:rPr>
-                <a:t> with basic functions including sign up, login, view balance, deposit and withdraw</a:t>
-              </a:r>
-            </a:p>
-            <a:p>
-              <a:pPr marL="142875" lvl="1" indent="-82550" defTabSz="718463">
-                <a:lnSpc>
-                  <a:spcPct val="106000"/>
-                </a:lnSpc>
-                <a:spcBef>
-                  <a:spcPts val="200"/>
-                </a:spcBef>
-                <a:spcAft>
-                  <a:spcPts val="0"/>
-                </a:spcAft>
-                <a:buFont typeface="Arial" charset="0"/>
-                <a:buChar char="•"/>
-                <a:defRPr/>
-              </a:pPr>
-              <a:r>
-                <a:rPr lang="nl-NL" sz="900" dirty="0">
-                  <a:solidFill>
-                    <a:srgbClr val="002776"/>
-                  </a:solidFill>
-                  <a:latin typeface="Arial"/>
-                </a:rPr>
-                <a:t>Login</a:t>
-              </a:r>
-            </a:p>
-            <a:p>
-              <a:pPr marL="280895" lvl="2" indent="-137651" defTabSz="718463">
-                <a:lnSpc>
-                  <a:spcPct val="106000"/>
-                </a:lnSpc>
-                <a:spcBef>
-                  <a:spcPts val="432"/>
-                </a:spcBef>
-                <a:spcAft>
-                  <a:spcPts val="0"/>
-                </a:spcAft>
-                <a:buFont typeface="Arial" charset="0"/>
-                <a:buChar char="‒"/>
-                <a:defRPr/>
-              </a:pPr>
-              <a:r>
-                <a:rPr lang="nl-NL" sz="800" dirty="0">
-                  <a:solidFill>
-                    <a:srgbClr val="002776"/>
-                  </a:solidFill>
-                  <a:latin typeface="Arial"/>
-                  <a:ea typeface="+mj-ea"/>
-                  <a:cs typeface="+mj-cs"/>
-                </a:rPr>
-                <a:t>Creates session for bank transaction</a:t>
-              </a:r>
-            </a:p>
-            <a:p>
-              <a:pPr marL="280895" lvl="2" indent="-137651" defTabSz="718463">
-                <a:lnSpc>
-                  <a:spcPct val="106000"/>
-                </a:lnSpc>
-                <a:spcBef>
-                  <a:spcPts val="432"/>
-                </a:spcBef>
-                <a:spcAft>
-                  <a:spcPts val="0"/>
-                </a:spcAft>
-                <a:buFont typeface="Arial" charset="0"/>
-                <a:buChar char="‒"/>
-                <a:defRPr/>
-              </a:pPr>
-              <a:r>
-                <a:rPr lang="nl-NL" sz="800" dirty="0">
-                  <a:solidFill>
-                    <a:srgbClr val="002776"/>
-                  </a:solidFill>
-                  <a:latin typeface="Arial"/>
-                  <a:ea typeface="+mj-ea"/>
-                  <a:cs typeface="+mj-cs"/>
-                </a:rPr>
-                <a:t>User can create new account</a:t>
-              </a:r>
-            </a:p>
-            <a:p>
-              <a:pPr marL="142875" lvl="1" indent="-82550" defTabSz="718463">
-                <a:lnSpc>
-                  <a:spcPct val="106000"/>
-                </a:lnSpc>
-                <a:spcBef>
-                  <a:spcPts val="1008"/>
-                </a:spcBef>
-                <a:spcAft>
-                  <a:spcPts val="0"/>
-                </a:spcAft>
-                <a:buFont typeface="Arial" charset="0"/>
-                <a:buChar char="•"/>
-                <a:defRPr/>
-              </a:pPr>
-              <a:r>
-                <a:rPr lang="nl-NL" sz="900" dirty="0">
-                  <a:solidFill>
-                    <a:srgbClr val="002776"/>
-                  </a:solidFill>
-                  <a:latin typeface="Arial"/>
-                </a:rPr>
-                <a:t>View Balance</a:t>
-              </a:r>
-            </a:p>
-            <a:p>
-              <a:pPr marL="280895" lvl="2" indent="-137651" defTabSz="718463">
-                <a:lnSpc>
-                  <a:spcPct val="106000"/>
-                </a:lnSpc>
-                <a:spcBef>
-                  <a:spcPts val="432"/>
-                </a:spcBef>
-                <a:spcAft>
-                  <a:spcPts val="0"/>
-                </a:spcAft>
-                <a:buFont typeface="Arial" charset="0"/>
-                <a:buChar char="‒"/>
-                <a:defRPr/>
-              </a:pPr>
-              <a:r>
-                <a:rPr lang="nl-NL" sz="800" dirty="0">
-                  <a:solidFill>
-                    <a:srgbClr val="002776"/>
-                  </a:solidFill>
-                  <a:latin typeface="Arial"/>
-                </a:rPr>
-                <a:t>View current amount of money</a:t>
-              </a:r>
-            </a:p>
-            <a:p>
-              <a:pPr marL="142875" lvl="1" indent="-82550" defTabSz="718463">
-                <a:lnSpc>
-                  <a:spcPct val="106000"/>
-                </a:lnSpc>
-                <a:spcBef>
-                  <a:spcPts val="1008"/>
-                </a:spcBef>
-                <a:spcAft>
-                  <a:spcPts val="0"/>
-                </a:spcAft>
-                <a:buFont typeface="Arial" charset="0"/>
-                <a:buChar char="•"/>
-                <a:defRPr/>
-              </a:pPr>
-              <a:r>
-                <a:rPr lang="nl-NL" sz="900" dirty="0">
-                  <a:solidFill>
-                    <a:srgbClr val="002776"/>
-                  </a:solidFill>
-                  <a:latin typeface="Arial"/>
-                  <a:ea typeface="+mj-ea"/>
-                  <a:cs typeface="+mj-cs"/>
-                </a:rPr>
-                <a:t>Deposit/Withdraw</a:t>
-              </a:r>
-            </a:p>
-            <a:p>
-              <a:pPr marL="280895" lvl="2" indent="-137651" defTabSz="718463">
-                <a:lnSpc>
-                  <a:spcPct val="106000"/>
-                </a:lnSpc>
-                <a:spcBef>
-                  <a:spcPts val="432"/>
-                </a:spcBef>
-                <a:spcAft>
-                  <a:spcPts val="0"/>
-                </a:spcAft>
-                <a:buFont typeface="Arial" charset="0"/>
-                <a:buChar char="‒"/>
-                <a:defRPr/>
-              </a:pPr>
-              <a:r>
-                <a:rPr lang="nl-NL" sz="800" dirty="0">
-                  <a:solidFill>
-                    <a:srgbClr val="002776"/>
-                  </a:solidFill>
-                  <a:latin typeface="Arial"/>
-                  <a:ea typeface="+mj-ea"/>
-                  <a:cs typeface="+mj-cs"/>
-                </a:rPr>
-                <a:t>Supports modifying balance and checks if user can withdraw without overdrawing.</a:t>
-              </a:r>
-            </a:p>
-            <a:p>
-              <a:pPr marL="269705" indent="-269705" defTabSz="718463">
-                <a:lnSpc>
-                  <a:spcPct val="106000"/>
-                </a:lnSpc>
-                <a:spcBef>
-                  <a:spcPts val="1008"/>
-                </a:spcBef>
-                <a:spcAft>
-                  <a:spcPts val="0"/>
-                </a:spcAft>
-                <a:defRPr/>
-              </a:pPr>
-              <a:endParaRPr lang="nl-NL" sz="1050" dirty="0">
-                <a:solidFill>
-                  <a:srgbClr val="002776"/>
-                </a:solidFill>
-                <a:latin typeface="Arial"/>
-                <a:cs typeface="+mn-cs"/>
-              </a:endParaRPr>
-            </a:p>
-          </p:txBody>
-        </p:sp>
-      </p:grpSp>
-      <p:grpSp>
-        <p:nvGrpSpPr>
-          <p:cNvPr id="11" name="Group 12">
-            <a:extLst>
-              <a:ext uri="{FF2B5EF4-FFF2-40B4-BE49-F238E27FC236}">
-                <a16:creationId xmlns:a16="http://schemas.microsoft.com/office/drawing/2014/main" id="{BFACC9D3-1342-415B-9FCC-B0B2367916C3}"/>
-              </a:ext>
-            </a:extLst>
-          </p:cNvPr>
-          <p:cNvGrpSpPr>
-            <a:grpSpLocks/>
-          </p:cNvGrpSpPr>
-          <p:nvPr/>
-        </p:nvGrpSpPr>
-        <p:grpSpPr bwMode="auto">
-          <a:xfrm>
-            <a:off x="4595648" y="836035"/>
-            <a:ext cx="1661319" cy="3188824"/>
-            <a:chOff x="300" y="872"/>
-            <a:chExt cx="1847" cy="3834"/>
-          </a:xfrm>
-        </p:grpSpPr>
-        <p:sp>
-          <p:nvSpPr>
-            <p:cNvPr id="12" name="Text Box 10">
-              <a:extLst>
-                <a:ext uri="{FF2B5EF4-FFF2-40B4-BE49-F238E27FC236}">
-                  <a16:creationId xmlns:a16="http://schemas.microsoft.com/office/drawing/2014/main" id="{7B8C788B-9707-44A0-AB49-DB0A194D082E}"/>
-                </a:ext>
-              </a:extLst>
-            </p:cNvPr>
-            <p:cNvSpPr txBox="1">
-              <a:spLocks noChangeArrowheads="1"/>
-            </p:cNvSpPr>
-            <p:nvPr/>
-          </p:nvSpPr>
-          <p:spPr bwMode="auto">
-            <a:xfrm>
-              <a:off x="300" y="872"/>
-              <a:ext cx="1847" cy="199"/>
-            </a:xfrm>
-            <a:prstGeom prst="rect">
-              <a:avLst/>
-            </a:prstGeom>
-            <a:solidFill>
-              <a:srgbClr val="002060"/>
-            </a:solidFill>
-            <a:ln w="12700" algn="ctr">
-              <a:solidFill>
-                <a:srgbClr val="002060"/>
-              </a:solidFill>
-              <a:miter lim="800000"/>
-              <a:headEnd/>
-              <a:tailEnd type="none" w="sm" len="med"/>
-            </a:ln>
-          </p:spPr>
-          <p:txBody>
-            <a:bodyPr lIns="30089" tIns="30089" rIns="30089" bIns="30089" anchor="ctr" anchorCtr="1"/>
-            <a:lstStyle/>
-            <a:p>
-              <a:pPr algn="ctr" defTabSz="717911"/>
-              <a:r>
-                <a:rPr lang="en-US" sz="1050" b="1" dirty="0">
-                  <a:solidFill>
-                    <a:srgbClr val="FFFFFF"/>
-                  </a:solidFill>
-                </a:rPr>
-                <a:t>Encryption</a:t>
-              </a:r>
-            </a:p>
-          </p:txBody>
-        </p:sp>
-        <p:sp>
-          <p:nvSpPr>
-            <p:cNvPr id="13" name="Rectangle 12">
-              <a:extLst>
-                <a:ext uri="{FF2B5EF4-FFF2-40B4-BE49-F238E27FC236}">
-                  <a16:creationId xmlns:a16="http://schemas.microsoft.com/office/drawing/2014/main" id="{C36219C7-A5DF-432C-9607-1511CE64ECC5}"/>
-                </a:ext>
-              </a:extLst>
-            </p:cNvPr>
-            <p:cNvSpPr>
-              <a:spLocks noChangeArrowheads="1"/>
-            </p:cNvSpPr>
-            <p:nvPr/>
-          </p:nvSpPr>
-          <p:spPr bwMode="auto">
-            <a:xfrm>
-              <a:off x="300" y="1071"/>
-              <a:ext cx="1847" cy="3635"/>
-            </a:xfrm>
-            <a:prstGeom prst="rect">
-              <a:avLst/>
-            </a:prstGeom>
-            <a:noFill/>
-            <a:ln w="12700" algn="ctr">
-              <a:solidFill>
-                <a:srgbClr val="002060"/>
-              </a:solidFill>
-              <a:miter lim="800000"/>
-              <a:headEnd/>
-              <a:tailEnd/>
-            </a:ln>
-          </p:spPr>
-          <p:txBody>
-            <a:bodyPr lIns="30089" tIns="30089" rIns="30089" bIns="30089"/>
-            <a:lstStyle/>
-            <a:p>
-              <a:pPr defTabSz="718463">
-                <a:lnSpc>
-                  <a:spcPct val="106000"/>
-                </a:lnSpc>
-                <a:spcBef>
-                  <a:spcPts val="1008"/>
-                </a:spcBef>
-                <a:spcAft>
-                  <a:spcPts val="0"/>
-                </a:spcAft>
-                <a:defRPr/>
-              </a:pPr>
-              <a:r>
-                <a:rPr lang="nl-NL" sz="900" dirty="0">
-                  <a:solidFill>
-                    <a:srgbClr val="002776"/>
-                  </a:solidFill>
-                  <a:latin typeface="Arial"/>
-                  <a:cs typeface="+mn-cs"/>
-                </a:rPr>
-                <a:t>The ATM project has built in security features.</a:t>
-              </a:r>
-            </a:p>
-            <a:p>
-              <a:pPr marL="142875" lvl="1" indent="-82550" defTabSz="718463">
-                <a:lnSpc>
-                  <a:spcPct val="106000"/>
-                </a:lnSpc>
-                <a:spcBef>
-                  <a:spcPts val="500"/>
-                </a:spcBef>
-                <a:spcAft>
-                  <a:spcPts val="0"/>
-                </a:spcAft>
-                <a:buFont typeface="Arial" charset="0"/>
-                <a:buChar char="•"/>
-                <a:defRPr/>
-              </a:pPr>
-              <a:r>
-                <a:rPr lang="nl-NL" sz="900" dirty="0">
-                  <a:solidFill>
-                    <a:srgbClr val="002776"/>
-                  </a:solidFill>
-                  <a:latin typeface="Arial"/>
-                  <a:ea typeface="+mj-ea"/>
-                  <a:cs typeface="+mj-cs"/>
-                </a:rPr>
-                <a:t>AES (Encryption)</a:t>
-              </a:r>
-              <a:r>
-                <a:rPr lang="nl-NL" sz="900" dirty="0">
-                  <a:solidFill>
-                    <a:srgbClr val="002776"/>
-                  </a:solidFill>
-                  <a:latin typeface="Arial"/>
-                </a:rPr>
-                <a:t> </a:t>
-              </a:r>
-            </a:p>
-            <a:p>
-              <a:pPr marL="280895" lvl="2" indent="-137651" defTabSz="718463">
-                <a:lnSpc>
-                  <a:spcPct val="106000"/>
-                </a:lnSpc>
-                <a:spcBef>
-                  <a:spcPts val="432"/>
-                </a:spcBef>
-                <a:spcAft>
-                  <a:spcPts val="0"/>
-                </a:spcAft>
-                <a:buFont typeface="Arial" charset="0"/>
-                <a:buChar char="‒"/>
-                <a:defRPr/>
-              </a:pPr>
-              <a:r>
-                <a:rPr lang="nl-NL" sz="800" dirty="0">
-                  <a:solidFill>
-                    <a:srgbClr val="002776"/>
-                  </a:solidFill>
-                  <a:latin typeface="Arial"/>
-                </a:rPr>
-                <a:t>Secure and fast symmetric key to encrypt traffic between server and client.</a:t>
-              </a:r>
-              <a:endParaRPr lang="nl-NL" sz="800" dirty="0">
-                <a:solidFill>
-                  <a:srgbClr val="002776"/>
-                </a:solidFill>
-                <a:latin typeface="Arial"/>
-                <a:ea typeface="+mj-ea"/>
-                <a:cs typeface="+mj-cs"/>
-              </a:endParaRPr>
-            </a:p>
-            <a:p>
-              <a:pPr marL="142875" lvl="1" indent="-82550" defTabSz="718463">
-                <a:lnSpc>
-                  <a:spcPct val="106000"/>
-                </a:lnSpc>
-                <a:spcBef>
-                  <a:spcPts val="1008"/>
-                </a:spcBef>
-                <a:spcAft>
-                  <a:spcPts val="0"/>
-                </a:spcAft>
-                <a:buFont typeface="Arial" charset="0"/>
-                <a:buChar char="•"/>
-                <a:defRPr/>
-              </a:pPr>
-              <a:r>
-                <a:rPr lang="nl-NL" sz="900" dirty="0">
-                  <a:solidFill>
-                    <a:srgbClr val="002776"/>
-                  </a:solidFill>
-                  <a:latin typeface="Arial"/>
-                  <a:ea typeface="+mj-ea"/>
-                  <a:cs typeface="+mj-cs"/>
-                </a:rPr>
-                <a:t>Blowfish (Hashing)</a:t>
-              </a:r>
-            </a:p>
-            <a:p>
-              <a:pPr marL="280895" lvl="2" indent="-137651" defTabSz="718463">
-                <a:lnSpc>
-                  <a:spcPct val="106000"/>
-                </a:lnSpc>
-                <a:spcBef>
-                  <a:spcPts val="432"/>
-                </a:spcBef>
-                <a:spcAft>
-                  <a:spcPts val="0"/>
-                </a:spcAft>
-                <a:buFont typeface="Arial" charset="0"/>
-                <a:buChar char="‒"/>
-                <a:defRPr/>
-              </a:pPr>
-              <a:r>
-                <a:rPr lang="nl-NL" sz="800" dirty="0">
-                  <a:solidFill>
-                    <a:srgbClr val="002776"/>
-                  </a:solidFill>
-                  <a:latin typeface="Arial"/>
-                  <a:ea typeface="+mj-ea"/>
-                  <a:cs typeface="+mj-cs"/>
-                </a:rPr>
-                <a:t>Hide PIN from system admins</a:t>
-              </a:r>
-            </a:p>
-            <a:p>
-              <a:pPr marL="280895" lvl="2" indent="-137651" defTabSz="718463">
-                <a:lnSpc>
-                  <a:spcPct val="106000"/>
-                </a:lnSpc>
-                <a:spcBef>
-                  <a:spcPts val="432"/>
-                </a:spcBef>
-                <a:spcAft>
-                  <a:spcPts val="0"/>
-                </a:spcAft>
-                <a:buFont typeface="Arial" charset="0"/>
-                <a:buChar char="‒"/>
-                <a:defRPr/>
-              </a:pPr>
-              <a:r>
-                <a:rPr lang="nl-NL" sz="800" dirty="0">
-                  <a:solidFill>
-                    <a:srgbClr val="002776"/>
-                  </a:solidFill>
-                  <a:latin typeface="Arial"/>
-                  <a:ea typeface="+mj-ea"/>
-                  <a:cs typeface="+mj-cs"/>
-                </a:rPr>
-                <a:t>Add a layer of authentication when user submits PIN</a:t>
-              </a:r>
-            </a:p>
-            <a:p>
-              <a:pPr marL="142875" lvl="1" indent="-82550" defTabSz="718463">
-                <a:lnSpc>
-                  <a:spcPct val="106000"/>
-                </a:lnSpc>
-                <a:spcBef>
-                  <a:spcPts val="1008"/>
-                </a:spcBef>
-                <a:spcAft>
-                  <a:spcPts val="0"/>
-                </a:spcAft>
-                <a:buFont typeface="Arial" charset="0"/>
-                <a:buChar char="•"/>
-                <a:defRPr/>
-              </a:pPr>
-              <a:r>
-                <a:rPr lang="nl-NL" sz="900" dirty="0">
-                  <a:solidFill>
-                    <a:srgbClr val="002776"/>
-                  </a:solidFill>
-                  <a:latin typeface="Arial"/>
-                </a:rPr>
-                <a:t>Future Upgrade</a:t>
-              </a:r>
-            </a:p>
-            <a:p>
-              <a:pPr marL="280895" lvl="2" indent="-137651" defTabSz="718463">
-                <a:lnSpc>
-                  <a:spcPct val="106000"/>
-                </a:lnSpc>
-                <a:spcBef>
-                  <a:spcPts val="432"/>
-                </a:spcBef>
-                <a:spcAft>
-                  <a:spcPts val="0"/>
-                </a:spcAft>
-                <a:buFont typeface="Arial" charset="0"/>
-                <a:buChar char="‒"/>
-                <a:defRPr/>
-              </a:pPr>
-              <a:r>
-                <a:rPr lang="nl-NL" sz="800" dirty="0">
-                  <a:solidFill>
-                    <a:srgbClr val="002776"/>
-                  </a:solidFill>
-                  <a:latin typeface="Arial"/>
-                </a:rPr>
-                <a:t>Server Authentication</a:t>
-              </a:r>
-            </a:p>
-            <a:p>
-              <a:pPr marL="280895" lvl="2" indent="-137651" defTabSz="718463">
-                <a:lnSpc>
-                  <a:spcPct val="106000"/>
-                </a:lnSpc>
-                <a:spcBef>
-                  <a:spcPts val="432"/>
-                </a:spcBef>
-                <a:spcAft>
-                  <a:spcPts val="0"/>
-                </a:spcAft>
-                <a:buFont typeface="Arial" charset="0"/>
-                <a:buChar char="‒"/>
-                <a:defRPr/>
-              </a:pPr>
-              <a:r>
-                <a:rPr lang="nl-NL" sz="800" dirty="0">
-                  <a:solidFill>
-                    <a:srgbClr val="002776"/>
-                  </a:solidFill>
-                  <a:latin typeface="Arial"/>
-                </a:rPr>
-                <a:t>Client Authentication</a:t>
-              </a:r>
-            </a:p>
-            <a:p>
-              <a:pPr marL="280895" lvl="2" indent="-137651" defTabSz="718463">
-                <a:lnSpc>
-                  <a:spcPct val="106000"/>
-                </a:lnSpc>
-                <a:spcBef>
-                  <a:spcPts val="432"/>
-                </a:spcBef>
-                <a:spcAft>
-                  <a:spcPts val="0"/>
-                </a:spcAft>
-                <a:buFont typeface="Arial" charset="0"/>
-                <a:buChar char="‒"/>
-                <a:defRPr/>
-              </a:pPr>
-              <a:endParaRPr lang="nl-NL" sz="900" dirty="0">
-                <a:solidFill>
-                  <a:srgbClr val="002776"/>
-                </a:solidFill>
-                <a:latin typeface="Arial"/>
-                <a:ea typeface="+mj-ea"/>
-                <a:cs typeface="+mj-cs"/>
-              </a:endParaRPr>
-            </a:p>
-            <a:p>
-              <a:pPr marL="424139" lvl="3" indent="-143246" defTabSz="718463">
-                <a:lnSpc>
-                  <a:spcPct val="106000"/>
-                </a:lnSpc>
-                <a:spcBef>
-                  <a:spcPts val="432"/>
-                </a:spcBef>
-                <a:spcAft>
-                  <a:spcPts val="0"/>
-                </a:spcAft>
-                <a:buFont typeface="Arial" charset="0"/>
-                <a:buChar char="•"/>
-                <a:defRPr/>
-              </a:pPr>
-              <a:endParaRPr lang="nl-NL" sz="900" dirty="0">
-                <a:solidFill>
-                  <a:srgbClr val="002776"/>
-                </a:solidFill>
-                <a:latin typeface="Arial"/>
-                <a:ea typeface="+mj-ea"/>
-                <a:cs typeface="+mj-cs"/>
-              </a:endParaRPr>
-            </a:p>
-            <a:p>
-              <a:pPr marL="269705" indent="-269705" defTabSz="718463">
-                <a:lnSpc>
-                  <a:spcPct val="106000"/>
-                </a:lnSpc>
-                <a:spcBef>
-                  <a:spcPts val="1008"/>
-                </a:spcBef>
-                <a:spcAft>
-                  <a:spcPts val="0"/>
-                </a:spcAft>
-                <a:defRPr/>
-              </a:pPr>
-              <a:endParaRPr lang="nl-NL" sz="1050" dirty="0">
-                <a:solidFill>
-                  <a:srgbClr val="002776"/>
-                </a:solidFill>
-                <a:latin typeface="Arial"/>
-                <a:cs typeface="+mn-cs"/>
-              </a:endParaRPr>
-            </a:p>
-          </p:txBody>
-        </p:sp>
-      </p:grpSp>
-      <p:grpSp>
-        <p:nvGrpSpPr>
-          <p:cNvPr id="14" name="Group 12">
-            <a:extLst>
-              <a:ext uri="{FF2B5EF4-FFF2-40B4-BE49-F238E27FC236}">
-                <a16:creationId xmlns:a16="http://schemas.microsoft.com/office/drawing/2014/main" id="{5E28AC38-8264-477B-A395-5D7E03829A56}"/>
-              </a:ext>
-            </a:extLst>
-          </p:cNvPr>
-          <p:cNvGrpSpPr>
-            <a:grpSpLocks/>
-          </p:cNvGrpSpPr>
-          <p:nvPr/>
-        </p:nvGrpSpPr>
-        <p:grpSpPr bwMode="auto">
-          <a:xfrm>
-            <a:off x="6304261" y="836035"/>
-            <a:ext cx="1660028" cy="3188824"/>
-            <a:chOff x="300" y="872"/>
-            <a:chExt cx="1847" cy="3834"/>
-          </a:xfrm>
-        </p:grpSpPr>
-        <p:sp>
-          <p:nvSpPr>
-            <p:cNvPr id="15" name="Text Box 10">
-              <a:extLst>
-                <a:ext uri="{FF2B5EF4-FFF2-40B4-BE49-F238E27FC236}">
-                  <a16:creationId xmlns:a16="http://schemas.microsoft.com/office/drawing/2014/main" id="{D31082D0-9A2C-4B73-89C4-A554FEFE9447}"/>
-                </a:ext>
-              </a:extLst>
-            </p:cNvPr>
-            <p:cNvSpPr txBox="1">
-              <a:spLocks noChangeArrowheads="1"/>
-            </p:cNvSpPr>
-            <p:nvPr/>
-          </p:nvSpPr>
-          <p:spPr bwMode="auto">
-            <a:xfrm>
-              <a:off x="300" y="872"/>
-              <a:ext cx="1847" cy="199"/>
-            </a:xfrm>
-            <a:prstGeom prst="rect">
-              <a:avLst/>
-            </a:prstGeom>
-            <a:solidFill>
-              <a:srgbClr val="002060"/>
-            </a:solidFill>
-            <a:ln w="12700" algn="ctr">
-              <a:solidFill>
-                <a:srgbClr val="002060"/>
-              </a:solidFill>
-              <a:miter lim="800000"/>
-              <a:headEnd/>
-              <a:tailEnd type="none" w="sm" len="med"/>
-            </a:ln>
-          </p:spPr>
-          <p:txBody>
-            <a:bodyPr lIns="30089" tIns="30089" rIns="30089" bIns="30089" anchor="ctr" anchorCtr="1"/>
-            <a:lstStyle/>
-            <a:p>
-              <a:pPr algn="ctr" defTabSz="717911"/>
-              <a:r>
-                <a:rPr lang="en-US" sz="1050" b="1" dirty="0">
-                  <a:solidFill>
-                    <a:srgbClr val="FFFFFF"/>
-                  </a:solidFill>
-                </a:rPr>
-                <a:t>Database</a:t>
-              </a:r>
-            </a:p>
-          </p:txBody>
-        </p:sp>
-        <p:sp>
-          <p:nvSpPr>
-            <p:cNvPr id="16" name="Rectangle 15">
-              <a:extLst>
-                <a:ext uri="{FF2B5EF4-FFF2-40B4-BE49-F238E27FC236}">
-                  <a16:creationId xmlns:a16="http://schemas.microsoft.com/office/drawing/2014/main" id="{07A4485A-B86A-482D-BB4C-089A9E8E1F4E}"/>
-                </a:ext>
-              </a:extLst>
-            </p:cNvPr>
-            <p:cNvSpPr>
-              <a:spLocks noChangeArrowheads="1"/>
-            </p:cNvSpPr>
-            <p:nvPr/>
-          </p:nvSpPr>
-          <p:spPr bwMode="auto">
-            <a:xfrm>
-              <a:off x="300" y="1071"/>
-              <a:ext cx="1847" cy="3635"/>
-            </a:xfrm>
-            <a:prstGeom prst="rect">
-              <a:avLst/>
-            </a:prstGeom>
-            <a:noFill/>
-            <a:ln w="12700" algn="ctr">
-              <a:solidFill>
-                <a:srgbClr val="002060"/>
-              </a:solidFill>
-              <a:miter lim="800000"/>
-              <a:headEnd/>
-              <a:tailEnd/>
-            </a:ln>
-          </p:spPr>
-          <p:txBody>
-            <a:bodyPr lIns="30089" tIns="30089" rIns="30089" bIns="30089"/>
-            <a:lstStyle/>
-            <a:p>
-              <a:pPr defTabSz="718463">
-                <a:lnSpc>
-                  <a:spcPct val="106000"/>
-                </a:lnSpc>
-                <a:spcBef>
-                  <a:spcPts val="1008"/>
-                </a:spcBef>
-                <a:spcAft>
-                  <a:spcPts val="0"/>
-                </a:spcAft>
-                <a:defRPr/>
-              </a:pPr>
-              <a:r>
-                <a:rPr lang="nl-NL" sz="900" dirty="0">
-                  <a:solidFill>
-                    <a:srgbClr val="002776"/>
-                  </a:solidFill>
-                  <a:latin typeface="Arial"/>
-                  <a:cs typeface="+mn-cs"/>
-                </a:rPr>
-                <a:t>This project uses the Heroku Postgre-SQL database</a:t>
-              </a:r>
-            </a:p>
-            <a:p>
-              <a:pPr marL="142875" lvl="1" indent="-82550" defTabSz="718463">
-                <a:lnSpc>
-                  <a:spcPct val="106000"/>
-                </a:lnSpc>
-                <a:spcBef>
-                  <a:spcPts val="500"/>
-                </a:spcBef>
-                <a:spcAft>
-                  <a:spcPts val="0"/>
-                </a:spcAft>
-                <a:buFont typeface="Arial" charset="0"/>
-                <a:buChar char="•"/>
-                <a:defRPr/>
-              </a:pPr>
-              <a:r>
-                <a:rPr lang="nl-NL" sz="900" dirty="0">
-                  <a:solidFill>
-                    <a:srgbClr val="002776"/>
-                  </a:solidFill>
-                  <a:latin typeface="Arial"/>
-                  <a:ea typeface="+mj-ea"/>
-                  <a:cs typeface="+mj-cs"/>
-                </a:rPr>
-                <a:t>Ease of Usage</a:t>
-              </a:r>
-            </a:p>
-            <a:p>
-              <a:pPr marL="280895" lvl="2" indent="-137651" defTabSz="718463">
-                <a:lnSpc>
-                  <a:spcPct val="106000"/>
-                </a:lnSpc>
-                <a:spcBef>
-                  <a:spcPts val="432"/>
-                </a:spcBef>
-                <a:spcAft>
-                  <a:spcPts val="0"/>
-                </a:spcAft>
-                <a:buFont typeface="Arial" charset="0"/>
-                <a:buChar char="‒"/>
-                <a:defRPr/>
-              </a:pPr>
-              <a:r>
-                <a:rPr lang="nl-NL" sz="800" dirty="0">
-                  <a:solidFill>
-                    <a:srgbClr val="002776"/>
-                  </a:solidFill>
-                  <a:latin typeface="Arial"/>
-                  <a:ea typeface="+mj-ea"/>
-                  <a:cs typeface="+mj-cs"/>
-                </a:rPr>
-                <a:t>Doesn’t require as much effort to set up as building a new MySQL server</a:t>
-              </a:r>
-            </a:p>
-            <a:p>
-              <a:pPr marL="142875" lvl="1" indent="-82550" defTabSz="718463">
-                <a:lnSpc>
-                  <a:spcPct val="106000"/>
-                </a:lnSpc>
-                <a:spcBef>
-                  <a:spcPts val="1008"/>
-                </a:spcBef>
-                <a:spcAft>
-                  <a:spcPts val="0"/>
-                </a:spcAft>
-                <a:buFont typeface="Arial" charset="0"/>
-                <a:buChar char="•"/>
-                <a:defRPr/>
-              </a:pPr>
-              <a:r>
-                <a:rPr lang="nl-NL" sz="900" dirty="0">
-                  <a:solidFill>
-                    <a:srgbClr val="002776"/>
-                  </a:solidFill>
-                  <a:latin typeface="Arial"/>
-                </a:rPr>
-                <a:t>Ease of Credentials</a:t>
-              </a:r>
-            </a:p>
-            <a:p>
-              <a:pPr marL="280895" lvl="2" indent="-137651" defTabSz="718463">
-                <a:lnSpc>
-                  <a:spcPct val="106000"/>
-                </a:lnSpc>
-                <a:spcBef>
-                  <a:spcPts val="432"/>
-                </a:spcBef>
-                <a:spcAft>
-                  <a:spcPts val="0"/>
-                </a:spcAft>
-                <a:buFont typeface="Arial" charset="0"/>
-                <a:buChar char="‒"/>
-                <a:defRPr/>
-              </a:pPr>
-              <a:r>
-                <a:rPr lang="nl-NL" sz="800" dirty="0">
-                  <a:solidFill>
-                    <a:srgbClr val="002776"/>
-                  </a:solidFill>
-                  <a:latin typeface="Arial"/>
-                </a:rPr>
-                <a:t>Doesn’t require as much effort to set up as building a new MySQL server</a:t>
-              </a:r>
-            </a:p>
-            <a:p>
-              <a:pPr marL="280895" lvl="2" indent="-137651" defTabSz="718463">
-                <a:lnSpc>
-                  <a:spcPct val="106000"/>
-                </a:lnSpc>
-                <a:spcBef>
-                  <a:spcPts val="432"/>
-                </a:spcBef>
-                <a:spcAft>
-                  <a:spcPts val="0"/>
-                </a:spcAft>
-                <a:buFont typeface="Arial" charset="0"/>
-                <a:buChar char="‒"/>
-                <a:defRPr/>
-              </a:pPr>
-              <a:endParaRPr lang="nl-NL" sz="900" dirty="0">
-                <a:solidFill>
-                  <a:srgbClr val="002776"/>
-                </a:solidFill>
-                <a:latin typeface="Arial"/>
-                <a:ea typeface="+mj-ea"/>
-                <a:cs typeface="+mj-cs"/>
-              </a:endParaRPr>
-            </a:p>
-            <a:p>
-              <a:pPr marL="143244" lvl="2" defTabSz="718463">
-                <a:lnSpc>
-                  <a:spcPct val="106000"/>
-                </a:lnSpc>
-                <a:spcBef>
-                  <a:spcPts val="432"/>
-                </a:spcBef>
-                <a:spcAft>
-                  <a:spcPts val="0"/>
-                </a:spcAft>
-                <a:defRPr/>
-              </a:pPr>
-              <a:endParaRPr lang="nl-NL" sz="900" dirty="0">
-                <a:solidFill>
-                  <a:srgbClr val="002776"/>
-                </a:solidFill>
-                <a:latin typeface="Arial"/>
-                <a:ea typeface="+mj-ea"/>
-                <a:cs typeface="+mj-cs"/>
-              </a:endParaRPr>
-            </a:p>
-          </p:txBody>
-        </p:sp>
-      </p:grpSp>
-      <p:sp>
-        <p:nvSpPr>
-          <p:cNvPr id="17" name="Rectangle 16">
-            <a:extLst>
-              <a:ext uri="{FF2B5EF4-FFF2-40B4-BE49-F238E27FC236}">
-                <a16:creationId xmlns:a16="http://schemas.microsoft.com/office/drawing/2014/main" id="{DBCF2307-2FA7-47E7-B6A2-02C8C56759FA}"/>
-              </a:ext>
-            </a:extLst>
-          </p:cNvPr>
-          <p:cNvSpPr/>
-          <p:nvPr/>
-        </p:nvSpPr>
-        <p:spPr>
-          <a:xfrm>
-            <a:off x="1179713" y="4084820"/>
-            <a:ext cx="6784576" cy="404734"/>
-          </a:xfrm>
-          <a:prstGeom prst="rect">
-            <a:avLst/>
-          </a:prstGeom>
-          <a:noFill/>
-        </p:spPr>
-        <p:style>
-          <a:lnRef idx="2">
-            <a:schemeClr val="accent1">
-              <a:shade val="50000"/>
-            </a:schemeClr>
-          </a:lnRef>
-          <a:fillRef idx="1">
-            <a:schemeClr val="accent1"/>
-          </a:fillRef>
-          <a:effectRef idx="0">
-            <a:schemeClr val="accent1"/>
-          </a:effectRef>
-          <a:fontRef idx="minor">
-            <a:schemeClr val="lt1"/>
-          </a:fontRef>
-        </p:style>
-        <p:txBody>
-          <a:bodyPr rtlCol="0" anchor="ctr"/>
-          <a:lstStyle/>
-          <a:p>
-            <a:pPr algn="ctr"/>
-            <a:r>
-              <a:rPr lang="en-US" b="1" dirty="0">
-                <a:solidFill>
-                  <a:schemeClr val="tx1"/>
-                </a:solidFill>
-              </a:rPr>
-              <a:t>github repository</a:t>
-            </a:r>
-            <a:r>
-              <a:rPr lang="en-US" dirty="0">
-                <a:solidFill>
-                  <a:schemeClr val="tx1"/>
-                </a:solidFill>
-              </a:rPr>
-              <a:t>: https://github.com/mari-husain/csharp-atm</a:t>
-            </a:r>
-          </a:p>
-        </p:txBody>
-      </p:sp>
-    </p:spTree>
-    <p:extLst>
-      <p:ext uri="{BB962C8B-B14F-4D97-AF65-F5344CB8AC3E}">
-        <p14:creationId xmlns:p14="http://schemas.microsoft.com/office/powerpoint/2010/main" val="1721358020"/>
-      </p:ext>
-    </p:extLst>
-  </p:cSld>
-  <p:clrMapOvr>
-    <a:masterClrMapping/>
-  </p:clrMapOvr>
-</p:sld>
-</file>
-
-<file path=ppt/slides/slide20.xml><?xml version="1.0" encoding="utf-8"?>
-<p:sld xmlns:a="http://schemas.openxmlformats.org/drawingml/2006/main" xmlns:r="http://schemas.openxmlformats.org/officeDocument/2006/relationships" xmlns:p="http://schemas.openxmlformats.org/presentationml/2006/main">
-  <p:cSld>
-    <p:spTree>
-      <p:nvGrpSpPr>
-        <p:cNvPr id="1" name=""/>
-        <p:cNvGrpSpPr/>
-        <p:nvPr/>
-      </p:nvGrpSpPr>
-      <p:grpSpPr>
-        <a:xfrm>
-          <a:off x="0" y="0"/>
-          <a:ext cx="0" cy="0"/>
-          <a:chOff x="0" y="0"/>
-          <a:chExt cx="0" cy="0"/>
-        </a:xfrm>
-      </p:grpSpPr>
-      <p:sp>
-        <p:nvSpPr>
-          <p:cNvPr id="2" name="Title 1">
-            <a:extLst>
-              <a:ext uri="{FF2B5EF4-FFF2-40B4-BE49-F238E27FC236}">
-                <a16:creationId xmlns:a16="http://schemas.microsoft.com/office/drawing/2014/main" id="{BAED1D6A-EBA0-4371-80DC-0AEED3308840}"/>
-              </a:ext>
-            </a:extLst>
-          </p:cNvPr>
-          <p:cNvSpPr>
-            <a:spLocks noGrp="1"/>
-          </p:cNvSpPr>
-          <p:nvPr>
-            <p:ph type="title"/>
-          </p:nvPr>
-        </p:nvSpPr>
-        <p:spPr/>
-        <p:txBody>
-          <a:bodyPr/>
-          <a:lstStyle/>
-          <a:p>
-            <a:r>
-              <a:rPr lang="en-US" dirty="0"/>
-              <a:t>Hash Function Encryption</a:t>
-            </a:r>
-          </a:p>
-        </p:txBody>
-      </p:sp>
-      <p:sp>
-        <p:nvSpPr>
-          <p:cNvPr id="3" name="Footer Placeholder 2">
-            <a:extLst>
-              <a:ext uri="{FF2B5EF4-FFF2-40B4-BE49-F238E27FC236}">
-                <a16:creationId xmlns:a16="http://schemas.microsoft.com/office/drawing/2014/main" id="{EDF7CC9D-72D8-4F52-8CEB-115691CBC448}"/>
-              </a:ext>
-            </a:extLst>
-          </p:cNvPr>
-          <p:cNvSpPr>
-            <a:spLocks noGrp="1"/>
-          </p:cNvSpPr>
-          <p:nvPr>
-            <p:ph type="ftr" sz="quarter" idx="11"/>
-          </p:nvPr>
-        </p:nvSpPr>
-        <p:spPr/>
-        <p:txBody>
-          <a:bodyPr/>
-          <a:lstStyle/>
-          <a:p>
-            <a:r>
-              <a:rPr lang="en-US"/>
-              <a:t>Group Four</a:t>
-            </a:r>
-            <a:endParaRPr lang="en-US" dirty="0"/>
-          </a:p>
-        </p:txBody>
-      </p:sp>
-      <p:sp>
-        <p:nvSpPr>
-          <p:cNvPr id="4" name="Slide Number Placeholder 3">
-            <a:extLst>
-              <a:ext uri="{FF2B5EF4-FFF2-40B4-BE49-F238E27FC236}">
                 <a16:creationId xmlns:a16="http://schemas.microsoft.com/office/drawing/2014/main" id="{2C3B7DE4-A4BE-47EB-8469-2C3C3379DD85}"/>
               </a:ext>
             </a:extLst>
@@ -10869,7 +11354,7 @@
             <a:fld id="{F2407EE3-A7AD-4D85-AA70-E0A9F1A7BE8D}" type="slidenum">
               <a:rPr lang="en-US" smtClean="0"/>
               <a:pPr/>
-              <a:t>20</a:t>
+              <a:t>21</a:t>
             </a:fld>
             <a:endParaRPr lang="en-US" dirty="0"/>
           </a:p>
@@ -11815,7 +12300,7 @@
 </p:sld>
 </file>
 
-<file path=ppt/slides/slide21.xml><?xml version="1.0" encoding="utf-8"?>
+<file path=ppt/slides/slide22.xml><?xml version="1.0" encoding="utf-8"?>
 <p:sld xmlns:a="http://schemas.openxmlformats.org/drawingml/2006/main" xmlns:r="http://schemas.openxmlformats.org/officeDocument/2006/relationships" xmlns:p="http://schemas.openxmlformats.org/presentationml/2006/main">
   <p:cSld>
     <p:spTree>
@@ -11913,7 +12398,7 @@
             <a:fld id="{F2407EE3-A7AD-4D85-AA70-E0A9F1A7BE8D}" type="slidenum">
               <a:rPr lang="en-US" smtClean="0"/>
               <a:pPr/>
-              <a:t>21</a:t>
+              <a:t>22</a:t>
             </a:fld>
             <a:endParaRPr lang="en-US" dirty="0"/>
           </a:p>
@@ -13138,7 +13623,7 @@
 </p:sld>
 </file>
 
-<file path=ppt/slides/slide22.xml><?xml version="1.0" encoding="utf-8"?>
+<file path=ppt/slides/slide23.xml><?xml version="1.0" encoding="utf-8"?>
 <p:sld xmlns:a="http://schemas.openxmlformats.org/drawingml/2006/main" xmlns:r="http://schemas.openxmlformats.org/officeDocument/2006/relationships" xmlns:p="http://schemas.openxmlformats.org/presentationml/2006/main">
   <p:cSld>
     <p:spTree>
@@ -13294,7 +13779,7 @@
             <a:fld id="{F2407EE3-A7AD-4D85-AA70-E0A9F1A7BE8D}" type="slidenum">
               <a:rPr lang="en-US" smtClean="0"/>
               <a:pPr/>
-              <a:t>22</a:t>
+              <a:t>23</a:t>
             </a:fld>
             <a:endParaRPr lang="en-US" dirty="0"/>
           </a:p>
@@ -13339,7 +13824,7 @@
           </a:ln>
           <a:extLst>
             <a:ext uri="{C572A759-6A51-4108-AA02-DFA0A04FC94B}">
-              <ma14:wrappingTextBoxFlag xmlns="" xmlns:ma14="http://schemas.microsoft.com/office/mac/drawingml/2011/main" val="1"/>
+              <ma14:wrappingTextBoxFlag xmlns:ma14="http://schemas.microsoft.com/office/mac/drawingml/2011/main" xmlns="" val="1"/>
             </a:ext>
           </a:extLst>
         </p:spPr>
@@ -13563,7 +14048,7 @@
 </p:sld>
 </file>
 
-<file path=ppt/slides/slide23.xml><?xml version="1.0" encoding="utf-8"?>
+<file path=ppt/slides/slide24.xml><?xml version="1.0" encoding="utf-8"?>
 <p:sld xmlns:a="http://schemas.openxmlformats.org/drawingml/2006/main" xmlns:r="http://schemas.openxmlformats.org/officeDocument/2006/relationships" xmlns:p="http://schemas.openxmlformats.org/presentationml/2006/main">
   <p:cSld>
     <p:spTree>
@@ -13603,10 +14088,18 @@
           </a:bodyPr>
           <a:lstStyle/>
           <a:p>
+            <a:pPr marL="0" indent="0">
+              <a:buNone/>
+            </a:pPr>
+            <a:r>
+              <a:rPr lang="en-US" b="1" dirty="0"/>
+              <a:t>Mary Husain </a:t>
+            </a:r>
             <a:r>
               <a:rPr lang="en-US" dirty="0"/>
-              <a:t>Mary Husain</a:t>
-            </a:r>
+              <a:t>(Leader)</a:t>
+            </a:r>
+            <a:endParaRPr lang="en-US" sz="1800" dirty="0"/>
           </a:p>
           <a:p>
             <a:pPr>
@@ -13614,7 +14107,7 @@
               <a:buChar char="-"/>
             </a:pPr>
             <a:r>
-              <a:rPr lang="en-US" dirty="0"/>
+              <a:rPr lang="en-US" sz="1800" dirty="0"/>
               <a:t>Built the Backend Heroku Database for the ATM</a:t>
             </a:r>
           </a:p>
@@ -13623,13 +14116,16 @@
               <a:buNone/>
             </a:pPr>
             <a:r>
-              <a:rPr lang="en-US" dirty="0"/>
-              <a:t>- Set up network communication between front end and backend.</a:t>
-            </a:r>
-          </a:p>
-          <a:p>
-            <a:r>
-              <a:rPr lang="en-US" dirty="0"/>
+              <a:rPr lang="en-US" sz="1800" dirty="0"/>
+              <a:t>- Set up network communication between front end and backend</a:t>
+            </a:r>
+          </a:p>
+          <a:p>
+            <a:pPr marL="0" indent="0">
+              <a:buNone/>
+            </a:pPr>
+            <a:r>
+              <a:rPr lang="en-US" b="1" dirty="0"/>
               <a:t>Andrew Quijano</a:t>
             </a:r>
           </a:p>
@@ -13639,8 +14135,8 @@
               <a:buChar char="-"/>
             </a:pPr>
             <a:r>
-              <a:rPr lang="en-US" dirty="0"/>
-              <a:t>Completed Power Point slides on installation, security, etc.</a:t>
+              <a:rPr lang="en-US" sz="1800" dirty="0"/>
+              <a:t>Completed PowerPoint slides on installation, security, etc.</a:t>
             </a:r>
           </a:p>
           <a:p>
@@ -13649,20 +14145,23 @@
               <a:buChar char="-"/>
             </a:pPr>
             <a:r>
-              <a:rPr lang="en-US" dirty="0"/>
+              <a:rPr lang="en-US" sz="1800" dirty="0"/>
               <a:t>Completed overall system design and code documentation</a:t>
             </a:r>
           </a:p>
           <a:p>
-            <a:r>
-              <a:rPr lang="en-US" dirty="0"/>
+            <a:pPr marL="0" indent="0">
+              <a:buNone/>
+            </a:pPr>
+            <a:r>
+              <a:rPr lang="en-US" b="1" dirty="0"/>
               <a:t>Bryce </a:t>
             </a:r>
             <a:r>
-              <a:rPr lang="en-US" dirty="0" err="1"/>
+              <a:rPr lang="en-US" b="1" dirty="0" err="1"/>
               <a:t>Yoo</a:t>
             </a:r>
-            <a:endParaRPr lang="en-US" dirty="0"/>
+            <a:endParaRPr lang="en-US" b="1" dirty="0"/>
           </a:p>
           <a:p>
             <a:pPr>
@@ -13670,8 +14169,8 @@
               <a:buChar char="-"/>
             </a:pPr>
             <a:r>
-              <a:rPr lang="en-US" dirty="0"/>
-              <a:t>Completed PowerPoint outline and half of slides</a:t>
+              <a:rPr lang="en-US" sz="1800" dirty="0"/>
+              <a:t>Prepared project PowerPoint presentation</a:t>
             </a:r>
           </a:p>
           <a:p>
@@ -13680,20 +14179,23 @@
               <a:buChar char="-"/>
             </a:pPr>
             <a:r>
-              <a:rPr lang="en-US" dirty="0"/>
-              <a:t>Designed/wrote front end of webpage</a:t>
-            </a:r>
-          </a:p>
-          <a:p>
-            <a:r>
-              <a:rPr lang="en-US" dirty="0"/>
+              <a:rPr lang="en-US" sz="1800" dirty="0"/>
+              <a:t>Designed and wrote front end of webpage</a:t>
+            </a:r>
+          </a:p>
+          <a:p>
+            <a:pPr marL="0" indent="0">
+              <a:buNone/>
+            </a:pPr>
+            <a:r>
+              <a:rPr lang="en-US" b="1" dirty="0"/>
               <a:t>Michal </a:t>
             </a:r>
             <a:r>
-              <a:rPr lang="en-US" dirty="0" err="1"/>
+              <a:rPr lang="en-US" b="1" dirty="0" err="1"/>
               <a:t>Porubcin</a:t>
             </a:r>
-            <a:endParaRPr lang="en-US" dirty="0"/>
+            <a:endParaRPr lang="en-US" b="1" dirty="0"/>
           </a:p>
           <a:p>
             <a:pPr>
@@ -13701,7 +14203,7 @@
               <a:buChar char="-"/>
             </a:pPr>
             <a:r>
-              <a:rPr lang="en-US" dirty="0"/>
+              <a:rPr lang="en-US" sz="1800" dirty="0"/>
               <a:t>Implemented AES and Hashing to the ATM service</a:t>
             </a:r>
           </a:p>
@@ -13711,8 +14213,8 @@
               <a:buChar char="-"/>
             </a:pPr>
             <a:r>
-              <a:rPr lang="en-US" dirty="0"/>
-              <a:t>Tested ATM for bugs</a:t>
+              <a:rPr lang="en-US" sz="1800" dirty="0"/>
+              <a:t>Tested ATM program for bugs and validation</a:t>
             </a:r>
           </a:p>
         </p:txBody>
@@ -13798,61 +14300,9 @@
             <a:fld id="{F2407EE3-A7AD-4D85-AA70-E0A9F1A7BE8D}" type="slidenum">
               <a:rPr lang="en-US" smtClean="0"/>
               <a:pPr/>
-              <a:t>23</a:t>
+              <a:t>24</a:t>
             </a:fld>
             <a:endParaRPr lang="en-US" dirty="0"/>
-          </a:p>
-        </p:txBody>
-      </p:sp>
-      <p:sp>
-        <p:nvSpPr>
-          <p:cNvPr id="8" name="Rectangle 7">
-            <a:extLst>
-              <a:ext uri="{FF2B5EF4-FFF2-40B4-BE49-F238E27FC236}">
-                <a16:creationId xmlns:a16="http://schemas.microsoft.com/office/drawing/2014/main" id="{0DCEA3E3-3DCE-4FE6-9F79-D1D21390009F}"/>
-              </a:ext>
-            </a:extLst>
-          </p:cNvPr>
-          <p:cNvSpPr/>
-          <p:nvPr/>
-        </p:nvSpPr>
-        <p:spPr>
-          <a:xfrm>
-            <a:off x="2590800" y="1381914"/>
-            <a:ext cx="3962400" cy="2379671"/>
-          </a:xfrm>
-          <a:prstGeom prst="rect">
-            <a:avLst/>
-          </a:prstGeom>
-          <a:solidFill>
-            <a:srgbClr val="FF0000"/>
-          </a:solidFill>
-        </p:spPr>
-        <p:style>
-          <a:lnRef idx="2">
-            <a:schemeClr val="accent1">
-              <a:shade val="50000"/>
-            </a:schemeClr>
-          </a:lnRef>
-          <a:fillRef idx="1">
-            <a:schemeClr val="accent1"/>
-          </a:fillRef>
-          <a:effectRef idx="0">
-            <a:schemeClr val="accent1"/>
-          </a:effectRef>
-          <a:fontRef idx="minor">
-            <a:schemeClr val="lt1"/>
-          </a:fontRef>
-        </p:style>
-        <p:txBody>
-          <a:bodyPr rtlCol="0" anchor="ctr"/>
-          <a:lstStyle/>
-          <a:p>
-            <a:pPr algn="ctr"/>
-            <a:r>
-              <a:rPr lang="en-US" sz="4000" dirty="0"/>
-              <a:t>Pending Group Review</a:t>
-            </a:r>
           </a:p>
         </p:txBody>
       </p:sp>
@@ -13988,14 +14438,14 @@
           <p:nvPr>
             <p:extLst>
               <p:ext uri="{D42A27DB-BD31-4B8C-83A1-F6EECF244321}">
-                <p14:modId xmlns:p14="http://schemas.microsoft.com/office/powerpoint/2010/main" val="3487380819"/>
+                <p14:modId xmlns:p14="http://schemas.microsoft.com/office/powerpoint/2010/main" val="2234623998"/>
               </p:ext>
             </p:extLst>
           </p:nvPr>
         </p:nvGraphicFramePr>
         <p:xfrm>
           <a:off x="1179710" y="1340305"/>
-          <a:ext cx="6775692" cy="3379970"/>
+          <a:ext cx="6775692" cy="3402638"/>
         </p:xfrm>
         <a:graphic>
           <a:graphicData uri="http://schemas.openxmlformats.org/drawingml/2006/table">
@@ -15477,11 +15927,11 @@
                           <a:ea typeface="+mn-ea"/>
                           <a:cs typeface="+mn-cs"/>
                         </a:rPr>
-                        <a:t>Example</a:t>
+                        <a:t>Examples</a:t>
                       </a:r>
                     </a:p>
                     <a:p>
-                      <a:pPr marL="565547" marR="0" lvl="3" indent="-191002" algn="l" defTabSz="957998" rtl="0" eaLnBrk="0" fontAlgn="base" latinLnBrk="0" hangingPunct="0">
+                      <a:pPr marL="374545" marR="0" lvl="3" indent="0" algn="l" defTabSz="957998" rtl="0" eaLnBrk="0" fontAlgn="base" latinLnBrk="0" hangingPunct="0">
                         <a:lnSpc>
                           <a:spcPct val="106000"/>
                         </a:lnSpc>
@@ -15494,27 +15944,24 @@
                         <a:buClrTx/>
                         <a:buSzTx/>
                         <a:buFont typeface="Arial" charset="0"/>
-                        <a:buChar char="•"/>
+                        <a:buNone/>
                         <a:tabLst/>
                         <a:defRPr/>
                       </a:pPr>
-                      <a:r>
-                        <a:rPr kumimoji="0" lang="en-US" sz="900" b="0" i="0" u="none" strike="noStrike" kern="1200" cap="none" spc="0" normalizeH="0" baseline="0" noProof="0" dirty="0">
-                          <a:ln>
-                            <a:noFill/>
-                          </a:ln>
-                          <a:solidFill>
-                            <a:srgbClr val="002776"/>
-                          </a:solidFill>
-                          <a:effectLst/>
-                          <a:uLnTx/>
-                          <a:uFillTx/>
-                          <a:latin typeface="+mn-lt"/>
-                          <a:ea typeface="+mn-ea"/>
-                          <a:cs typeface="+mn-cs"/>
-                        </a:rPr>
-                        <a:t>Subbullet</a:t>
-                      </a:r>
+                      <a:endParaRPr kumimoji="0" lang="en-US" sz="900" b="0" i="0" u="none" strike="noStrike" kern="1200" cap="none" spc="0" normalizeH="0" baseline="0" noProof="0" dirty="0">
+                        <a:ln>
+                          <a:noFill/>
+                        </a:ln>
+                        <a:solidFill>
+                          <a:srgbClr val="002776"/>
+                        </a:solidFill>
+                        <a:effectLst/>
+                        <a:uLnTx/>
+                        <a:uFillTx/>
+                        <a:latin typeface="+mn-lt"/>
+                        <a:ea typeface="+mn-ea"/>
+                        <a:cs typeface="+mn-cs"/>
+                      </a:endParaRPr>
                     </a:p>
                   </a:txBody>
                   <a:tcPr marL="54001" marR="54001" marT="54000" marB="54000" horzOverflow="overflow">
@@ -16105,7 +16552,7 @@
                           <a:ea typeface="+mn-ea"/>
                           <a:cs typeface="+mn-cs"/>
                         </a:rPr>
-                        <a:t>Can we see it at runtime?</a:t>
+                        <a:t>At runtime</a:t>
                       </a:r>
                     </a:p>
                   </a:txBody>
@@ -16516,58 +16963,6 @@
                 </a:solidFill>
               </a:rPr>
               <a:t>Encryption</a:t>
-            </a:r>
-          </a:p>
-        </p:txBody>
-      </p:sp>
-      <p:sp>
-        <p:nvSpPr>
-          <p:cNvPr id="11" name="Rectangle 10">
-            <a:extLst>
-              <a:ext uri="{FF2B5EF4-FFF2-40B4-BE49-F238E27FC236}">
-                <a16:creationId xmlns:a16="http://schemas.microsoft.com/office/drawing/2014/main" id="{E107A5BD-108E-4BE1-8EA7-80CA5B31F479}"/>
-              </a:ext>
-            </a:extLst>
-          </p:cNvPr>
-          <p:cNvSpPr/>
-          <p:nvPr/>
-        </p:nvSpPr>
-        <p:spPr>
-          <a:xfrm>
-            <a:off x="2590800" y="1381914"/>
-            <a:ext cx="3962400" cy="2379671"/>
-          </a:xfrm>
-          <a:prstGeom prst="rect">
-            <a:avLst/>
-          </a:prstGeom>
-          <a:solidFill>
-            <a:srgbClr val="FF0000"/>
-          </a:solidFill>
-        </p:spPr>
-        <p:style>
-          <a:lnRef idx="2">
-            <a:schemeClr val="accent1">
-              <a:shade val="50000"/>
-            </a:schemeClr>
-          </a:lnRef>
-          <a:fillRef idx="1">
-            <a:schemeClr val="accent1"/>
-          </a:fillRef>
-          <a:effectRef idx="0">
-            <a:schemeClr val="accent1"/>
-          </a:effectRef>
-          <a:fontRef idx="minor">
-            <a:schemeClr val="lt1"/>
-          </a:fontRef>
-        </p:style>
-        <p:txBody>
-          <a:bodyPr rtlCol="0" anchor="ctr"/>
-          <a:lstStyle/>
-          <a:p>
-            <a:pPr algn="ctr"/>
-            <a:r>
-              <a:rPr lang="en-US" sz="4000" dirty="0"/>
-              <a:t>Needs Work</a:t>
             </a:r>
           </a:p>
         </p:txBody>
@@ -17216,6 +17611,434 @@
           <p:cNvPr id="2" name="Content Placeholder 1">
             <a:extLst>
               <a:ext uri="{FF2B5EF4-FFF2-40B4-BE49-F238E27FC236}">
+                <a16:creationId xmlns:a16="http://schemas.microsoft.com/office/drawing/2014/main" id="{5C0F1935-BF7A-4536-9740-466FDD274B55}"/>
+              </a:ext>
+            </a:extLst>
+          </p:cNvPr>
+          <p:cNvSpPr>
+            <a:spLocks noGrp="1"/>
+          </p:cNvSpPr>
+          <p:nvPr>
+            <p:ph idx="1"/>
+          </p:nvPr>
+        </p:nvSpPr>
+        <p:spPr>
+          <a:xfrm>
+            <a:off x="466871" y="869816"/>
+            <a:ext cx="8191794" cy="3681081"/>
+          </a:xfrm>
+        </p:spPr>
+        <p:txBody>
+          <a:bodyPr/>
+          <a:lstStyle/>
+          <a:p>
+            <a:r>
+              <a:rPr lang="en-US" dirty="0"/>
+              <a:t>To install: Create new Project, and select ASP.NET Web Application</a:t>
+            </a:r>
+          </a:p>
+          <a:p>
+            <a:r>
+              <a:rPr lang="en-US" dirty="0"/>
+              <a:t>Select ASP.NET 4.6.1 Templates, Web Form. </a:t>
+            </a:r>
+          </a:p>
+          <a:p>
+            <a:r>
+              <a:rPr lang="en-US" dirty="0"/>
+              <a:t>After copying/adding files to solutions, install the following packages (seen in </a:t>
+            </a:r>
+            <a:r>
+              <a:rPr lang="en-US" dirty="0" err="1"/>
+              <a:t>packages.config</a:t>
+            </a:r>
+            <a:r>
+              <a:rPr lang="en-US" dirty="0"/>
+              <a:t>) using Nuget.</a:t>
+            </a:r>
+          </a:p>
+          <a:p>
+            <a:endParaRPr lang="en-US" dirty="0"/>
+          </a:p>
+          <a:p>
+            <a:endParaRPr lang="en-US" dirty="0"/>
+          </a:p>
+        </p:txBody>
+      </p:sp>
+      <p:sp>
+        <p:nvSpPr>
+          <p:cNvPr id="3" name="Footer Placeholder 2">
+            <a:extLst>
+              <a:ext uri="{FF2B5EF4-FFF2-40B4-BE49-F238E27FC236}">
+                <a16:creationId xmlns:a16="http://schemas.microsoft.com/office/drawing/2014/main" id="{2DDAEA77-A3A3-41CF-9E79-38786B29C8AF}"/>
+              </a:ext>
+            </a:extLst>
+          </p:cNvPr>
+          <p:cNvSpPr>
+            <a:spLocks noGrp="1"/>
+          </p:cNvSpPr>
+          <p:nvPr>
+            <p:ph type="ftr" sz="quarter" idx="11"/>
+          </p:nvPr>
+        </p:nvSpPr>
+        <p:spPr/>
+        <p:txBody>
+          <a:bodyPr/>
+          <a:lstStyle/>
+          <a:p>
+            <a:r>
+              <a:rPr lang="en-US"/>
+              <a:t>Group Four</a:t>
+            </a:r>
+            <a:endParaRPr lang="en-US" dirty="0"/>
+          </a:p>
+        </p:txBody>
+      </p:sp>
+      <p:sp>
+        <p:nvSpPr>
+          <p:cNvPr id="4" name="Title 3">
+            <a:extLst>
+              <a:ext uri="{FF2B5EF4-FFF2-40B4-BE49-F238E27FC236}">
+                <a16:creationId xmlns:a16="http://schemas.microsoft.com/office/drawing/2014/main" id="{322072E9-14BE-47EB-86F1-3681179B12C9}"/>
+              </a:ext>
+            </a:extLst>
+          </p:cNvPr>
+          <p:cNvSpPr>
+            <a:spLocks noGrp="1"/>
+          </p:cNvSpPr>
+          <p:nvPr>
+            <p:ph type="title"/>
+          </p:nvPr>
+        </p:nvSpPr>
+        <p:spPr/>
+        <p:txBody>
+          <a:bodyPr/>
+          <a:lstStyle/>
+          <a:p>
+            <a:r>
+              <a:rPr lang="en-US" dirty="0"/>
+              <a:t>Installation</a:t>
+            </a:r>
+          </a:p>
+        </p:txBody>
+      </p:sp>
+      <p:sp>
+        <p:nvSpPr>
+          <p:cNvPr id="5" name="Slide Number Placeholder 4">
+            <a:extLst>
+              <a:ext uri="{FF2B5EF4-FFF2-40B4-BE49-F238E27FC236}">
+                <a16:creationId xmlns:a16="http://schemas.microsoft.com/office/drawing/2014/main" id="{B31D6DDD-88BF-4A82-A17E-DD335331003E}"/>
+              </a:ext>
+            </a:extLst>
+          </p:cNvPr>
+          <p:cNvSpPr>
+            <a:spLocks noGrp="1"/>
+          </p:cNvSpPr>
+          <p:nvPr>
+            <p:ph type="sldNum" sz="quarter" idx="12"/>
+          </p:nvPr>
+        </p:nvSpPr>
+        <p:spPr/>
+        <p:txBody>
+          <a:bodyPr/>
+          <a:lstStyle/>
+          <a:p>
+            <a:fld id="{F2407EE3-A7AD-4D85-AA70-E0A9F1A7BE8D}" type="slidenum">
+              <a:rPr lang="en-US" smtClean="0"/>
+              <a:pPr/>
+              <a:t>5</a:t>
+            </a:fld>
+            <a:endParaRPr lang="en-US" dirty="0"/>
+          </a:p>
+        </p:txBody>
+      </p:sp>
+      <p:grpSp>
+        <p:nvGrpSpPr>
+          <p:cNvPr id="10" name="Group 89">
+            <a:extLst>
+              <a:ext uri="{FF2B5EF4-FFF2-40B4-BE49-F238E27FC236}">
+                <a16:creationId xmlns:a16="http://schemas.microsoft.com/office/drawing/2014/main" id="{0808CFC5-6272-4B7E-BBA4-BC4C3FBEAAA6}"/>
+              </a:ext>
+            </a:extLst>
+          </p:cNvPr>
+          <p:cNvGrpSpPr>
+            <a:grpSpLocks/>
+          </p:cNvGrpSpPr>
+          <p:nvPr/>
+        </p:nvGrpSpPr>
+        <p:grpSpPr bwMode="auto">
+          <a:xfrm>
+            <a:off x="7643747" y="320040"/>
+            <a:ext cx="1079599" cy="161925"/>
+            <a:chOff x="852" y="3385"/>
+            <a:chExt cx="906" cy="136"/>
+          </a:xfrm>
+          <a:solidFill>
+            <a:schemeClr val="accent2">
+              <a:lumMod val="75000"/>
+            </a:schemeClr>
+          </a:solidFill>
+        </p:grpSpPr>
+        <p:sp>
+          <p:nvSpPr>
+            <p:cNvPr id="11" name="AutoShape 90">
+              <a:extLst>
+                <a:ext uri="{FF2B5EF4-FFF2-40B4-BE49-F238E27FC236}">
+                  <a16:creationId xmlns:a16="http://schemas.microsoft.com/office/drawing/2014/main" id="{0BA8C6F5-E325-4CA7-A692-A51EE8E98842}"/>
+                </a:ext>
+              </a:extLst>
+            </p:cNvPr>
+            <p:cNvSpPr>
+              <a:spLocks noChangeArrowheads="1"/>
+            </p:cNvSpPr>
+            <p:nvPr/>
+          </p:nvSpPr>
+          <p:spPr bwMode="auto">
+            <a:xfrm>
+              <a:off x="1079" y="3385"/>
+              <a:ext cx="226" cy="136"/>
+            </a:xfrm>
+            <a:prstGeom prst="chevron">
+              <a:avLst>
+                <a:gd name="adj" fmla="val 41544"/>
+              </a:avLst>
+            </a:prstGeom>
+            <a:solidFill>
+              <a:schemeClr val="bg1"/>
+            </a:solidFill>
+            <a:ln w="6350" algn="ctr">
+              <a:solidFill>
+                <a:srgbClr val="002060"/>
+              </a:solidFill>
+              <a:miter lim="800000"/>
+              <a:headEnd type="none" w="sm" len="sm"/>
+              <a:tailEnd type="none" w="med" len="lg"/>
+            </a:ln>
+          </p:spPr>
+          <p:txBody>
+            <a:bodyPr tIns="68580" bIns="68580" anchor="ctr"/>
+            <a:lstStyle/>
+            <a:p>
+              <a:pPr algn="ctr">
+                <a:defRPr/>
+              </a:pPr>
+              <a:endParaRPr lang="en-GB" sz="1214" dirty="0"/>
+            </a:p>
+          </p:txBody>
+        </p:sp>
+        <p:sp>
+          <p:nvSpPr>
+            <p:cNvPr id="12" name="AutoShape 91">
+              <a:extLst>
+                <a:ext uri="{FF2B5EF4-FFF2-40B4-BE49-F238E27FC236}">
+                  <a16:creationId xmlns:a16="http://schemas.microsoft.com/office/drawing/2014/main" id="{A79C7063-35B9-4DBE-869E-04ACB1E0EB88}"/>
+                </a:ext>
+              </a:extLst>
+            </p:cNvPr>
+            <p:cNvSpPr>
+              <a:spLocks noChangeArrowheads="1"/>
+            </p:cNvSpPr>
+            <p:nvPr/>
+          </p:nvSpPr>
+          <p:spPr bwMode="auto">
+            <a:xfrm>
+              <a:off x="1306" y="3385"/>
+              <a:ext cx="225" cy="136"/>
+            </a:xfrm>
+            <a:prstGeom prst="chevron">
+              <a:avLst>
+                <a:gd name="adj" fmla="val 41544"/>
+              </a:avLst>
+            </a:prstGeom>
+            <a:solidFill>
+              <a:schemeClr val="bg1"/>
+            </a:solidFill>
+            <a:ln w="6350" algn="ctr">
+              <a:solidFill>
+                <a:srgbClr val="002060"/>
+              </a:solidFill>
+              <a:miter lim="800000"/>
+              <a:headEnd type="none" w="sm" len="sm"/>
+              <a:tailEnd type="none" w="med" len="lg"/>
+            </a:ln>
+          </p:spPr>
+          <p:txBody>
+            <a:bodyPr tIns="68580" bIns="68580" anchor="ctr"/>
+            <a:lstStyle/>
+            <a:p>
+              <a:pPr algn="ctr">
+                <a:defRPr/>
+              </a:pPr>
+              <a:endParaRPr lang="en-GB" sz="1214" dirty="0"/>
+            </a:p>
+          </p:txBody>
+        </p:sp>
+        <p:sp>
+          <p:nvSpPr>
+            <p:cNvPr id="13" name="AutoShape 92">
+              <a:extLst>
+                <a:ext uri="{FF2B5EF4-FFF2-40B4-BE49-F238E27FC236}">
+                  <a16:creationId xmlns:a16="http://schemas.microsoft.com/office/drawing/2014/main" id="{C43CB012-AEFD-4846-9A0C-FF415AFFFD98}"/>
+                </a:ext>
+              </a:extLst>
+            </p:cNvPr>
+            <p:cNvSpPr>
+              <a:spLocks noChangeArrowheads="1"/>
+            </p:cNvSpPr>
+            <p:nvPr/>
+          </p:nvSpPr>
+          <p:spPr bwMode="auto">
+            <a:xfrm>
+              <a:off x="1532" y="3385"/>
+              <a:ext cx="226" cy="136"/>
+            </a:xfrm>
+            <a:prstGeom prst="chevron">
+              <a:avLst>
+                <a:gd name="adj" fmla="val 41544"/>
+              </a:avLst>
+            </a:prstGeom>
+            <a:solidFill>
+              <a:schemeClr val="bg1"/>
+            </a:solidFill>
+            <a:ln w="6350" algn="ctr">
+              <a:solidFill>
+                <a:srgbClr val="002060"/>
+              </a:solidFill>
+              <a:miter lim="800000"/>
+              <a:headEnd type="none" w="sm" len="sm"/>
+              <a:tailEnd type="none" w="med" len="lg"/>
+            </a:ln>
+          </p:spPr>
+          <p:txBody>
+            <a:bodyPr tIns="68580" bIns="68580" anchor="ctr"/>
+            <a:lstStyle/>
+            <a:p>
+              <a:pPr algn="ctr">
+                <a:defRPr/>
+              </a:pPr>
+              <a:endParaRPr lang="en-GB" sz="1214" dirty="0"/>
+            </a:p>
+          </p:txBody>
+        </p:sp>
+        <p:sp>
+          <p:nvSpPr>
+            <p:cNvPr id="14" name="AutoShape 93">
+              <a:extLst>
+                <a:ext uri="{FF2B5EF4-FFF2-40B4-BE49-F238E27FC236}">
+                  <a16:creationId xmlns:a16="http://schemas.microsoft.com/office/drawing/2014/main" id="{5943A4D3-7B89-44F2-AFE9-B4973747B1A0}"/>
+                </a:ext>
+              </a:extLst>
+            </p:cNvPr>
+            <p:cNvSpPr>
+              <a:spLocks noChangeArrowheads="1"/>
+            </p:cNvSpPr>
+            <p:nvPr/>
+          </p:nvSpPr>
+          <p:spPr bwMode="auto">
+            <a:xfrm>
+              <a:off x="852" y="3385"/>
+              <a:ext cx="227" cy="136"/>
+            </a:xfrm>
+            <a:prstGeom prst="homePlate">
+              <a:avLst>
+                <a:gd name="adj" fmla="val 41728"/>
+              </a:avLst>
+            </a:prstGeom>
+            <a:solidFill>
+              <a:srgbClr val="002060"/>
+            </a:solidFill>
+            <a:ln w="6350" algn="ctr">
+              <a:solidFill>
+                <a:srgbClr val="002060"/>
+              </a:solidFill>
+              <a:miter lim="800000"/>
+              <a:headEnd type="none" w="sm" len="sm"/>
+              <a:tailEnd type="none" w="med" len="lg"/>
+            </a:ln>
+          </p:spPr>
+          <p:txBody>
+            <a:bodyPr tIns="68580" bIns="68580" anchor="ctr"/>
+            <a:lstStyle/>
+            <a:p>
+              <a:pPr algn="ctr">
+                <a:defRPr/>
+              </a:pPr>
+              <a:endParaRPr lang="en-GB" sz="1214" dirty="0"/>
+            </a:p>
+          </p:txBody>
+        </p:sp>
+      </p:grpSp>
+      <p:pic>
+        <p:nvPicPr>
+          <p:cNvPr id="9" name="Picture 8">
+            <a:extLst>
+              <a:ext uri="{FF2B5EF4-FFF2-40B4-BE49-F238E27FC236}">
+                <a16:creationId xmlns:a16="http://schemas.microsoft.com/office/drawing/2014/main" id="{12CCCF9E-24ED-4729-9974-B19649A19BB7}"/>
+              </a:ext>
+            </a:extLst>
+          </p:cNvPr>
+          <p:cNvPicPr>
+            <a:picLocks noChangeAspect="1"/>
+          </p:cNvPicPr>
+          <p:nvPr/>
+        </p:nvPicPr>
+        <p:blipFill>
+          <a:blip r:embed="rId2">
+            <a:extLst>
+              <a:ext uri="{28A0092B-C50C-407E-A947-70E740481C1C}">
+                <a14:useLocalDpi xmlns:a14="http://schemas.microsoft.com/office/drawing/2010/main" val="0"/>
+              </a:ext>
+            </a:extLst>
+          </a:blip>
+          <a:stretch>
+            <a:fillRect/>
+          </a:stretch>
+        </p:blipFill>
+        <p:spPr>
+          <a:xfrm>
+            <a:off x="485335" y="2710357"/>
+            <a:ext cx="8173330" cy="1801912"/>
+          </a:xfrm>
+          <a:prstGeom prst="rect">
+            <a:avLst/>
+          </a:prstGeom>
+        </p:spPr>
+      </p:pic>
+    </p:spTree>
+    <p:extLst>
+      <p:ext uri="{BB962C8B-B14F-4D97-AF65-F5344CB8AC3E}">
+        <p14:creationId xmlns:p14="http://schemas.microsoft.com/office/powerpoint/2010/main" val="2339252620"/>
+      </p:ext>
+    </p:extLst>
+  </p:cSld>
+  <p:clrMapOvr>
+    <a:masterClrMapping/>
+  </p:clrMapOvr>
+</p:sld>
+</file>
+
+<file path=ppt/slides/slide6.xml><?xml version="1.0" encoding="utf-8"?>
+<p:sld xmlns:a="http://schemas.openxmlformats.org/drawingml/2006/main" xmlns:r="http://schemas.openxmlformats.org/officeDocument/2006/relationships" xmlns:p="http://schemas.openxmlformats.org/presentationml/2006/main">
+  <p:cSld>
+    <p:spTree>
+      <p:nvGrpSpPr>
+        <p:cNvPr id="1" name=""/>
+        <p:cNvGrpSpPr/>
+        <p:nvPr/>
+      </p:nvGrpSpPr>
+      <p:grpSpPr>
+        <a:xfrm>
+          <a:off x="0" y="0"/>
+          <a:ext cx="0" cy="0"/>
+          <a:chOff x="0" y="0"/>
+          <a:chExt cx="0" cy="0"/>
+        </a:xfrm>
+      </p:grpSpPr>
+      <p:sp>
+        <p:nvSpPr>
+          <p:cNvPr id="2" name="Content Placeholder 1">
+            <a:extLst>
+              <a:ext uri="{FF2B5EF4-FFF2-40B4-BE49-F238E27FC236}">
                 <a16:creationId xmlns:a16="http://schemas.microsoft.com/office/drawing/2014/main" id="{447C9CBA-ADD4-4F09-AAA3-8564CBF6FF37}"/>
               </a:ext>
             </a:extLst>
@@ -17399,7 +18222,7 @@
             <a:fld id="{F2407EE3-A7AD-4D85-AA70-E0A9F1A7BE8D}" type="slidenum">
               <a:rPr lang="en-US" smtClean="0"/>
               <a:pPr/>
-              <a:t>5</a:t>
+              <a:t>6</a:t>
             </a:fld>
             <a:endParaRPr lang="en-US" dirty="0"/>
           </a:p>
@@ -17819,7 +18642,7 @@
 </p:sld>
 </file>
 
-<file path=ppt/slides/slide6.xml><?xml version="1.0" encoding="utf-8"?>
+<file path=ppt/slides/slide7.xml><?xml version="1.0" encoding="utf-8"?>
 <p:sld xmlns:a="http://schemas.openxmlformats.org/drawingml/2006/main" xmlns:r="http://schemas.openxmlformats.org/officeDocument/2006/relationships" xmlns:p="http://schemas.openxmlformats.org/presentationml/2006/main">
   <p:cSld>
     <p:spTree>
@@ -17917,7 +18740,7 @@
             <a:fld id="{F2407EE3-A7AD-4D85-AA70-E0A9F1A7BE8D}" type="slidenum">
               <a:rPr lang="en-US" smtClean="0"/>
               <a:pPr/>
-              <a:t>6</a:t>
+              <a:t>7</a:t>
             </a:fld>
             <a:endParaRPr lang="en-US" dirty="0"/>
           </a:p>
@@ -18450,7 +19273,7 @@
 </p:sld>
 </file>
 
-<file path=ppt/slides/slide7.xml><?xml version="1.0" encoding="utf-8"?>
+<file path=ppt/slides/slide8.xml><?xml version="1.0" encoding="utf-8"?>
 <p:sld xmlns:a="http://schemas.openxmlformats.org/drawingml/2006/main" xmlns:r="http://schemas.openxmlformats.org/officeDocument/2006/relationships" xmlns:p="http://schemas.openxmlformats.org/presentationml/2006/main">
   <p:cSld>
     <p:spTree>
@@ -18697,7 +19520,7 @@
             <a:fld id="{F2407EE3-A7AD-4D85-AA70-E0A9F1A7BE8D}" type="slidenum">
               <a:rPr lang="en-US" smtClean="0"/>
               <a:pPr/>
-              <a:t>7</a:t>
+              <a:t>8</a:t>
             </a:fld>
             <a:endParaRPr lang="en-US" dirty="0"/>
           </a:p>
@@ -19114,7 +19937,7 @@
 </p:sld>
 </file>
 
-<file path=ppt/slides/slide8.xml><?xml version="1.0" encoding="utf-8"?>
+<file path=ppt/slides/slide9.xml><?xml version="1.0" encoding="utf-8"?>
 <p:sld xmlns:a="http://schemas.openxmlformats.org/drawingml/2006/main" xmlns:r="http://schemas.openxmlformats.org/officeDocument/2006/relationships" xmlns:p="http://schemas.openxmlformats.org/presentationml/2006/main">
   <p:cSld>
     <p:spTree>
@@ -19212,7 +20035,7 @@
             <a:fld id="{F2407EE3-A7AD-4D85-AA70-E0A9F1A7BE8D}" type="slidenum">
               <a:rPr lang="en-US" smtClean="0"/>
               <a:pPr/>
-              <a:t>8</a:t>
+              <a:t>9</a:t>
             </a:fld>
             <a:endParaRPr lang="en-US" dirty="0"/>
           </a:p>
@@ -19738,486 +20561,6 @@
     <p:extLst>
       <p:ext uri="{BB962C8B-B14F-4D97-AF65-F5344CB8AC3E}">
         <p14:creationId xmlns:p14="http://schemas.microsoft.com/office/powerpoint/2010/main" val="757974874"/>
-      </p:ext>
-    </p:extLst>
-  </p:cSld>
-  <p:clrMapOvr>
-    <a:masterClrMapping/>
-  </p:clrMapOvr>
-</p:sld>
-</file>
-
-<file path=ppt/slides/slide9.xml><?xml version="1.0" encoding="utf-8"?>
-<p:sld xmlns:a="http://schemas.openxmlformats.org/drawingml/2006/main" xmlns:r="http://schemas.openxmlformats.org/officeDocument/2006/relationships" xmlns:p="http://schemas.openxmlformats.org/presentationml/2006/main">
-  <p:cSld>
-    <p:spTree>
-      <p:nvGrpSpPr>
-        <p:cNvPr id="1" name=""/>
-        <p:cNvGrpSpPr/>
-        <p:nvPr/>
-      </p:nvGrpSpPr>
-      <p:grpSpPr>
-        <a:xfrm>
-          <a:off x="0" y="0"/>
-          <a:ext cx="0" cy="0"/>
-          <a:chOff x="0" y="0"/>
-          <a:chExt cx="0" cy="0"/>
-        </a:xfrm>
-      </p:grpSpPr>
-      <p:sp>
-        <p:nvSpPr>
-          <p:cNvPr id="3" name="Footer Placeholder 2">
-            <a:extLst>
-              <a:ext uri="{FF2B5EF4-FFF2-40B4-BE49-F238E27FC236}">
-                <a16:creationId xmlns:a16="http://schemas.microsoft.com/office/drawing/2014/main" id="{41D8ADAE-A647-46D7-AB6E-418F9ECC2173}"/>
-              </a:ext>
-            </a:extLst>
-          </p:cNvPr>
-          <p:cNvSpPr>
-            <a:spLocks noGrp="1"/>
-          </p:cNvSpPr>
-          <p:nvPr>
-            <p:ph type="ftr" sz="quarter" idx="11"/>
-          </p:nvPr>
-        </p:nvSpPr>
-        <p:spPr/>
-        <p:txBody>
-          <a:bodyPr/>
-          <a:lstStyle/>
-          <a:p>
-            <a:r>
-              <a:rPr lang="en-US"/>
-              <a:t>Group Four</a:t>
-            </a:r>
-            <a:endParaRPr lang="en-US" dirty="0"/>
-          </a:p>
-        </p:txBody>
-      </p:sp>
-      <p:sp>
-        <p:nvSpPr>
-          <p:cNvPr id="4" name="Title 3">
-            <a:extLst>
-              <a:ext uri="{FF2B5EF4-FFF2-40B4-BE49-F238E27FC236}">
-                <a16:creationId xmlns:a16="http://schemas.microsoft.com/office/drawing/2014/main" id="{2B7F0B7C-3F12-4563-AD80-493B98D62443}"/>
-              </a:ext>
-            </a:extLst>
-          </p:cNvPr>
-          <p:cNvSpPr>
-            <a:spLocks noGrp="1"/>
-          </p:cNvSpPr>
-          <p:nvPr>
-            <p:ph type="title"/>
-          </p:nvPr>
-        </p:nvSpPr>
-        <p:spPr/>
-        <p:txBody>
-          <a:bodyPr/>
-          <a:lstStyle/>
-          <a:p>
-            <a:r>
-              <a:rPr lang="en-US" dirty="0"/>
-              <a:t>Sign up Screen Validation</a:t>
-            </a:r>
-          </a:p>
-        </p:txBody>
-      </p:sp>
-      <p:sp>
-        <p:nvSpPr>
-          <p:cNvPr id="5" name="Slide Number Placeholder 4">
-            <a:extLst>
-              <a:ext uri="{FF2B5EF4-FFF2-40B4-BE49-F238E27FC236}">
-                <a16:creationId xmlns:a16="http://schemas.microsoft.com/office/drawing/2014/main" id="{DA749CD9-F80D-45C4-809A-17411F51AD70}"/>
-              </a:ext>
-            </a:extLst>
-          </p:cNvPr>
-          <p:cNvSpPr>
-            <a:spLocks noGrp="1"/>
-          </p:cNvSpPr>
-          <p:nvPr>
-            <p:ph type="sldNum" sz="quarter" idx="12"/>
-          </p:nvPr>
-        </p:nvSpPr>
-        <p:spPr/>
-        <p:txBody>
-          <a:bodyPr/>
-          <a:lstStyle/>
-          <a:p>
-            <a:fld id="{F2407EE3-A7AD-4D85-AA70-E0A9F1A7BE8D}" type="slidenum">
-              <a:rPr lang="en-US" smtClean="0"/>
-              <a:pPr/>
-              <a:t>9</a:t>
-            </a:fld>
-            <a:endParaRPr lang="en-US" dirty="0"/>
-          </a:p>
-        </p:txBody>
-      </p:sp>
-      <p:grpSp>
-        <p:nvGrpSpPr>
-          <p:cNvPr id="18" name="Group 89">
-            <a:extLst>
-              <a:ext uri="{FF2B5EF4-FFF2-40B4-BE49-F238E27FC236}">
-                <a16:creationId xmlns:a16="http://schemas.microsoft.com/office/drawing/2014/main" id="{E312A4AA-D9C1-4597-9567-DF55FCAFC66C}"/>
-              </a:ext>
-            </a:extLst>
-          </p:cNvPr>
-          <p:cNvGrpSpPr>
-            <a:grpSpLocks/>
-          </p:cNvGrpSpPr>
-          <p:nvPr/>
-        </p:nvGrpSpPr>
-        <p:grpSpPr bwMode="auto">
-          <a:xfrm>
-            <a:off x="7643747" y="320040"/>
-            <a:ext cx="1079599" cy="161925"/>
-            <a:chOff x="852" y="3385"/>
-            <a:chExt cx="906" cy="136"/>
-          </a:xfrm>
-          <a:solidFill>
-            <a:schemeClr val="accent2">
-              <a:lumMod val="75000"/>
-            </a:schemeClr>
-          </a:solidFill>
-        </p:grpSpPr>
-        <p:sp>
-          <p:nvSpPr>
-            <p:cNvPr id="19" name="AutoShape 90">
-              <a:extLst>
-                <a:ext uri="{FF2B5EF4-FFF2-40B4-BE49-F238E27FC236}">
-                  <a16:creationId xmlns:a16="http://schemas.microsoft.com/office/drawing/2014/main" id="{0D3EB79E-5BB7-48A7-BCCE-FD3846B0A067}"/>
-                </a:ext>
-              </a:extLst>
-            </p:cNvPr>
-            <p:cNvSpPr>
-              <a:spLocks noChangeArrowheads="1"/>
-            </p:cNvSpPr>
-            <p:nvPr/>
-          </p:nvSpPr>
-          <p:spPr bwMode="auto">
-            <a:xfrm>
-              <a:off x="1079" y="3385"/>
-              <a:ext cx="226" cy="136"/>
-            </a:xfrm>
-            <a:prstGeom prst="chevron">
-              <a:avLst>
-                <a:gd name="adj" fmla="val 41544"/>
-              </a:avLst>
-            </a:prstGeom>
-            <a:solidFill>
-              <a:srgbClr val="002060"/>
-            </a:solidFill>
-            <a:ln w="6350" algn="ctr">
-              <a:solidFill>
-                <a:srgbClr val="002060"/>
-              </a:solidFill>
-              <a:miter lim="800000"/>
-              <a:headEnd type="none" w="sm" len="sm"/>
-              <a:tailEnd type="none" w="med" len="lg"/>
-            </a:ln>
-          </p:spPr>
-          <p:txBody>
-            <a:bodyPr tIns="68580" bIns="68580" anchor="ctr"/>
-            <a:lstStyle/>
-            <a:p>
-              <a:pPr algn="ctr">
-                <a:defRPr/>
-              </a:pPr>
-              <a:endParaRPr lang="en-GB" sz="1214" dirty="0"/>
-            </a:p>
-          </p:txBody>
-        </p:sp>
-        <p:sp>
-          <p:nvSpPr>
-            <p:cNvPr id="20" name="AutoShape 91">
-              <a:extLst>
-                <a:ext uri="{FF2B5EF4-FFF2-40B4-BE49-F238E27FC236}">
-                  <a16:creationId xmlns:a16="http://schemas.microsoft.com/office/drawing/2014/main" id="{3B1D83F7-3307-4C9E-B605-B4A04FA3A02C}"/>
-                </a:ext>
-              </a:extLst>
-            </p:cNvPr>
-            <p:cNvSpPr>
-              <a:spLocks noChangeArrowheads="1"/>
-            </p:cNvSpPr>
-            <p:nvPr/>
-          </p:nvSpPr>
-          <p:spPr bwMode="auto">
-            <a:xfrm>
-              <a:off x="1306" y="3385"/>
-              <a:ext cx="225" cy="136"/>
-            </a:xfrm>
-            <a:prstGeom prst="chevron">
-              <a:avLst>
-                <a:gd name="adj" fmla="val 41544"/>
-              </a:avLst>
-            </a:prstGeom>
-            <a:noFill/>
-            <a:ln w="6350" algn="ctr">
-              <a:solidFill>
-                <a:srgbClr val="002060"/>
-              </a:solidFill>
-              <a:miter lim="800000"/>
-              <a:headEnd type="none" w="sm" len="sm"/>
-              <a:tailEnd type="none" w="med" len="lg"/>
-            </a:ln>
-          </p:spPr>
-          <p:txBody>
-            <a:bodyPr tIns="68580" bIns="68580" anchor="ctr"/>
-            <a:lstStyle/>
-            <a:p>
-              <a:pPr algn="ctr">
-                <a:defRPr/>
-              </a:pPr>
-              <a:endParaRPr lang="en-GB" sz="1214" dirty="0"/>
-            </a:p>
-          </p:txBody>
-        </p:sp>
-        <p:sp>
-          <p:nvSpPr>
-            <p:cNvPr id="21" name="AutoShape 92">
-              <a:extLst>
-                <a:ext uri="{FF2B5EF4-FFF2-40B4-BE49-F238E27FC236}">
-                  <a16:creationId xmlns:a16="http://schemas.microsoft.com/office/drawing/2014/main" id="{36732666-9C14-42A4-A0BE-EF4433D172C9}"/>
-                </a:ext>
-              </a:extLst>
-            </p:cNvPr>
-            <p:cNvSpPr>
-              <a:spLocks noChangeArrowheads="1"/>
-            </p:cNvSpPr>
-            <p:nvPr/>
-          </p:nvSpPr>
-          <p:spPr bwMode="auto">
-            <a:xfrm>
-              <a:off x="1532" y="3385"/>
-              <a:ext cx="226" cy="136"/>
-            </a:xfrm>
-            <a:prstGeom prst="chevron">
-              <a:avLst>
-                <a:gd name="adj" fmla="val 41544"/>
-              </a:avLst>
-            </a:prstGeom>
-            <a:noFill/>
-            <a:ln w="6350" algn="ctr">
-              <a:solidFill>
-                <a:srgbClr val="002060"/>
-              </a:solidFill>
-              <a:miter lim="800000"/>
-              <a:headEnd type="none" w="sm" len="sm"/>
-              <a:tailEnd type="none" w="med" len="lg"/>
-            </a:ln>
-          </p:spPr>
-          <p:txBody>
-            <a:bodyPr tIns="68580" bIns="68580" anchor="ctr"/>
-            <a:lstStyle/>
-            <a:p>
-              <a:pPr algn="ctr">
-                <a:defRPr/>
-              </a:pPr>
-              <a:endParaRPr lang="en-GB" sz="1214" dirty="0"/>
-            </a:p>
-          </p:txBody>
-        </p:sp>
-        <p:sp>
-          <p:nvSpPr>
-            <p:cNvPr id="22" name="AutoShape 93">
-              <a:extLst>
-                <a:ext uri="{FF2B5EF4-FFF2-40B4-BE49-F238E27FC236}">
-                  <a16:creationId xmlns:a16="http://schemas.microsoft.com/office/drawing/2014/main" id="{ED78344B-2AE9-469C-A7A2-6AE2B783055B}"/>
-                </a:ext>
-              </a:extLst>
-            </p:cNvPr>
-            <p:cNvSpPr>
-              <a:spLocks noChangeArrowheads="1"/>
-            </p:cNvSpPr>
-            <p:nvPr/>
-          </p:nvSpPr>
-          <p:spPr bwMode="auto">
-            <a:xfrm>
-              <a:off x="852" y="3385"/>
-              <a:ext cx="227" cy="136"/>
-            </a:xfrm>
-            <a:prstGeom prst="homePlate">
-              <a:avLst>
-                <a:gd name="adj" fmla="val 41728"/>
-              </a:avLst>
-            </a:prstGeom>
-            <a:noFill/>
-            <a:ln w="6350" algn="ctr">
-              <a:solidFill>
-                <a:srgbClr val="002060"/>
-              </a:solidFill>
-              <a:miter lim="800000"/>
-              <a:headEnd type="none" w="sm" len="sm"/>
-              <a:tailEnd type="none" w="med" len="lg"/>
-            </a:ln>
-          </p:spPr>
-          <p:txBody>
-            <a:bodyPr tIns="68580" bIns="68580" anchor="ctr"/>
-            <a:lstStyle/>
-            <a:p>
-              <a:pPr algn="ctr">
-                <a:defRPr/>
-              </a:pPr>
-              <a:endParaRPr lang="en-GB" sz="1214" dirty="0"/>
-            </a:p>
-          </p:txBody>
-        </p:sp>
-      </p:grpSp>
-      <p:sp>
-        <p:nvSpPr>
-          <p:cNvPr id="8" name="Rectangle 7">
-            <a:extLst>
-              <a:ext uri="{FF2B5EF4-FFF2-40B4-BE49-F238E27FC236}">
-                <a16:creationId xmlns:a16="http://schemas.microsoft.com/office/drawing/2014/main" id="{B3051C2D-1D2B-4AD4-B5E8-90B674B23A85}"/>
-              </a:ext>
-            </a:extLst>
-          </p:cNvPr>
-          <p:cNvSpPr/>
-          <p:nvPr/>
-        </p:nvSpPr>
-        <p:spPr>
-          <a:xfrm>
-            <a:off x="2272456" y="3983011"/>
-            <a:ext cx="554635" cy="154632"/>
-          </a:xfrm>
-          <a:prstGeom prst="rect">
-            <a:avLst/>
-          </a:prstGeom>
-          <a:solidFill>
-            <a:schemeClr val="bg1"/>
-          </a:solidFill>
-          <a:ln>
-            <a:noFill/>
-          </a:ln>
-        </p:spPr>
-        <p:style>
-          <a:lnRef idx="2">
-            <a:schemeClr val="accent1">
-              <a:shade val="50000"/>
-            </a:schemeClr>
-          </a:lnRef>
-          <a:fillRef idx="1">
-            <a:schemeClr val="accent1"/>
-          </a:fillRef>
-          <a:effectRef idx="0">
-            <a:schemeClr val="accent1"/>
-          </a:effectRef>
-          <a:fontRef idx="minor">
-            <a:schemeClr val="lt1"/>
-          </a:fontRef>
-        </p:style>
-        <p:txBody>
-          <a:bodyPr rtlCol="0" anchor="ctr"/>
-          <a:lstStyle/>
-          <a:p>
-            <a:pPr algn="ctr"/>
-            <a:r>
-              <a:rPr lang="en-US" sz="800" b="1" dirty="0">
-                <a:solidFill>
-                  <a:schemeClr val="tx1"/>
-                </a:solidFill>
-              </a:rPr>
-              <a:t>Exhibit 9</a:t>
-            </a:r>
-          </a:p>
-        </p:txBody>
-      </p:sp>
-      <p:sp>
-        <p:nvSpPr>
-          <p:cNvPr id="25" name="Rectangle 24">
-            <a:extLst>
-              <a:ext uri="{FF2B5EF4-FFF2-40B4-BE49-F238E27FC236}">
-                <a16:creationId xmlns:a16="http://schemas.microsoft.com/office/drawing/2014/main" id="{C553066B-5DF8-4065-B00C-EEF91868C931}"/>
-              </a:ext>
-            </a:extLst>
-          </p:cNvPr>
-          <p:cNvSpPr/>
-          <p:nvPr/>
-        </p:nvSpPr>
-        <p:spPr>
-          <a:xfrm>
-            <a:off x="632363" y="1098639"/>
-            <a:ext cx="3813048" cy="293915"/>
-          </a:xfrm>
-          <a:prstGeom prst="rect">
-            <a:avLst/>
-          </a:prstGeom>
-          <a:solidFill>
-            <a:schemeClr val="bg1"/>
-          </a:solidFill>
-          <a:ln>
-            <a:solidFill>
-              <a:schemeClr val="bg1">
-                <a:lumMod val="85000"/>
-              </a:schemeClr>
-            </a:solidFill>
-          </a:ln>
-        </p:spPr>
-        <p:style>
-          <a:lnRef idx="2">
-            <a:schemeClr val="accent1">
-              <a:shade val="50000"/>
-            </a:schemeClr>
-          </a:lnRef>
-          <a:fillRef idx="1">
-            <a:schemeClr val="accent1"/>
-          </a:fillRef>
-          <a:effectRef idx="0">
-            <a:schemeClr val="accent1"/>
-          </a:effectRef>
-          <a:fontRef idx="minor">
-            <a:schemeClr val="lt1"/>
-          </a:fontRef>
-        </p:style>
-        <p:txBody>
-          <a:bodyPr rtlCol="0" anchor="ctr"/>
-          <a:lstStyle/>
-          <a:p>
-            <a:pPr algn="ctr"/>
-            <a:r>
-              <a:rPr lang="en-US" sz="800" b="1" dirty="0">
-                <a:solidFill>
-                  <a:schemeClr val="tx1"/>
-                </a:solidFill>
-                <a:latin typeface="Bookman Old Style" panose="02050604050505020204" pitchFamily="18" charset="0"/>
-              </a:rPr>
-              <a:t>First and Last name combination cannot already be in use</a:t>
-            </a:r>
-          </a:p>
-        </p:txBody>
-      </p:sp>
-      <p:pic>
-        <p:nvPicPr>
-          <p:cNvPr id="16" name="Picture 15">
-            <a:extLst>
-              <a:ext uri="{FF2B5EF4-FFF2-40B4-BE49-F238E27FC236}">
-                <a16:creationId xmlns:a16="http://schemas.microsoft.com/office/drawing/2014/main" id="{F9DE4375-CFE9-4766-A1F6-205A3FB98825}"/>
-              </a:ext>
-            </a:extLst>
-          </p:cNvPr>
-          <p:cNvPicPr>
-            <a:picLocks noChangeAspect="1"/>
-          </p:cNvPicPr>
-          <p:nvPr/>
-        </p:nvPicPr>
-        <p:blipFill>
-          <a:blip r:embed="rId3"/>
-          <a:stretch>
-            <a:fillRect/>
-          </a:stretch>
-        </p:blipFill>
-        <p:spPr>
-          <a:xfrm>
-            <a:off x="650869" y="1430373"/>
-            <a:ext cx="3813048" cy="2560133"/>
-          </a:xfrm>
-          <a:prstGeom prst="rect">
-            <a:avLst/>
-          </a:prstGeom>
-        </p:spPr>
-      </p:pic>
-    </p:spTree>
-    <p:extLst>
-      <p:ext uri="{BB962C8B-B14F-4D97-AF65-F5344CB8AC3E}">
-        <p14:creationId xmlns:p14="http://schemas.microsoft.com/office/powerpoint/2010/main" val="3604893802"/>
       </p:ext>
     </p:extLst>
   </p:cSld>
